--- a/CloudMerger.pptx
+++ b/CloudMerger.pptx
@@ -7,21 +7,24 @@
     <p:sldMasterId id="2147483750" r:id="rId3"/>
   </p:sldMasterIdLst>
   <p:notesMasterIdLst>
-    <p:notesMasterId r:id="rId16"/>
+    <p:notesMasterId r:id="rId19"/>
   </p:notesMasterIdLst>
   <p:sldIdLst>
     <p:sldId id="261" r:id="rId4"/>
-    <p:sldId id="266" r:id="rId5"/>
-    <p:sldId id="297" r:id="rId6"/>
-    <p:sldId id="279" r:id="rId7"/>
-    <p:sldId id="298" r:id="rId8"/>
-    <p:sldId id="299" r:id="rId9"/>
-    <p:sldId id="300" r:id="rId10"/>
-    <p:sldId id="301" r:id="rId11"/>
-    <p:sldId id="302" r:id="rId12"/>
-    <p:sldId id="303" r:id="rId13"/>
-    <p:sldId id="304" r:id="rId14"/>
-    <p:sldId id="296" r:id="rId15"/>
+    <p:sldId id="305" r:id="rId5"/>
+    <p:sldId id="306" r:id="rId6"/>
+    <p:sldId id="307" r:id="rId7"/>
+    <p:sldId id="266" r:id="rId8"/>
+    <p:sldId id="297" r:id="rId9"/>
+    <p:sldId id="279" r:id="rId10"/>
+    <p:sldId id="298" r:id="rId11"/>
+    <p:sldId id="299" r:id="rId12"/>
+    <p:sldId id="300" r:id="rId13"/>
+    <p:sldId id="301" r:id="rId14"/>
+    <p:sldId id="302" r:id="rId15"/>
+    <p:sldId id="303" r:id="rId16"/>
+    <p:sldId id="304" r:id="rId17"/>
+    <p:sldId id="296" r:id="rId18"/>
   </p:sldIdLst>
   <p:sldSz cx="12192000" cy="6858000"/>
   <p:notesSz cx="6858000" cy="9144000"/>
@@ -126,6 +129,9 @@
         <p14:section name="Раздел по умолчанию" id="{0E8A4D08-A0C0-4B43-B894-2BE6CAAF371A}">
           <p14:sldIdLst>
             <p14:sldId id="261"/>
+            <p14:sldId id="305"/>
+            <p14:sldId id="306"/>
+            <p14:sldId id="307"/>
           </p14:sldIdLst>
         </p14:section>
         <p14:section name="Общая информация" id="{62774F3D-A9EE-48C0-B395-3817C8B4259F}">
@@ -250,7 +256,7 @@
           <a:p>
             <a:fld id="{3F66B0A3-8829-454C-82AD-7C02CFF2BB29}" type="datetimeFigureOut">
               <a:rPr lang="ru-RU" smtClean="0"/>
-              <a:t>09.06.2017</a:t>
+              <a:t>10.06.2017</a:t>
             </a:fld>
             <a:endParaRPr lang="ru-RU"/>
           </a:p>
@@ -666,7 +672,7 @@
           <a:p>
             <a:fld id="{94CDE472-856A-4C5F-90D1-1F8917732D43}" type="slidenum">
               <a:rPr lang="ru-RU" smtClean="0"/>
-              <a:t>10</a:t>
+              <a:t>13</a:t>
             </a:fld>
             <a:endParaRPr lang="ru-RU"/>
           </a:p>
@@ -750,7 +756,7 @@
           <a:p>
             <a:fld id="{94CDE472-856A-4C5F-90D1-1F8917732D43}" type="slidenum">
               <a:rPr lang="ru-RU" smtClean="0"/>
-              <a:t>11</a:t>
+              <a:t>14</a:t>
             </a:fld>
             <a:endParaRPr lang="ru-RU"/>
           </a:p>
@@ -834,7 +840,7 @@
           <a:p>
             <a:fld id="{94CDE472-856A-4C5F-90D1-1F8917732D43}" type="slidenum">
               <a:rPr lang="ru-RU" smtClean="0"/>
-              <a:t>12</a:t>
+              <a:t>15</a:t>
             </a:fld>
             <a:endParaRPr lang="ru-RU"/>
           </a:p>
@@ -918,7 +924,7 @@
           <a:p>
             <a:fld id="{94CDE472-856A-4C5F-90D1-1F8917732D43}" type="slidenum">
               <a:rPr lang="ru-RU" smtClean="0"/>
-              <a:t>2</a:t>
+              <a:t>5</a:t>
             </a:fld>
             <a:endParaRPr lang="ru-RU"/>
           </a:p>
@@ -1002,7 +1008,7 @@
           <a:p>
             <a:fld id="{94CDE472-856A-4C5F-90D1-1F8917732D43}" type="slidenum">
               <a:rPr lang="ru-RU" smtClean="0"/>
-              <a:t>3</a:t>
+              <a:t>6</a:t>
             </a:fld>
             <a:endParaRPr lang="ru-RU"/>
           </a:p>
@@ -1086,7 +1092,7 @@
           <a:p>
             <a:fld id="{94CDE472-856A-4C5F-90D1-1F8917732D43}" type="slidenum">
               <a:rPr lang="ru-RU" smtClean="0"/>
-              <a:t>4</a:t>
+              <a:t>7</a:t>
             </a:fld>
             <a:endParaRPr lang="ru-RU"/>
           </a:p>
@@ -1170,7 +1176,7 @@
           <a:p>
             <a:fld id="{94CDE472-856A-4C5F-90D1-1F8917732D43}" type="slidenum">
               <a:rPr lang="ru-RU" smtClean="0"/>
-              <a:t>5</a:t>
+              <a:t>8</a:t>
             </a:fld>
             <a:endParaRPr lang="ru-RU"/>
           </a:p>
@@ -1254,7 +1260,7 @@
           <a:p>
             <a:fld id="{94CDE472-856A-4C5F-90D1-1F8917732D43}" type="slidenum">
               <a:rPr lang="ru-RU" smtClean="0"/>
-              <a:t>6</a:t>
+              <a:t>9</a:t>
             </a:fld>
             <a:endParaRPr lang="ru-RU"/>
           </a:p>
@@ -1338,7 +1344,7 @@
           <a:p>
             <a:fld id="{94CDE472-856A-4C5F-90D1-1F8917732D43}" type="slidenum">
               <a:rPr lang="ru-RU" smtClean="0"/>
-              <a:t>7</a:t>
+              <a:t>10</a:t>
             </a:fld>
             <a:endParaRPr lang="ru-RU"/>
           </a:p>
@@ -1422,7 +1428,7 @@
           <a:p>
             <a:fld id="{94CDE472-856A-4C5F-90D1-1F8917732D43}" type="slidenum">
               <a:rPr lang="ru-RU" smtClean="0"/>
-              <a:t>8</a:t>
+              <a:t>11</a:t>
             </a:fld>
             <a:endParaRPr lang="ru-RU"/>
           </a:p>
@@ -1506,7 +1512,7 @@
           <a:p>
             <a:fld id="{94CDE472-856A-4C5F-90D1-1F8917732D43}" type="slidenum">
               <a:rPr lang="ru-RU" smtClean="0"/>
-              <a:t>9</a:t>
+              <a:t>12</a:t>
             </a:fld>
             <a:endParaRPr lang="ru-RU"/>
           </a:p>
@@ -1667,7 +1673,7 @@
           <a:p>
             <a:fld id="{7D509BED-3442-45B2-9A11-390A0AF5BB8F}" type="datetimeFigureOut">
               <a:rPr lang="ru-RU" smtClean="0"/>
-              <a:t>09.06.2017</a:t>
+              <a:t>10.06.2017</a:t>
             </a:fld>
             <a:endParaRPr lang="ru-RU"/>
           </a:p>
@@ -1837,7 +1843,7 @@
           <a:p>
             <a:fld id="{7D509BED-3442-45B2-9A11-390A0AF5BB8F}" type="datetimeFigureOut">
               <a:rPr lang="ru-RU" smtClean="0"/>
-              <a:t>09.06.2017</a:t>
+              <a:t>10.06.2017</a:t>
             </a:fld>
             <a:endParaRPr lang="ru-RU"/>
           </a:p>
@@ -2017,7 +2023,7 @@
           <a:p>
             <a:fld id="{7D509BED-3442-45B2-9A11-390A0AF5BB8F}" type="datetimeFigureOut">
               <a:rPr lang="ru-RU" smtClean="0"/>
-              <a:t>09.06.2017</a:t>
+              <a:t>10.06.2017</a:t>
             </a:fld>
             <a:endParaRPr lang="ru-RU"/>
           </a:p>
@@ -2220,7 +2226,7 @@
           <a:p>
             <a:fld id="{7D509BED-3442-45B2-9A11-390A0AF5BB8F}" type="datetimeFigureOut">
               <a:rPr lang="ru-RU" smtClean="0"/>
-              <a:t>09.06.2017</a:t>
+              <a:t>10.06.2017</a:t>
             </a:fld>
             <a:endParaRPr lang="ru-RU"/>
           </a:p>
@@ -2390,7 +2396,7 @@
           <a:p>
             <a:fld id="{7D509BED-3442-45B2-9A11-390A0AF5BB8F}" type="datetimeFigureOut">
               <a:rPr lang="ru-RU" smtClean="0"/>
-              <a:t>09.06.2017</a:t>
+              <a:t>10.06.2017</a:t>
             </a:fld>
             <a:endParaRPr lang="ru-RU"/>
           </a:p>
@@ -2641,7 +2647,7 @@
           <a:p>
             <a:fld id="{7D509BED-3442-45B2-9A11-390A0AF5BB8F}" type="datetimeFigureOut">
               <a:rPr lang="ru-RU" smtClean="0"/>
-              <a:t>09.06.2017</a:t>
+              <a:t>10.06.2017</a:t>
             </a:fld>
             <a:endParaRPr lang="ru-RU"/>
           </a:p>
@@ -2873,7 +2879,7 @@
           <a:p>
             <a:fld id="{7D509BED-3442-45B2-9A11-390A0AF5BB8F}" type="datetimeFigureOut">
               <a:rPr lang="ru-RU" smtClean="0"/>
-              <a:t>09.06.2017</a:t>
+              <a:t>10.06.2017</a:t>
             </a:fld>
             <a:endParaRPr lang="ru-RU"/>
           </a:p>
@@ -3220,7 +3226,7 @@
           <a:p>
             <a:fld id="{7D509BED-3442-45B2-9A11-390A0AF5BB8F}" type="datetimeFigureOut">
               <a:rPr lang="ru-RU" smtClean="0"/>
-              <a:t>09.06.2017</a:t>
+              <a:t>10.06.2017</a:t>
             </a:fld>
             <a:endParaRPr lang="ru-RU"/>
           </a:p>
@@ -3338,7 +3344,7 @@
           <a:p>
             <a:fld id="{7D509BED-3442-45B2-9A11-390A0AF5BB8F}" type="datetimeFigureOut">
               <a:rPr lang="ru-RU" smtClean="0"/>
-              <a:t>09.06.2017</a:t>
+              <a:t>10.06.2017</a:t>
             </a:fld>
             <a:endParaRPr lang="ru-RU"/>
           </a:p>
@@ -3456,7 +3462,7 @@
           <a:p>
             <a:fld id="{7D509BED-3442-45B2-9A11-390A0AF5BB8F}" type="datetimeFigureOut">
               <a:rPr lang="ru-RU" smtClean="0"/>
-              <a:t>09.06.2017</a:t>
+              <a:t>10.06.2017</a:t>
             </a:fld>
             <a:endParaRPr lang="ru-RU"/>
           </a:p>
@@ -3740,7 +3746,7 @@
           <a:p>
             <a:fld id="{7D509BED-3442-45B2-9A11-390A0AF5BB8F}" type="datetimeFigureOut">
               <a:rPr lang="ru-RU" smtClean="0"/>
-              <a:t>09.06.2017</a:t>
+              <a:t>10.06.2017</a:t>
             </a:fld>
             <a:endParaRPr lang="ru-RU"/>
           </a:p>
@@ -3910,7 +3916,7 @@
           <a:p>
             <a:fld id="{7D509BED-3442-45B2-9A11-390A0AF5BB8F}" type="datetimeFigureOut">
               <a:rPr lang="ru-RU" smtClean="0"/>
-              <a:t>09.06.2017</a:t>
+              <a:t>10.06.2017</a:t>
             </a:fld>
             <a:endParaRPr lang="ru-RU"/>
           </a:p>
@@ -4174,7 +4180,7 @@
           <a:p>
             <a:fld id="{7D509BED-3442-45B2-9A11-390A0AF5BB8F}" type="datetimeFigureOut">
               <a:rPr lang="ru-RU" smtClean="0"/>
-              <a:t>09.06.2017</a:t>
+              <a:t>10.06.2017</a:t>
             </a:fld>
             <a:endParaRPr lang="ru-RU"/>
           </a:p>
@@ -4344,7 +4350,7 @@
           <a:p>
             <a:fld id="{7D509BED-3442-45B2-9A11-390A0AF5BB8F}" type="datetimeFigureOut">
               <a:rPr lang="ru-RU" smtClean="0"/>
-              <a:t>09.06.2017</a:t>
+              <a:t>10.06.2017</a:t>
             </a:fld>
             <a:endParaRPr lang="ru-RU"/>
           </a:p>
@@ -4524,7 +4530,7 @@
           <a:p>
             <a:fld id="{7D509BED-3442-45B2-9A11-390A0AF5BB8F}" type="datetimeFigureOut">
               <a:rPr lang="ru-RU" smtClean="0"/>
-              <a:t>09.06.2017</a:t>
+              <a:t>10.06.2017</a:t>
             </a:fld>
             <a:endParaRPr lang="ru-RU"/>
           </a:p>
@@ -4727,7 +4733,7 @@
           <a:p>
             <a:fld id="{7D509BED-3442-45B2-9A11-390A0AF5BB8F}" type="datetimeFigureOut">
               <a:rPr lang="ru-RU" smtClean="0"/>
-              <a:t>09.06.2017</a:t>
+              <a:t>10.06.2017</a:t>
             </a:fld>
             <a:endParaRPr lang="ru-RU"/>
           </a:p>
@@ -4897,7 +4903,7 @@
           <a:p>
             <a:fld id="{7D509BED-3442-45B2-9A11-390A0AF5BB8F}" type="datetimeFigureOut">
               <a:rPr lang="ru-RU" smtClean="0"/>
-              <a:t>09.06.2017</a:t>
+              <a:t>10.06.2017</a:t>
             </a:fld>
             <a:endParaRPr lang="ru-RU"/>
           </a:p>
@@ -5148,7 +5154,7 @@
           <a:p>
             <a:fld id="{7D509BED-3442-45B2-9A11-390A0AF5BB8F}" type="datetimeFigureOut">
               <a:rPr lang="ru-RU" smtClean="0"/>
-              <a:t>09.06.2017</a:t>
+              <a:t>10.06.2017</a:t>
             </a:fld>
             <a:endParaRPr lang="ru-RU"/>
           </a:p>
@@ -5380,7 +5386,7 @@
           <a:p>
             <a:fld id="{7D509BED-3442-45B2-9A11-390A0AF5BB8F}" type="datetimeFigureOut">
               <a:rPr lang="ru-RU" smtClean="0"/>
-              <a:t>09.06.2017</a:t>
+              <a:t>10.06.2017</a:t>
             </a:fld>
             <a:endParaRPr lang="ru-RU"/>
           </a:p>
@@ -5727,7 +5733,7 @@
           <a:p>
             <a:fld id="{7D509BED-3442-45B2-9A11-390A0AF5BB8F}" type="datetimeFigureOut">
               <a:rPr lang="ru-RU" smtClean="0"/>
-              <a:t>09.06.2017</a:t>
+              <a:t>10.06.2017</a:t>
             </a:fld>
             <a:endParaRPr lang="ru-RU"/>
           </a:p>
@@ -5845,7 +5851,7 @@
           <a:p>
             <a:fld id="{7D509BED-3442-45B2-9A11-390A0AF5BB8F}" type="datetimeFigureOut">
               <a:rPr lang="ru-RU" smtClean="0"/>
-              <a:t>09.06.2017</a:t>
+              <a:t>10.06.2017</a:t>
             </a:fld>
             <a:endParaRPr lang="ru-RU"/>
           </a:p>
@@ -5963,7 +5969,7 @@
           <a:p>
             <a:fld id="{7D509BED-3442-45B2-9A11-390A0AF5BB8F}" type="datetimeFigureOut">
               <a:rPr lang="ru-RU" smtClean="0"/>
-              <a:t>09.06.2017</a:t>
+              <a:t>10.06.2017</a:t>
             </a:fld>
             <a:endParaRPr lang="ru-RU"/>
           </a:p>
@@ -6214,7 +6220,7 @@
           <a:p>
             <a:fld id="{7D509BED-3442-45B2-9A11-390A0AF5BB8F}" type="datetimeFigureOut">
               <a:rPr lang="ru-RU" smtClean="0"/>
-              <a:t>09.06.2017</a:t>
+              <a:t>10.06.2017</a:t>
             </a:fld>
             <a:endParaRPr lang="ru-RU"/>
           </a:p>
@@ -6498,7 +6504,7 @@
           <a:p>
             <a:fld id="{7D509BED-3442-45B2-9A11-390A0AF5BB8F}" type="datetimeFigureOut">
               <a:rPr lang="ru-RU" smtClean="0"/>
-              <a:t>09.06.2017</a:t>
+              <a:t>10.06.2017</a:t>
             </a:fld>
             <a:endParaRPr lang="ru-RU"/>
           </a:p>
@@ -6762,7 +6768,7 @@
           <a:p>
             <a:fld id="{7D509BED-3442-45B2-9A11-390A0AF5BB8F}" type="datetimeFigureOut">
               <a:rPr lang="ru-RU" smtClean="0"/>
-              <a:t>09.06.2017</a:t>
+              <a:t>10.06.2017</a:t>
             </a:fld>
             <a:endParaRPr lang="ru-RU"/>
           </a:p>
@@ -6932,7 +6938,7 @@
           <a:p>
             <a:fld id="{7D509BED-3442-45B2-9A11-390A0AF5BB8F}" type="datetimeFigureOut">
               <a:rPr lang="ru-RU" smtClean="0"/>
-              <a:t>09.06.2017</a:t>
+              <a:t>10.06.2017</a:t>
             </a:fld>
             <a:endParaRPr lang="ru-RU"/>
           </a:p>
@@ -7112,7 +7118,7 @@
           <a:p>
             <a:fld id="{7D509BED-3442-45B2-9A11-390A0AF5BB8F}" type="datetimeFigureOut">
               <a:rPr lang="ru-RU" smtClean="0"/>
-              <a:t>09.06.2017</a:t>
+              <a:t>10.06.2017</a:t>
             </a:fld>
             <a:endParaRPr lang="ru-RU"/>
           </a:p>
@@ -7344,7 +7350,7 @@
           <a:p>
             <a:fld id="{7D509BED-3442-45B2-9A11-390A0AF5BB8F}" type="datetimeFigureOut">
               <a:rPr lang="ru-RU" smtClean="0"/>
-              <a:t>09.06.2017</a:t>
+              <a:t>10.06.2017</a:t>
             </a:fld>
             <a:endParaRPr lang="ru-RU"/>
           </a:p>
@@ -7691,7 +7697,7 @@
           <a:p>
             <a:fld id="{7D509BED-3442-45B2-9A11-390A0AF5BB8F}" type="datetimeFigureOut">
               <a:rPr lang="ru-RU" smtClean="0"/>
-              <a:t>09.06.2017</a:t>
+              <a:t>10.06.2017</a:t>
             </a:fld>
             <a:endParaRPr lang="ru-RU"/>
           </a:p>
@@ -7809,7 +7815,7 @@
           <a:p>
             <a:fld id="{7D509BED-3442-45B2-9A11-390A0AF5BB8F}" type="datetimeFigureOut">
               <a:rPr lang="ru-RU" smtClean="0"/>
-              <a:t>09.06.2017</a:t>
+              <a:t>10.06.2017</a:t>
             </a:fld>
             <a:endParaRPr lang="ru-RU"/>
           </a:p>
@@ -7927,7 +7933,7 @@
           <a:p>
             <a:fld id="{7D509BED-3442-45B2-9A11-390A0AF5BB8F}" type="datetimeFigureOut">
               <a:rPr lang="ru-RU" smtClean="0"/>
-              <a:t>09.06.2017</a:t>
+              <a:t>10.06.2017</a:t>
             </a:fld>
             <a:endParaRPr lang="ru-RU"/>
           </a:p>
@@ -8211,7 +8217,7 @@
           <a:p>
             <a:fld id="{7D509BED-3442-45B2-9A11-390A0AF5BB8F}" type="datetimeFigureOut">
               <a:rPr lang="ru-RU" smtClean="0"/>
-              <a:t>09.06.2017</a:t>
+              <a:t>10.06.2017</a:t>
             </a:fld>
             <a:endParaRPr lang="ru-RU"/>
           </a:p>
@@ -8475,7 +8481,7 @@
           <a:p>
             <a:fld id="{7D509BED-3442-45B2-9A11-390A0AF5BB8F}" type="datetimeFigureOut">
               <a:rPr lang="ru-RU" smtClean="0"/>
-              <a:t>09.06.2017</a:t>
+              <a:t>10.06.2017</a:t>
             </a:fld>
             <a:endParaRPr lang="ru-RU"/>
           </a:p>
@@ -8689,7 +8695,7 @@
           <a:p>
             <a:fld id="{7D509BED-3442-45B2-9A11-390A0AF5BB8F}" type="datetimeFigureOut">
               <a:rPr lang="ru-RU" smtClean="0"/>
-              <a:t>09.06.2017</a:t>
+              <a:t>10.06.2017</a:t>
             </a:fld>
             <a:endParaRPr lang="ru-RU"/>
           </a:p>
@@ -9219,7 +9225,7 @@
           <a:p>
             <a:fld id="{7D509BED-3442-45B2-9A11-390A0AF5BB8F}" type="datetimeFigureOut">
               <a:rPr lang="ru-RU" smtClean="0"/>
-              <a:t>09.06.2017</a:t>
+              <a:t>10.06.2017</a:t>
             </a:fld>
             <a:endParaRPr lang="ru-RU"/>
           </a:p>
@@ -9749,7 +9755,7 @@
           <a:p>
             <a:fld id="{7D509BED-3442-45B2-9A11-390A0AF5BB8F}" type="datetimeFigureOut">
               <a:rPr lang="ru-RU" smtClean="0"/>
-              <a:t>09.06.2017</a:t>
+              <a:t>10.06.2017</a:t>
             </a:fld>
             <a:endParaRPr lang="ru-RU"/>
           </a:p>
@@ -10286,6 +10292,2449 @@
       </p:grpSpPr>
       <p:pic>
         <p:nvPicPr>
+          <p:cNvPr id="5" name="Рисунок 4"/>
+          <p:cNvPicPr>
+            <a:picLocks noChangeAspect="1"/>
+          </p:cNvPicPr>
+          <p:nvPr/>
+        </p:nvPicPr>
+        <p:blipFill>
+          <a:blip r:embed="rId3">
+            <a:extLst>
+              <a:ext uri="{28A0092B-C50C-407E-A947-70E740481C1C}">
+                <a14:useLocalDpi xmlns:a14="http://schemas.microsoft.com/office/drawing/2010/main" val="0"/>
+              </a:ext>
+            </a:extLst>
+          </a:blip>
+          <a:stretch>
+            <a:fillRect/>
+          </a:stretch>
+        </p:blipFill>
+        <p:spPr>
+          <a:xfrm>
+            <a:off x="1986716" y="0"/>
+            <a:ext cx="8218568" cy="6858000"/>
+          </a:xfrm>
+          <a:prstGeom prst="rect">
+            <a:avLst/>
+          </a:prstGeom>
+        </p:spPr>
+      </p:pic>
+    </p:spTree>
+    <p:extLst>
+      <p:ext uri="{BB962C8B-B14F-4D97-AF65-F5344CB8AC3E}">
+        <p14:creationId xmlns:p14="http://schemas.microsoft.com/office/powerpoint/2010/main" val="1925621923"/>
+      </p:ext>
+    </p:extLst>
+  </p:cSld>
+  <p:clrMapOvr>
+    <a:masterClrMapping/>
+  </p:clrMapOvr>
+</p:sld>
+</file>
+
+<file path=ppt/slides/slide11.xml><?xml version="1.0" encoding="utf-8"?>
+<p:sld xmlns:a="http://schemas.openxmlformats.org/drawingml/2006/main" xmlns:r="http://schemas.openxmlformats.org/officeDocument/2006/relationships" xmlns:p="http://schemas.openxmlformats.org/presentationml/2006/main">
+  <p:cSld>
+    <p:spTree>
+      <p:nvGrpSpPr>
+        <p:cNvPr id="1" name=""/>
+        <p:cNvGrpSpPr/>
+        <p:nvPr/>
+      </p:nvGrpSpPr>
+      <p:grpSpPr>
+        <a:xfrm>
+          <a:off x="0" y="0"/>
+          <a:ext cx="0" cy="0"/>
+          <a:chOff x="0" y="0"/>
+          <a:chExt cx="0" cy="0"/>
+        </a:xfrm>
+      </p:grpSpPr>
+      <p:sp>
+        <p:nvSpPr>
+          <p:cNvPr id="4" name="Прямоугольник 3"/>
+          <p:cNvSpPr/>
+          <p:nvPr/>
+        </p:nvSpPr>
+        <p:spPr>
+          <a:xfrm>
+            <a:off x="96253" y="264206"/>
+            <a:ext cx="12192000" cy="6463308"/>
+          </a:xfrm>
+          <a:prstGeom prst="rect">
+            <a:avLst/>
+          </a:prstGeom>
+        </p:spPr>
+        <p:txBody>
+          <a:bodyPr wrap="square">
+            <a:spAutoFit/>
+          </a:bodyPr>
+          <a:lstStyle/>
+          <a:p>
+            <a:r>
+              <a:rPr lang="en-US" dirty="0">
+                <a:solidFill>
+                  <a:srgbClr val="0000FF"/>
+                </a:solidFill>
+                <a:latin typeface="Consolas" panose="020B0609020204030204" pitchFamily="49" charset="0"/>
+              </a:rPr>
+              <a:t>public</a:t>
+            </a:r>
+            <a:r>
+              <a:rPr lang="en-US" dirty="0">
+                <a:solidFill>
+                  <a:srgbClr val="000000"/>
+                </a:solidFill>
+                <a:latin typeface="Consolas" panose="020B0609020204030204" pitchFamily="49" charset="0"/>
+              </a:rPr>
+              <a:t> </a:t>
+            </a:r>
+            <a:r>
+              <a:rPr lang="en-US" dirty="0">
+                <a:solidFill>
+                  <a:srgbClr val="0000FF"/>
+                </a:solidFill>
+                <a:latin typeface="Consolas" panose="020B0609020204030204" pitchFamily="49" charset="0"/>
+              </a:rPr>
+              <a:t>class</a:t>
+            </a:r>
+            <a:r>
+              <a:rPr lang="en-US" dirty="0">
+                <a:solidFill>
+                  <a:srgbClr val="000000"/>
+                </a:solidFill>
+                <a:latin typeface="Consolas" panose="020B0609020204030204" pitchFamily="49" charset="0"/>
+              </a:rPr>
+              <a:t> </a:t>
+            </a:r>
+            <a:r>
+              <a:rPr lang="en-US" dirty="0" err="1">
+                <a:solidFill>
+                  <a:srgbClr val="2B91AF"/>
+                </a:solidFill>
+                <a:latin typeface="Consolas" panose="020B0609020204030204" pitchFamily="49" charset="0"/>
+              </a:rPr>
+              <a:t>FileHostingClient</a:t>
+            </a:r>
+            <a:endParaRPr lang="en-US" dirty="0">
+              <a:solidFill>
+                <a:srgbClr val="000000"/>
+              </a:solidFill>
+              <a:latin typeface="Consolas" panose="020B0609020204030204" pitchFamily="49" charset="0"/>
+            </a:endParaRPr>
+          </a:p>
+          <a:p>
+            <a:r>
+              <a:rPr lang="ru-RU" dirty="0">
+                <a:solidFill>
+                  <a:srgbClr val="000000"/>
+                </a:solidFill>
+                <a:latin typeface="Consolas" panose="020B0609020204030204" pitchFamily="49" charset="0"/>
+              </a:rPr>
+              <a:t>{</a:t>
+            </a:r>
+          </a:p>
+          <a:p>
+            <a:r>
+              <a:rPr lang="en-US" dirty="0">
+                <a:solidFill>
+                  <a:srgbClr val="000000"/>
+                </a:solidFill>
+                <a:latin typeface="Consolas" panose="020B0609020204030204" pitchFamily="49" charset="0"/>
+              </a:rPr>
+              <a:t>        [</a:t>
+            </a:r>
+            <a:r>
+              <a:rPr lang="en-US" dirty="0">
+                <a:solidFill>
+                  <a:srgbClr val="2B91AF"/>
+                </a:solidFill>
+                <a:latin typeface="Consolas" panose="020B0609020204030204" pitchFamily="49" charset="0"/>
+              </a:rPr>
+              <a:t>Command</a:t>
+            </a:r>
+            <a:r>
+              <a:rPr lang="en-US" dirty="0">
+                <a:solidFill>
+                  <a:srgbClr val="000000"/>
+                </a:solidFill>
+                <a:latin typeface="Consolas" panose="020B0609020204030204" pitchFamily="49" charset="0"/>
+              </a:rPr>
+              <a:t>(</a:t>
+            </a:r>
+            <a:r>
+              <a:rPr lang="en-US" dirty="0">
+                <a:solidFill>
+                  <a:srgbClr val="A31515"/>
+                </a:solidFill>
+                <a:latin typeface="Consolas" panose="020B0609020204030204" pitchFamily="49" charset="0"/>
+              </a:rPr>
+              <a:t>"show list of nested files and directories (root directory)"</a:t>
+            </a:r>
+            <a:r>
+              <a:rPr lang="en-US" dirty="0">
+                <a:solidFill>
+                  <a:srgbClr val="000000"/>
+                </a:solidFill>
+                <a:latin typeface="Consolas" panose="020B0609020204030204" pitchFamily="49" charset="0"/>
+              </a:rPr>
+              <a:t>, </a:t>
+            </a:r>
+            <a:r>
+              <a:rPr lang="en-US" dirty="0">
+                <a:solidFill>
+                  <a:srgbClr val="0000FF"/>
+                </a:solidFill>
+                <a:latin typeface="Consolas" panose="020B0609020204030204" pitchFamily="49" charset="0"/>
+              </a:rPr>
+              <a:t>true</a:t>
+            </a:r>
+            <a:r>
+              <a:rPr lang="en-US" dirty="0">
+                <a:solidFill>
+                  <a:srgbClr val="000000"/>
+                </a:solidFill>
+                <a:latin typeface="Consolas" panose="020B0609020204030204" pitchFamily="49" charset="0"/>
+              </a:rPr>
+              <a:t>)]</a:t>
+            </a:r>
+          </a:p>
+          <a:p>
+            <a:r>
+              <a:rPr lang="en-US" dirty="0">
+                <a:solidFill>
+                  <a:srgbClr val="000000"/>
+                </a:solidFill>
+                <a:latin typeface="Consolas" panose="020B0609020204030204" pitchFamily="49" charset="0"/>
+              </a:rPr>
+              <a:t>        </a:t>
+            </a:r>
+            <a:r>
+              <a:rPr lang="en-US" dirty="0">
+                <a:solidFill>
+                  <a:srgbClr val="0000FF"/>
+                </a:solidFill>
+                <a:latin typeface="Consolas" panose="020B0609020204030204" pitchFamily="49" charset="0"/>
+              </a:rPr>
+              <a:t>public</a:t>
+            </a:r>
+            <a:r>
+              <a:rPr lang="en-US" dirty="0">
+                <a:solidFill>
+                  <a:srgbClr val="000000"/>
+                </a:solidFill>
+                <a:latin typeface="Consolas" panose="020B0609020204030204" pitchFamily="49" charset="0"/>
+              </a:rPr>
+              <a:t> </a:t>
+            </a:r>
+            <a:r>
+              <a:rPr lang="en-US" dirty="0" err="1">
+                <a:solidFill>
+                  <a:srgbClr val="0000FF"/>
+                </a:solidFill>
+                <a:latin typeface="Consolas" panose="020B0609020204030204" pitchFamily="49" charset="0"/>
+              </a:rPr>
+              <a:t>async</a:t>
+            </a:r>
+            <a:r>
+              <a:rPr lang="en-US" dirty="0">
+                <a:solidFill>
+                  <a:srgbClr val="000000"/>
+                </a:solidFill>
+                <a:latin typeface="Consolas" panose="020B0609020204030204" pitchFamily="49" charset="0"/>
+              </a:rPr>
+              <a:t> </a:t>
+            </a:r>
+            <a:r>
+              <a:rPr lang="en-US" dirty="0">
+                <a:solidFill>
+                  <a:srgbClr val="2B91AF"/>
+                </a:solidFill>
+                <a:latin typeface="Consolas" panose="020B0609020204030204" pitchFamily="49" charset="0"/>
+              </a:rPr>
+              <a:t>Task</a:t>
+            </a:r>
+            <a:r>
+              <a:rPr lang="en-US" dirty="0">
+                <a:solidFill>
+                  <a:srgbClr val="000000"/>
+                </a:solidFill>
+                <a:latin typeface="Consolas" panose="020B0609020204030204" pitchFamily="49" charset="0"/>
+              </a:rPr>
+              <a:t> List()</a:t>
+            </a:r>
+            <a:r>
+              <a:rPr lang="ru-RU" dirty="0">
+                <a:solidFill>
+                  <a:srgbClr val="000000"/>
+                </a:solidFill>
+                <a:latin typeface="Consolas" panose="020B0609020204030204" pitchFamily="49" charset="0"/>
+              </a:rPr>
+              <a:t> { … }</a:t>
+            </a:r>
+          </a:p>
+          <a:p>
+            <a:endParaRPr lang="ru-RU" dirty="0">
+              <a:solidFill>
+                <a:srgbClr val="000000"/>
+              </a:solidFill>
+              <a:latin typeface="Consolas" panose="020B0609020204030204" pitchFamily="49" charset="0"/>
+            </a:endParaRPr>
+          </a:p>
+          <a:p>
+            <a:r>
+              <a:rPr lang="en-US" dirty="0">
+                <a:solidFill>
+                  <a:srgbClr val="000000"/>
+                </a:solidFill>
+                <a:latin typeface="Consolas" panose="020B0609020204030204" pitchFamily="49" charset="0"/>
+              </a:rPr>
+              <a:t>        [</a:t>
+            </a:r>
+            <a:r>
+              <a:rPr lang="en-US" dirty="0">
+                <a:solidFill>
+                  <a:srgbClr val="2B91AF"/>
+                </a:solidFill>
+                <a:latin typeface="Consolas" panose="020B0609020204030204" pitchFamily="49" charset="0"/>
+              </a:rPr>
+              <a:t>Command</a:t>
+            </a:r>
+            <a:r>
+              <a:rPr lang="en-US" dirty="0">
+                <a:solidFill>
+                  <a:srgbClr val="000000"/>
+                </a:solidFill>
+                <a:latin typeface="Consolas" panose="020B0609020204030204" pitchFamily="49" charset="0"/>
+              </a:rPr>
+              <a:t>(</a:t>
+            </a:r>
+            <a:r>
+              <a:rPr lang="en-US" dirty="0">
+                <a:solidFill>
+                  <a:srgbClr val="A31515"/>
+                </a:solidFill>
+                <a:latin typeface="Consolas" panose="020B0609020204030204" pitchFamily="49" charset="0"/>
+              </a:rPr>
+              <a:t>"show list of nested files and directories"</a:t>
+            </a:r>
+            <a:r>
+              <a:rPr lang="en-US" dirty="0">
+                <a:solidFill>
+                  <a:srgbClr val="000000"/>
+                </a:solidFill>
+                <a:latin typeface="Consolas" panose="020B0609020204030204" pitchFamily="49" charset="0"/>
+              </a:rPr>
+              <a:t>, </a:t>
+            </a:r>
+            <a:r>
+              <a:rPr lang="en-US" dirty="0">
+                <a:solidFill>
+                  <a:srgbClr val="0000FF"/>
+                </a:solidFill>
+                <a:latin typeface="Consolas" panose="020B0609020204030204" pitchFamily="49" charset="0"/>
+              </a:rPr>
+              <a:t>true</a:t>
+            </a:r>
+            <a:r>
+              <a:rPr lang="en-US" dirty="0">
+                <a:solidFill>
+                  <a:srgbClr val="000000"/>
+                </a:solidFill>
+                <a:latin typeface="Consolas" panose="020B0609020204030204" pitchFamily="49" charset="0"/>
+              </a:rPr>
+              <a:t>)]</a:t>
+            </a:r>
+          </a:p>
+          <a:p>
+            <a:r>
+              <a:rPr lang="en-US" dirty="0">
+                <a:solidFill>
+                  <a:srgbClr val="000000"/>
+                </a:solidFill>
+                <a:latin typeface="Consolas" panose="020B0609020204030204" pitchFamily="49" charset="0"/>
+              </a:rPr>
+              <a:t>        </a:t>
+            </a:r>
+            <a:r>
+              <a:rPr lang="en-US" dirty="0">
+                <a:solidFill>
+                  <a:srgbClr val="0000FF"/>
+                </a:solidFill>
+                <a:latin typeface="Consolas" panose="020B0609020204030204" pitchFamily="49" charset="0"/>
+              </a:rPr>
+              <a:t>public</a:t>
+            </a:r>
+            <a:r>
+              <a:rPr lang="en-US" dirty="0">
+                <a:solidFill>
+                  <a:srgbClr val="000000"/>
+                </a:solidFill>
+                <a:latin typeface="Consolas" panose="020B0609020204030204" pitchFamily="49" charset="0"/>
+              </a:rPr>
+              <a:t> </a:t>
+            </a:r>
+            <a:r>
+              <a:rPr lang="en-US" dirty="0" err="1">
+                <a:solidFill>
+                  <a:srgbClr val="0000FF"/>
+                </a:solidFill>
+                <a:latin typeface="Consolas" panose="020B0609020204030204" pitchFamily="49" charset="0"/>
+              </a:rPr>
+              <a:t>async</a:t>
+            </a:r>
+            <a:r>
+              <a:rPr lang="en-US" dirty="0">
+                <a:solidFill>
+                  <a:srgbClr val="000000"/>
+                </a:solidFill>
+                <a:latin typeface="Consolas" panose="020B0609020204030204" pitchFamily="49" charset="0"/>
+              </a:rPr>
+              <a:t> </a:t>
+            </a:r>
+            <a:r>
+              <a:rPr lang="en-US" dirty="0">
+                <a:solidFill>
+                  <a:srgbClr val="2B91AF"/>
+                </a:solidFill>
+                <a:latin typeface="Consolas" panose="020B0609020204030204" pitchFamily="49" charset="0"/>
+              </a:rPr>
+              <a:t>Task</a:t>
+            </a:r>
+            <a:r>
+              <a:rPr lang="en-US" dirty="0">
+                <a:solidFill>
+                  <a:srgbClr val="000000"/>
+                </a:solidFill>
+                <a:latin typeface="Consolas" panose="020B0609020204030204" pitchFamily="49" charset="0"/>
+              </a:rPr>
+              <a:t> </a:t>
+            </a:r>
+            <a:r>
+              <a:rPr lang="en-US" dirty="0">
+                <a:solidFill>
+                  <a:srgbClr val="000000"/>
+                </a:solidFill>
+                <a:highlight>
+                  <a:srgbClr val="FFFF00"/>
+                </a:highlight>
+                <a:latin typeface="Consolas" panose="020B0609020204030204" pitchFamily="49" charset="0"/>
+              </a:rPr>
+              <a:t>List(</a:t>
+            </a:r>
+            <a:r>
+              <a:rPr lang="en-US" dirty="0">
+                <a:solidFill>
+                  <a:srgbClr val="0000FF"/>
+                </a:solidFill>
+                <a:highlight>
+                  <a:srgbClr val="FFFF00"/>
+                </a:highlight>
+                <a:latin typeface="Consolas" panose="020B0609020204030204" pitchFamily="49" charset="0"/>
+              </a:rPr>
+              <a:t>string</a:t>
+            </a:r>
+            <a:r>
+              <a:rPr lang="en-US" dirty="0">
+                <a:solidFill>
+                  <a:srgbClr val="000000"/>
+                </a:solidFill>
+                <a:highlight>
+                  <a:srgbClr val="FFFF00"/>
+                </a:highlight>
+                <a:latin typeface="Consolas" panose="020B0609020204030204" pitchFamily="49" charset="0"/>
+              </a:rPr>
+              <a:t> path)</a:t>
+            </a:r>
+            <a:r>
+              <a:rPr lang="ru-RU" dirty="0">
+                <a:solidFill>
+                  <a:srgbClr val="000000"/>
+                </a:solidFill>
+                <a:highlight>
+                  <a:srgbClr val="FFFF00"/>
+                </a:highlight>
+                <a:latin typeface="Consolas" panose="020B0609020204030204" pitchFamily="49" charset="0"/>
+              </a:rPr>
+              <a:t> </a:t>
+            </a:r>
+            <a:r>
+              <a:rPr lang="ru-RU" dirty="0">
+                <a:solidFill>
+                  <a:srgbClr val="000000"/>
+                </a:solidFill>
+                <a:latin typeface="Consolas" panose="020B0609020204030204" pitchFamily="49" charset="0"/>
+              </a:rPr>
+              <a:t>{ … }</a:t>
+            </a:r>
+          </a:p>
+          <a:p>
+            <a:endParaRPr lang="ru-RU" dirty="0">
+              <a:solidFill>
+                <a:srgbClr val="000000"/>
+              </a:solidFill>
+              <a:latin typeface="Consolas" panose="020B0609020204030204" pitchFamily="49" charset="0"/>
+            </a:endParaRPr>
+          </a:p>
+          <a:p>
+            <a:r>
+              <a:rPr lang="en-US" dirty="0">
+                <a:solidFill>
+                  <a:srgbClr val="000000"/>
+                </a:solidFill>
+                <a:latin typeface="Consolas" panose="020B0609020204030204" pitchFamily="49" charset="0"/>
+              </a:rPr>
+              <a:t>        [</a:t>
+            </a:r>
+            <a:r>
+              <a:rPr lang="en-US" dirty="0">
+                <a:solidFill>
+                  <a:srgbClr val="2B91AF"/>
+                </a:solidFill>
+                <a:latin typeface="Consolas" panose="020B0609020204030204" pitchFamily="49" charset="0"/>
+              </a:rPr>
+              <a:t>Command</a:t>
+            </a:r>
+            <a:r>
+              <a:rPr lang="en-US" dirty="0">
+                <a:solidFill>
+                  <a:srgbClr val="000000"/>
+                </a:solidFill>
+                <a:latin typeface="Consolas" panose="020B0609020204030204" pitchFamily="49" charset="0"/>
+              </a:rPr>
+              <a:t>(</a:t>
+            </a:r>
+            <a:r>
+              <a:rPr lang="en-US" dirty="0">
+                <a:solidFill>
+                  <a:srgbClr val="A31515"/>
+                </a:solidFill>
+                <a:latin typeface="Consolas" panose="020B0609020204030204" pitchFamily="49" charset="0"/>
+              </a:rPr>
+              <a:t>"show list of nested files and directories (matched by </a:t>
+            </a:r>
+            <a:r>
+              <a:rPr lang="en-US" dirty="0" err="1">
+                <a:solidFill>
+                  <a:srgbClr val="A31515"/>
+                </a:solidFill>
+                <a:latin typeface="Consolas" panose="020B0609020204030204" pitchFamily="49" charset="0"/>
+              </a:rPr>
+              <a:t>regexp</a:t>
+            </a:r>
+            <a:r>
+              <a:rPr lang="en-US" dirty="0">
+                <a:solidFill>
+                  <a:srgbClr val="A31515"/>
+                </a:solidFill>
+                <a:latin typeface="Consolas" panose="020B0609020204030204" pitchFamily="49" charset="0"/>
+              </a:rPr>
+              <a:t>)"</a:t>
+            </a:r>
+            <a:r>
+              <a:rPr lang="en-US" dirty="0">
+                <a:solidFill>
+                  <a:srgbClr val="000000"/>
+                </a:solidFill>
+                <a:latin typeface="Consolas" panose="020B0609020204030204" pitchFamily="49" charset="0"/>
+              </a:rPr>
+              <a:t>, </a:t>
+            </a:r>
+            <a:r>
+              <a:rPr lang="en-US" dirty="0">
+                <a:solidFill>
+                  <a:srgbClr val="0000FF"/>
+                </a:solidFill>
+                <a:latin typeface="Consolas" panose="020B0609020204030204" pitchFamily="49" charset="0"/>
+              </a:rPr>
+              <a:t>true</a:t>
+            </a:r>
+            <a:r>
+              <a:rPr lang="en-US" dirty="0">
+                <a:solidFill>
+                  <a:srgbClr val="000000"/>
+                </a:solidFill>
+                <a:latin typeface="Consolas" panose="020B0609020204030204" pitchFamily="49" charset="0"/>
+              </a:rPr>
+              <a:t>)]</a:t>
+            </a:r>
+          </a:p>
+          <a:p>
+            <a:r>
+              <a:rPr lang="en-US" dirty="0">
+                <a:solidFill>
+                  <a:srgbClr val="000000"/>
+                </a:solidFill>
+                <a:latin typeface="Consolas" panose="020B0609020204030204" pitchFamily="49" charset="0"/>
+              </a:rPr>
+              <a:t>        </a:t>
+            </a:r>
+            <a:r>
+              <a:rPr lang="en-US" dirty="0">
+                <a:solidFill>
+                  <a:srgbClr val="0000FF"/>
+                </a:solidFill>
+                <a:latin typeface="Consolas" panose="020B0609020204030204" pitchFamily="49" charset="0"/>
+              </a:rPr>
+              <a:t>public</a:t>
+            </a:r>
+            <a:r>
+              <a:rPr lang="en-US" dirty="0">
+                <a:solidFill>
+                  <a:srgbClr val="000000"/>
+                </a:solidFill>
+                <a:latin typeface="Consolas" panose="020B0609020204030204" pitchFamily="49" charset="0"/>
+              </a:rPr>
+              <a:t> </a:t>
+            </a:r>
+            <a:r>
+              <a:rPr lang="en-US" dirty="0" err="1">
+                <a:solidFill>
+                  <a:srgbClr val="0000FF"/>
+                </a:solidFill>
+                <a:latin typeface="Consolas" panose="020B0609020204030204" pitchFamily="49" charset="0"/>
+              </a:rPr>
+              <a:t>async</a:t>
+            </a:r>
+            <a:r>
+              <a:rPr lang="en-US" dirty="0">
+                <a:solidFill>
+                  <a:srgbClr val="000000"/>
+                </a:solidFill>
+                <a:latin typeface="Consolas" panose="020B0609020204030204" pitchFamily="49" charset="0"/>
+              </a:rPr>
+              <a:t> </a:t>
+            </a:r>
+            <a:r>
+              <a:rPr lang="en-US" dirty="0">
+                <a:solidFill>
+                  <a:srgbClr val="2B91AF"/>
+                </a:solidFill>
+                <a:latin typeface="Consolas" panose="020B0609020204030204" pitchFamily="49" charset="0"/>
+              </a:rPr>
+              <a:t>Task</a:t>
+            </a:r>
+            <a:r>
+              <a:rPr lang="en-US" dirty="0">
+                <a:solidFill>
+                  <a:srgbClr val="000000"/>
+                </a:solidFill>
+                <a:latin typeface="Consolas" panose="020B0609020204030204" pitchFamily="49" charset="0"/>
+              </a:rPr>
+              <a:t> </a:t>
+            </a:r>
+            <a:r>
+              <a:rPr lang="en-US" dirty="0">
+                <a:solidFill>
+                  <a:srgbClr val="000000"/>
+                </a:solidFill>
+                <a:highlight>
+                  <a:srgbClr val="FFFF00"/>
+                </a:highlight>
+                <a:latin typeface="Consolas" panose="020B0609020204030204" pitchFamily="49" charset="0"/>
+              </a:rPr>
+              <a:t>List(</a:t>
+            </a:r>
+            <a:r>
+              <a:rPr lang="en-US" dirty="0">
+                <a:solidFill>
+                  <a:srgbClr val="0000FF"/>
+                </a:solidFill>
+                <a:highlight>
+                  <a:srgbClr val="FFFF00"/>
+                </a:highlight>
+                <a:latin typeface="Consolas" panose="020B0609020204030204" pitchFamily="49" charset="0"/>
+              </a:rPr>
+              <a:t>string</a:t>
+            </a:r>
+            <a:r>
+              <a:rPr lang="en-US" dirty="0">
+                <a:solidFill>
+                  <a:srgbClr val="000000"/>
+                </a:solidFill>
+                <a:highlight>
+                  <a:srgbClr val="FFFF00"/>
+                </a:highlight>
+                <a:latin typeface="Consolas" panose="020B0609020204030204" pitchFamily="49" charset="0"/>
+              </a:rPr>
+              <a:t> path, </a:t>
+            </a:r>
+            <a:r>
+              <a:rPr lang="en-US" dirty="0">
+                <a:solidFill>
+                  <a:srgbClr val="0000FF"/>
+                </a:solidFill>
+                <a:highlight>
+                  <a:srgbClr val="FFFF00"/>
+                </a:highlight>
+                <a:latin typeface="Consolas" panose="020B0609020204030204" pitchFamily="49" charset="0"/>
+              </a:rPr>
+              <a:t>string</a:t>
+            </a:r>
+            <a:r>
+              <a:rPr lang="en-US" dirty="0">
+                <a:solidFill>
+                  <a:srgbClr val="000000"/>
+                </a:solidFill>
+                <a:highlight>
+                  <a:srgbClr val="FFFF00"/>
+                </a:highlight>
+                <a:latin typeface="Consolas" panose="020B0609020204030204" pitchFamily="49" charset="0"/>
+              </a:rPr>
+              <a:t> pattern)</a:t>
+            </a:r>
+            <a:r>
+              <a:rPr lang="ru-RU" dirty="0">
+                <a:solidFill>
+                  <a:srgbClr val="000000"/>
+                </a:solidFill>
+                <a:highlight>
+                  <a:srgbClr val="FFFF00"/>
+                </a:highlight>
+                <a:latin typeface="Consolas" panose="020B0609020204030204" pitchFamily="49" charset="0"/>
+              </a:rPr>
+              <a:t> </a:t>
+            </a:r>
+            <a:r>
+              <a:rPr lang="ru-RU" dirty="0">
+                <a:solidFill>
+                  <a:srgbClr val="000000"/>
+                </a:solidFill>
+                <a:latin typeface="Consolas" panose="020B0609020204030204" pitchFamily="49" charset="0"/>
+              </a:rPr>
+              <a:t>{ … }</a:t>
+            </a:r>
+          </a:p>
+          <a:p>
+            <a:endParaRPr lang="ru-RU" dirty="0">
+              <a:solidFill>
+                <a:srgbClr val="000000"/>
+              </a:solidFill>
+              <a:latin typeface="Consolas" panose="020B0609020204030204" pitchFamily="49" charset="0"/>
+            </a:endParaRPr>
+          </a:p>
+          <a:p>
+            <a:r>
+              <a:rPr lang="en-US" dirty="0">
+                <a:solidFill>
+                  <a:srgbClr val="000000"/>
+                </a:solidFill>
+                <a:latin typeface="Consolas" panose="020B0609020204030204" pitchFamily="49" charset="0"/>
+              </a:rPr>
+              <a:t>        [</a:t>
+            </a:r>
+            <a:r>
+              <a:rPr lang="en-US" dirty="0">
+                <a:solidFill>
+                  <a:srgbClr val="2B91AF"/>
+                </a:solidFill>
+                <a:latin typeface="Consolas" panose="020B0609020204030204" pitchFamily="49" charset="0"/>
+              </a:rPr>
+              <a:t>Command</a:t>
+            </a:r>
+            <a:r>
+              <a:rPr lang="en-US" dirty="0">
+                <a:solidFill>
+                  <a:srgbClr val="000000"/>
+                </a:solidFill>
+                <a:latin typeface="Consolas" panose="020B0609020204030204" pitchFamily="49" charset="0"/>
+              </a:rPr>
+              <a:t>(</a:t>
+            </a:r>
+            <a:r>
+              <a:rPr lang="en-US" dirty="0">
+                <a:solidFill>
+                  <a:srgbClr val="A31515"/>
+                </a:solidFill>
+                <a:latin typeface="Consolas" panose="020B0609020204030204" pitchFamily="49" charset="0"/>
+              </a:rPr>
+              <a:t>"upload file to cloud"</a:t>
+            </a:r>
+            <a:r>
+              <a:rPr lang="en-US" dirty="0">
+                <a:solidFill>
+                  <a:srgbClr val="000000"/>
+                </a:solidFill>
+                <a:latin typeface="Consolas" panose="020B0609020204030204" pitchFamily="49" charset="0"/>
+              </a:rPr>
+              <a:t>, </a:t>
+            </a:r>
+            <a:r>
+              <a:rPr lang="en-US" dirty="0">
+                <a:solidFill>
+                  <a:srgbClr val="0000FF"/>
+                </a:solidFill>
+                <a:latin typeface="Consolas" panose="020B0609020204030204" pitchFamily="49" charset="0"/>
+              </a:rPr>
+              <a:t>true</a:t>
+            </a:r>
+            <a:r>
+              <a:rPr lang="en-US" dirty="0">
+                <a:solidFill>
+                  <a:srgbClr val="000000"/>
+                </a:solidFill>
+                <a:latin typeface="Consolas" panose="020B0609020204030204" pitchFamily="49" charset="0"/>
+              </a:rPr>
+              <a:t>)]</a:t>
+            </a:r>
+          </a:p>
+          <a:p>
+            <a:r>
+              <a:rPr lang="en-US" dirty="0">
+                <a:solidFill>
+                  <a:srgbClr val="000000"/>
+                </a:solidFill>
+                <a:latin typeface="Consolas" panose="020B0609020204030204" pitchFamily="49" charset="0"/>
+              </a:rPr>
+              <a:t>        </a:t>
+            </a:r>
+            <a:r>
+              <a:rPr lang="en-US" dirty="0">
+                <a:solidFill>
+                  <a:srgbClr val="0000FF"/>
+                </a:solidFill>
+                <a:latin typeface="Consolas" panose="020B0609020204030204" pitchFamily="49" charset="0"/>
+              </a:rPr>
+              <a:t>public</a:t>
+            </a:r>
+            <a:r>
+              <a:rPr lang="en-US" dirty="0">
+                <a:solidFill>
+                  <a:srgbClr val="000000"/>
+                </a:solidFill>
+                <a:latin typeface="Consolas" panose="020B0609020204030204" pitchFamily="49" charset="0"/>
+              </a:rPr>
+              <a:t> </a:t>
+            </a:r>
+            <a:r>
+              <a:rPr lang="en-US" dirty="0" err="1">
+                <a:solidFill>
+                  <a:srgbClr val="0000FF"/>
+                </a:solidFill>
+                <a:latin typeface="Consolas" panose="020B0609020204030204" pitchFamily="49" charset="0"/>
+              </a:rPr>
+              <a:t>async</a:t>
+            </a:r>
+            <a:r>
+              <a:rPr lang="en-US" dirty="0">
+                <a:solidFill>
+                  <a:srgbClr val="000000"/>
+                </a:solidFill>
+                <a:latin typeface="Consolas" panose="020B0609020204030204" pitchFamily="49" charset="0"/>
+              </a:rPr>
+              <a:t> </a:t>
+            </a:r>
+            <a:r>
+              <a:rPr lang="en-US" dirty="0">
+                <a:solidFill>
+                  <a:srgbClr val="2B91AF"/>
+                </a:solidFill>
+                <a:latin typeface="Consolas" panose="020B0609020204030204" pitchFamily="49" charset="0"/>
+              </a:rPr>
+              <a:t>Task</a:t>
+            </a:r>
+            <a:r>
+              <a:rPr lang="en-US" dirty="0">
+                <a:solidFill>
+                  <a:srgbClr val="000000"/>
+                </a:solidFill>
+                <a:latin typeface="Consolas" panose="020B0609020204030204" pitchFamily="49" charset="0"/>
+              </a:rPr>
+              <a:t> Upload(</a:t>
+            </a:r>
+            <a:r>
+              <a:rPr lang="en-US" dirty="0">
+                <a:solidFill>
+                  <a:srgbClr val="0000FF"/>
+                </a:solidFill>
+                <a:latin typeface="Consolas" panose="020B0609020204030204" pitchFamily="49" charset="0"/>
+              </a:rPr>
+              <a:t>string</a:t>
+            </a:r>
+            <a:r>
+              <a:rPr lang="en-US" dirty="0">
+                <a:solidFill>
+                  <a:srgbClr val="000000"/>
+                </a:solidFill>
+                <a:latin typeface="Consolas" panose="020B0609020204030204" pitchFamily="49" charset="0"/>
+              </a:rPr>
+              <a:t> from, </a:t>
+            </a:r>
+            <a:r>
+              <a:rPr lang="en-US" dirty="0">
+                <a:solidFill>
+                  <a:srgbClr val="0000FF"/>
+                </a:solidFill>
+                <a:latin typeface="Consolas" panose="020B0609020204030204" pitchFamily="49" charset="0"/>
+              </a:rPr>
+              <a:t>string</a:t>
+            </a:r>
+            <a:r>
+              <a:rPr lang="en-US" dirty="0">
+                <a:solidFill>
+                  <a:srgbClr val="000000"/>
+                </a:solidFill>
+                <a:latin typeface="Consolas" panose="020B0609020204030204" pitchFamily="49" charset="0"/>
+              </a:rPr>
+              <a:t> to = </a:t>
+            </a:r>
+            <a:r>
+              <a:rPr lang="en-US" dirty="0">
+                <a:solidFill>
+                  <a:srgbClr val="0000FF"/>
+                </a:solidFill>
+                <a:latin typeface="Consolas" panose="020B0609020204030204" pitchFamily="49" charset="0"/>
+              </a:rPr>
+              <a:t>null</a:t>
+            </a:r>
+            <a:r>
+              <a:rPr lang="en-US" dirty="0">
+                <a:solidFill>
+                  <a:srgbClr val="000000"/>
+                </a:solidFill>
+                <a:latin typeface="Consolas" panose="020B0609020204030204" pitchFamily="49" charset="0"/>
+              </a:rPr>
+              <a:t>)</a:t>
+            </a:r>
+            <a:r>
+              <a:rPr lang="ru-RU" dirty="0">
+                <a:solidFill>
+                  <a:srgbClr val="000000"/>
+                </a:solidFill>
+                <a:latin typeface="Consolas" panose="020B0609020204030204" pitchFamily="49" charset="0"/>
+              </a:rPr>
+              <a:t> { … }</a:t>
+            </a:r>
+          </a:p>
+          <a:p>
+            <a:endParaRPr lang="ru-RU" dirty="0">
+              <a:solidFill>
+                <a:srgbClr val="000000"/>
+              </a:solidFill>
+              <a:latin typeface="Consolas" panose="020B0609020204030204" pitchFamily="49" charset="0"/>
+            </a:endParaRPr>
+          </a:p>
+          <a:p>
+            <a:r>
+              <a:rPr lang="en-US" dirty="0">
+                <a:solidFill>
+                  <a:srgbClr val="000000"/>
+                </a:solidFill>
+                <a:latin typeface="Consolas" panose="020B0609020204030204" pitchFamily="49" charset="0"/>
+              </a:rPr>
+              <a:t>        [</a:t>
+            </a:r>
+            <a:r>
+              <a:rPr lang="en-US" dirty="0">
+                <a:solidFill>
+                  <a:srgbClr val="2B91AF"/>
+                </a:solidFill>
+                <a:latin typeface="Consolas" panose="020B0609020204030204" pitchFamily="49" charset="0"/>
+              </a:rPr>
+              <a:t>Command</a:t>
+            </a:r>
+            <a:r>
+              <a:rPr lang="en-US" dirty="0">
+                <a:solidFill>
+                  <a:srgbClr val="000000"/>
+                </a:solidFill>
+                <a:latin typeface="Consolas" panose="020B0609020204030204" pitchFamily="49" charset="0"/>
+              </a:rPr>
+              <a:t>(</a:t>
+            </a:r>
+            <a:r>
+              <a:rPr lang="en-US" dirty="0">
+                <a:solidFill>
+                  <a:srgbClr val="A31515"/>
+                </a:solidFill>
+                <a:latin typeface="Consolas" panose="020B0609020204030204" pitchFamily="49" charset="0"/>
+              </a:rPr>
+              <a:t>"download file from cloud"</a:t>
+            </a:r>
+            <a:r>
+              <a:rPr lang="en-US" dirty="0">
+                <a:solidFill>
+                  <a:srgbClr val="000000"/>
+                </a:solidFill>
+                <a:latin typeface="Consolas" panose="020B0609020204030204" pitchFamily="49" charset="0"/>
+              </a:rPr>
+              <a:t>, </a:t>
+            </a:r>
+            <a:r>
+              <a:rPr lang="en-US" dirty="0">
+                <a:solidFill>
+                  <a:srgbClr val="0000FF"/>
+                </a:solidFill>
+                <a:latin typeface="Consolas" panose="020B0609020204030204" pitchFamily="49" charset="0"/>
+              </a:rPr>
+              <a:t>true</a:t>
+            </a:r>
+            <a:r>
+              <a:rPr lang="en-US" dirty="0">
+                <a:solidFill>
+                  <a:srgbClr val="000000"/>
+                </a:solidFill>
+                <a:latin typeface="Consolas" panose="020B0609020204030204" pitchFamily="49" charset="0"/>
+              </a:rPr>
+              <a:t>)]</a:t>
+            </a:r>
+          </a:p>
+          <a:p>
+            <a:r>
+              <a:rPr lang="en-US" dirty="0">
+                <a:solidFill>
+                  <a:srgbClr val="000000"/>
+                </a:solidFill>
+                <a:latin typeface="Consolas" panose="020B0609020204030204" pitchFamily="49" charset="0"/>
+              </a:rPr>
+              <a:t>        </a:t>
+            </a:r>
+            <a:r>
+              <a:rPr lang="en-US" dirty="0">
+                <a:solidFill>
+                  <a:srgbClr val="0000FF"/>
+                </a:solidFill>
+                <a:latin typeface="Consolas" panose="020B0609020204030204" pitchFamily="49" charset="0"/>
+              </a:rPr>
+              <a:t>public</a:t>
+            </a:r>
+            <a:r>
+              <a:rPr lang="en-US" dirty="0">
+                <a:solidFill>
+                  <a:srgbClr val="000000"/>
+                </a:solidFill>
+                <a:latin typeface="Consolas" panose="020B0609020204030204" pitchFamily="49" charset="0"/>
+              </a:rPr>
+              <a:t> </a:t>
+            </a:r>
+            <a:r>
+              <a:rPr lang="en-US" dirty="0" err="1">
+                <a:solidFill>
+                  <a:srgbClr val="0000FF"/>
+                </a:solidFill>
+                <a:latin typeface="Consolas" panose="020B0609020204030204" pitchFamily="49" charset="0"/>
+              </a:rPr>
+              <a:t>async</a:t>
+            </a:r>
+            <a:r>
+              <a:rPr lang="en-US" dirty="0">
+                <a:solidFill>
+                  <a:srgbClr val="000000"/>
+                </a:solidFill>
+                <a:latin typeface="Consolas" panose="020B0609020204030204" pitchFamily="49" charset="0"/>
+              </a:rPr>
+              <a:t> </a:t>
+            </a:r>
+            <a:r>
+              <a:rPr lang="en-US" dirty="0">
+                <a:solidFill>
+                  <a:srgbClr val="2B91AF"/>
+                </a:solidFill>
+                <a:latin typeface="Consolas" panose="020B0609020204030204" pitchFamily="49" charset="0"/>
+              </a:rPr>
+              <a:t>Task</a:t>
+            </a:r>
+            <a:r>
+              <a:rPr lang="en-US" dirty="0">
+                <a:solidFill>
+                  <a:srgbClr val="000000"/>
+                </a:solidFill>
+                <a:latin typeface="Consolas" panose="020B0609020204030204" pitchFamily="49" charset="0"/>
+              </a:rPr>
+              <a:t> Download(</a:t>
+            </a:r>
+            <a:r>
+              <a:rPr lang="en-US" dirty="0">
+                <a:solidFill>
+                  <a:srgbClr val="0000FF"/>
+                </a:solidFill>
+                <a:latin typeface="Consolas" panose="020B0609020204030204" pitchFamily="49" charset="0"/>
+              </a:rPr>
+              <a:t>string</a:t>
+            </a:r>
+            <a:r>
+              <a:rPr lang="en-US" dirty="0">
+                <a:solidFill>
+                  <a:srgbClr val="000000"/>
+                </a:solidFill>
+                <a:latin typeface="Consolas" panose="020B0609020204030204" pitchFamily="49" charset="0"/>
+              </a:rPr>
+              <a:t> from, </a:t>
+            </a:r>
+            <a:r>
+              <a:rPr lang="en-US" dirty="0">
+                <a:solidFill>
+                  <a:srgbClr val="0000FF"/>
+                </a:solidFill>
+                <a:latin typeface="Consolas" panose="020B0609020204030204" pitchFamily="49" charset="0"/>
+              </a:rPr>
+              <a:t>string</a:t>
+            </a:r>
+            <a:r>
+              <a:rPr lang="en-US" dirty="0">
+                <a:solidFill>
+                  <a:srgbClr val="000000"/>
+                </a:solidFill>
+                <a:latin typeface="Consolas" panose="020B0609020204030204" pitchFamily="49" charset="0"/>
+              </a:rPr>
+              <a:t> to = </a:t>
+            </a:r>
+            <a:r>
+              <a:rPr lang="en-US" dirty="0">
+                <a:solidFill>
+                  <a:srgbClr val="0000FF"/>
+                </a:solidFill>
+                <a:latin typeface="Consolas" panose="020B0609020204030204" pitchFamily="49" charset="0"/>
+              </a:rPr>
+              <a:t>null</a:t>
+            </a:r>
+            <a:r>
+              <a:rPr lang="en-US" dirty="0">
+                <a:solidFill>
+                  <a:srgbClr val="000000"/>
+                </a:solidFill>
+                <a:latin typeface="Consolas" panose="020B0609020204030204" pitchFamily="49" charset="0"/>
+              </a:rPr>
+              <a:t>)</a:t>
+            </a:r>
+            <a:r>
+              <a:rPr lang="ru-RU" dirty="0">
+                <a:solidFill>
+                  <a:srgbClr val="000000"/>
+                </a:solidFill>
+                <a:latin typeface="Consolas" panose="020B0609020204030204" pitchFamily="49" charset="0"/>
+              </a:rPr>
+              <a:t> { … }</a:t>
+            </a:r>
+          </a:p>
+          <a:p>
+            <a:endParaRPr lang="ru-RU" dirty="0">
+              <a:solidFill>
+                <a:srgbClr val="000000"/>
+              </a:solidFill>
+              <a:latin typeface="Consolas" panose="020B0609020204030204" pitchFamily="49" charset="0"/>
+            </a:endParaRPr>
+          </a:p>
+          <a:p>
+            <a:r>
+              <a:rPr lang="en-US" dirty="0">
+                <a:solidFill>
+                  <a:srgbClr val="000000"/>
+                </a:solidFill>
+                <a:latin typeface="Consolas" panose="020B0609020204030204" pitchFamily="49" charset="0"/>
+              </a:rPr>
+              <a:t>        [</a:t>
+            </a:r>
+            <a:r>
+              <a:rPr lang="en-US" dirty="0">
+                <a:solidFill>
+                  <a:srgbClr val="2B91AF"/>
+                </a:solidFill>
+                <a:latin typeface="Consolas" panose="020B0609020204030204" pitchFamily="49" charset="0"/>
+              </a:rPr>
+              <a:t>Command</a:t>
+            </a:r>
+            <a:r>
+              <a:rPr lang="en-US" dirty="0">
+                <a:solidFill>
+                  <a:srgbClr val="000000"/>
+                </a:solidFill>
+                <a:latin typeface="Consolas" panose="020B0609020204030204" pitchFamily="49" charset="0"/>
+              </a:rPr>
+              <a:t>(</a:t>
+            </a:r>
+            <a:r>
+              <a:rPr lang="en-US" dirty="0">
+                <a:solidFill>
+                  <a:srgbClr val="A31515"/>
+                </a:solidFill>
+                <a:latin typeface="Consolas" panose="020B0609020204030204" pitchFamily="49" charset="0"/>
+              </a:rPr>
+              <a:t>"show info about free disk space"</a:t>
+            </a:r>
+            <a:r>
+              <a:rPr lang="en-US" dirty="0">
+                <a:solidFill>
+                  <a:srgbClr val="000000"/>
+                </a:solidFill>
+                <a:latin typeface="Consolas" panose="020B0609020204030204" pitchFamily="49" charset="0"/>
+              </a:rPr>
+              <a:t>, </a:t>
+            </a:r>
+            <a:r>
+              <a:rPr lang="en-US" dirty="0">
+                <a:solidFill>
+                  <a:srgbClr val="0000FF"/>
+                </a:solidFill>
+                <a:latin typeface="Consolas" panose="020B0609020204030204" pitchFamily="49" charset="0"/>
+              </a:rPr>
+              <a:t>true</a:t>
+            </a:r>
+            <a:r>
+              <a:rPr lang="en-US" dirty="0">
+                <a:solidFill>
+                  <a:srgbClr val="000000"/>
+                </a:solidFill>
+                <a:latin typeface="Consolas" panose="020B0609020204030204" pitchFamily="49" charset="0"/>
+              </a:rPr>
+              <a:t>)]</a:t>
+            </a:r>
+          </a:p>
+          <a:p>
+            <a:r>
+              <a:rPr lang="en-US" dirty="0">
+                <a:solidFill>
+                  <a:srgbClr val="000000"/>
+                </a:solidFill>
+                <a:latin typeface="Consolas" panose="020B0609020204030204" pitchFamily="49" charset="0"/>
+              </a:rPr>
+              <a:t>        </a:t>
+            </a:r>
+            <a:r>
+              <a:rPr lang="en-US" dirty="0">
+                <a:solidFill>
+                  <a:srgbClr val="0000FF"/>
+                </a:solidFill>
+                <a:latin typeface="Consolas" panose="020B0609020204030204" pitchFamily="49" charset="0"/>
+              </a:rPr>
+              <a:t>public</a:t>
+            </a:r>
+            <a:r>
+              <a:rPr lang="en-US" dirty="0">
+                <a:solidFill>
+                  <a:srgbClr val="000000"/>
+                </a:solidFill>
+                <a:latin typeface="Consolas" panose="020B0609020204030204" pitchFamily="49" charset="0"/>
+              </a:rPr>
+              <a:t> </a:t>
+            </a:r>
+            <a:r>
+              <a:rPr lang="en-US" dirty="0" err="1">
+                <a:solidFill>
+                  <a:srgbClr val="0000FF"/>
+                </a:solidFill>
+                <a:latin typeface="Consolas" panose="020B0609020204030204" pitchFamily="49" charset="0"/>
+              </a:rPr>
+              <a:t>async</a:t>
+            </a:r>
+            <a:r>
+              <a:rPr lang="en-US" dirty="0">
+                <a:solidFill>
+                  <a:srgbClr val="000000"/>
+                </a:solidFill>
+                <a:latin typeface="Consolas" panose="020B0609020204030204" pitchFamily="49" charset="0"/>
+              </a:rPr>
+              <a:t> </a:t>
+            </a:r>
+            <a:r>
+              <a:rPr lang="en-US" dirty="0">
+                <a:solidFill>
+                  <a:srgbClr val="2B91AF"/>
+                </a:solidFill>
+                <a:latin typeface="Consolas" panose="020B0609020204030204" pitchFamily="49" charset="0"/>
+              </a:rPr>
+              <a:t>Task</a:t>
+            </a:r>
+            <a:r>
+              <a:rPr lang="en-US" dirty="0">
+                <a:solidFill>
+                  <a:srgbClr val="000000"/>
+                </a:solidFill>
+                <a:latin typeface="Consolas" panose="020B0609020204030204" pitchFamily="49" charset="0"/>
+              </a:rPr>
+              <a:t> </a:t>
+            </a:r>
+            <a:r>
+              <a:rPr lang="en-US" dirty="0">
+                <a:solidFill>
+                  <a:srgbClr val="000000"/>
+                </a:solidFill>
+                <a:highlight>
+                  <a:srgbClr val="00FF00"/>
+                </a:highlight>
+                <a:latin typeface="Consolas" panose="020B0609020204030204" pitchFamily="49" charset="0"/>
+              </a:rPr>
+              <a:t>Info()</a:t>
+            </a:r>
+            <a:r>
+              <a:rPr lang="ru-RU" dirty="0">
+                <a:solidFill>
+                  <a:srgbClr val="000000"/>
+                </a:solidFill>
+                <a:latin typeface="Consolas" panose="020B0609020204030204" pitchFamily="49" charset="0"/>
+              </a:rPr>
+              <a:t> { … }</a:t>
+            </a:r>
+          </a:p>
+          <a:p>
+            <a:endParaRPr lang="ru-RU" dirty="0">
+              <a:solidFill>
+                <a:srgbClr val="000000"/>
+              </a:solidFill>
+              <a:latin typeface="Consolas" panose="020B0609020204030204" pitchFamily="49" charset="0"/>
+            </a:endParaRPr>
+          </a:p>
+          <a:p>
+            <a:r>
+              <a:rPr lang="en-US" dirty="0">
+                <a:solidFill>
+                  <a:srgbClr val="000000"/>
+                </a:solidFill>
+                <a:latin typeface="Consolas" panose="020B0609020204030204" pitchFamily="49" charset="0"/>
+              </a:rPr>
+              <a:t>        [</a:t>
+            </a:r>
+            <a:r>
+              <a:rPr lang="en-US" dirty="0">
+                <a:solidFill>
+                  <a:srgbClr val="2B91AF"/>
+                </a:solidFill>
+                <a:latin typeface="Consolas" panose="020B0609020204030204" pitchFamily="49" charset="0"/>
+              </a:rPr>
+              <a:t>Command</a:t>
+            </a:r>
+            <a:r>
+              <a:rPr lang="en-US" dirty="0">
+                <a:solidFill>
+                  <a:srgbClr val="000000"/>
+                </a:solidFill>
+                <a:latin typeface="Consolas" panose="020B0609020204030204" pitchFamily="49" charset="0"/>
+              </a:rPr>
+              <a:t>(</a:t>
+            </a:r>
+            <a:r>
+              <a:rPr lang="en-US" dirty="0">
+                <a:solidFill>
+                  <a:srgbClr val="A31515"/>
+                </a:solidFill>
+                <a:latin typeface="Consolas" panose="020B0609020204030204" pitchFamily="49" charset="0"/>
+              </a:rPr>
+              <a:t>"show info about file or directory"</a:t>
+            </a:r>
+            <a:r>
+              <a:rPr lang="en-US" dirty="0">
+                <a:solidFill>
+                  <a:srgbClr val="000000"/>
+                </a:solidFill>
+                <a:latin typeface="Consolas" panose="020B0609020204030204" pitchFamily="49" charset="0"/>
+              </a:rPr>
+              <a:t>, </a:t>
+            </a:r>
+            <a:r>
+              <a:rPr lang="en-US" dirty="0">
+                <a:solidFill>
+                  <a:srgbClr val="0000FF"/>
+                </a:solidFill>
+                <a:latin typeface="Consolas" panose="020B0609020204030204" pitchFamily="49" charset="0"/>
+              </a:rPr>
+              <a:t>true</a:t>
+            </a:r>
+            <a:r>
+              <a:rPr lang="en-US" dirty="0">
+                <a:solidFill>
+                  <a:srgbClr val="000000"/>
+                </a:solidFill>
+                <a:latin typeface="Consolas" panose="020B0609020204030204" pitchFamily="49" charset="0"/>
+              </a:rPr>
+              <a:t>)]</a:t>
+            </a:r>
+          </a:p>
+          <a:p>
+            <a:r>
+              <a:rPr lang="en-US" dirty="0">
+                <a:solidFill>
+                  <a:srgbClr val="000000"/>
+                </a:solidFill>
+                <a:latin typeface="Consolas" panose="020B0609020204030204" pitchFamily="49" charset="0"/>
+              </a:rPr>
+              <a:t>        </a:t>
+            </a:r>
+            <a:r>
+              <a:rPr lang="en-US" dirty="0">
+                <a:solidFill>
+                  <a:srgbClr val="0000FF"/>
+                </a:solidFill>
+                <a:latin typeface="Consolas" panose="020B0609020204030204" pitchFamily="49" charset="0"/>
+              </a:rPr>
+              <a:t>public</a:t>
+            </a:r>
+            <a:r>
+              <a:rPr lang="en-US" dirty="0">
+                <a:solidFill>
+                  <a:srgbClr val="000000"/>
+                </a:solidFill>
+                <a:latin typeface="Consolas" panose="020B0609020204030204" pitchFamily="49" charset="0"/>
+              </a:rPr>
+              <a:t> </a:t>
+            </a:r>
+            <a:r>
+              <a:rPr lang="en-US" dirty="0" err="1">
+                <a:solidFill>
+                  <a:srgbClr val="0000FF"/>
+                </a:solidFill>
+                <a:latin typeface="Consolas" panose="020B0609020204030204" pitchFamily="49" charset="0"/>
+              </a:rPr>
+              <a:t>async</a:t>
+            </a:r>
+            <a:r>
+              <a:rPr lang="en-US" dirty="0">
+                <a:solidFill>
+                  <a:srgbClr val="000000"/>
+                </a:solidFill>
+                <a:latin typeface="Consolas" panose="020B0609020204030204" pitchFamily="49" charset="0"/>
+              </a:rPr>
+              <a:t> </a:t>
+            </a:r>
+            <a:r>
+              <a:rPr lang="en-US" dirty="0">
+                <a:solidFill>
+                  <a:srgbClr val="2B91AF"/>
+                </a:solidFill>
+                <a:latin typeface="Consolas" panose="020B0609020204030204" pitchFamily="49" charset="0"/>
+              </a:rPr>
+              <a:t>Task</a:t>
+            </a:r>
+            <a:r>
+              <a:rPr lang="en-US" dirty="0">
+                <a:solidFill>
+                  <a:srgbClr val="000000"/>
+                </a:solidFill>
+                <a:latin typeface="Consolas" panose="020B0609020204030204" pitchFamily="49" charset="0"/>
+              </a:rPr>
+              <a:t> </a:t>
+            </a:r>
+            <a:r>
+              <a:rPr lang="en-US" dirty="0">
+                <a:solidFill>
+                  <a:srgbClr val="000000"/>
+                </a:solidFill>
+                <a:highlight>
+                  <a:srgbClr val="00FF00"/>
+                </a:highlight>
+                <a:latin typeface="Consolas" panose="020B0609020204030204" pitchFamily="49" charset="0"/>
+              </a:rPr>
+              <a:t>Info(</a:t>
+            </a:r>
+            <a:r>
+              <a:rPr lang="en-US" dirty="0">
+                <a:solidFill>
+                  <a:srgbClr val="0000FF"/>
+                </a:solidFill>
+                <a:highlight>
+                  <a:srgbClr val="00FF00"/>
+                </a:highlight>
+                <a:latin typeface="Consolas" panose="020B0609020204030204" pitchFamily="49" charset="0"/>
+              </a:rPr>
+              <a:t>string</a:t>
+            </a:r>
+            <a:r>
+              <a:rPr lang="en-US" dirty="0">
+                <a:solidFill>
+                  <a:srgbClr val="000000"/>
+                </a:solidFill>
+                <a:highlight>
+                  <a:srgbClr val="00FF00"/>
+                </a:highlight>
+                <a:latin typeface="Consolas" panose="020B0609020204030204" pitchFamily="49" charset="0"/>
+              </a:rPr>
+              <a:t> path)</a:t>
+            </a:r>
+            <a:r>
+              <a:rPr lang="ru-RU" dirty="0">
+                <a:solidFill>
+                  <a:srgbClr val="000000"/>
+                </a:solidFill>
+                <a:highlight>
+                  <a:srgbClr val="00FF00"/>
+                </a:highlight>
+                <a:latin typeface="Consolas" panose="020B0609020204030204" pitchFamily="49" charset="0"/>
+              </a:rPr>
+              <a:t> </a:t>
+            </a:r>
+            <a:r>
+              <a:rPr lang="ru-RU" dirty="0">
+                <a:solidFill>
+                  <a:srgbClr val="000000"/>
+                </a:solidFill>
+                <a:latin typeface="Consolas" panose="020B0609020204030204" pitchFamily="49" charset="0"/>
+              </a:rPr>
+              <a:t>{ … }</a:t>
+            </a:r>
+          </a:p>
+          <a:p>
+            <a:r>
+              <a:rPr lang="ru-RU" dirty="0">
+                <a:solidFill>
+                  <a:srgbClr val="000000"/>
+                </a:solidFill>
+                <a:latin typeface="Consolas" panose="020B0609020204030204" pitchFamily="49" charset="0"/>
+              </a:rPr>
+              <a:t>}</a:t>
+            </a:r>
+            <a:endParaRPr lang="ru-RU" dirty="0"/>
+          </a:p>
+        </p:txBody>
+      </p:sp>
+    </p:spTree>
+    <p:extLst>
+      <p:ext uri="{BB962C8B-B14F-4D97-AF65-F5344CB8AC3E}">
+        <p14:creationId xmlns:p14="http://schemas.microsoft.com/office/powerpoint/2010/main" val="2178374992"/>
+      </p:ext>
+    </p:extLst>
+  </p:cSld>
+  <p:clrMapOvr>
+    <a:masterClrMapping/>
+  </p:clrMapOvr>
+</p:sld>
+</file>
+
+<file path=ppt/slides/slide12.xml><?xml version="1.0" encoding="utf-8"?>
+<p:sld xmlns:a="http://schemas.openxmlformats.org/drawingml/2006/main" xmlns:r="http://schemas.openxmlformats.org/officeDocument/2006/relationships" xmlns:p="http://schemas.openxmlformats.org/presentationml/2006/main">
+  <p:cSld>
+    <p:spTree>
+      <p:nvGrpSpPr>
+        <p:cNvPr id="1" name=""/>
+        <p:cNvGrpSpPr/>
+        <p:nvPr/>
+      </p:nvGrpSpPr>
+      <p:grpSpPr>
+        <a:xfrm>
+          <a:off x="0" y="0"/>
+          <a:ext cx="0" cy="0"/>
+          <a:chOff x="0" y="0"/>
+          <a:chExt cx="0" cy="0"/>
+        </a:xfrm>
+      </p:grpSpPr>
+      <p:sp>
+        <p:nvSpPr>
+          <p:cNvPr id="2" name="Прямоугольник 1"/>
+          <p:cNvSpPr/>
+          <p:nvPr/>
+        </p:nvSpPr>
+        <p:spPr>
+          <a:xfrm>
+            <a:off x="885524" y="577572"/>
+            <a:ext cx="12192000" cy="5909310"/>
+          </a:xfrm>
+          <a:prstGeom prst="rect">
+            <a:avLst/>
+          </a:prstGeom>
+        </p:spPr>
+        <p:txBody>
+          <a:bodyPr wrap="square">
+            <a:spAutoFit/>
+          </a:bodyPr>
+          <a:lstStyle/>
+          <a:p>
+            <a:r>
+              <a:rPr lang="en-US" dirty="0" err="1">
+                <a:solidFill>
+                  <a:srgbClr val="0000FF"/>
+                </a:solidFill>
+                <a:latin typeface="Consolas" panose="020B0609020204030204" pitchFamily="49" charset="0"/>
+              </a:rPr>
+              <a:t>var</a:t>
+            </a:r>
+            <a:r>
+              <a:rPr lang="en-US" dirty="0">
+                <a:solidFill>
+                  <a:srgbClr val="000000"/>
+                </a:solidFill>
+                <a:latin typeface="Consolas" panose="020B0609020204030204" pitchFamily="49" charset="0"/>
+              </a:rPr>
+              <a:t> kernel = </a:t>
+            </a:r>
+            <a:r>
+              <a:rPr lang="en-US" dirty="0">
+                <a:solidFill>
+                  <a:srgbClr val="0000FF"/>
+                </a:solidFill>
+                <a:latin typeface="Consolas" panose="020B0609020204030204" pitchFamily="49" charset="0"/>
+              </a:rPr>
+              <a:t>new</a:t>
+            </a:r>
+            <a:r>
+              <a:rPr lang="en-US" dirty="0">
+                <a:solidFill>
+                  <a:srgbClr val="000000"/>
+                </a:solidFill>
+                <a:latin typeface="Consolas" panose="020B0609020204030204" pitchFamily="49" charset="0"/>
+              </a:rPr>
+              <a:t> </a:t>
+            </a:r>
+            <a:r>
+              <a:rPr lang="en-US" dirty="0" err="1">
+                <a:solidFill>
+                  <a:srgbClr val="2B91AF"/>
+                </a:solidFill>
+                <a:latin typeface="Consolas" panose="020B0609020204030204" pitchFamily="49" charset="0"/>
+              </a:rPr>
+              <a:t>StandardKernel</a:t>
+            </a:r>
+            <a:r>
+              <a:rPr lang="en-US" dirty="0">
+                <a:solidFill>
+                  <a:srgbClr val="000000"/>
+                </a:solidFill>
+                <a:latin typeface="Consolas" panose="020B0609020204030204" pitchFamily="49" charset="0"/>
+              </a:rPr>
+              <a:t>();</a:t>
+            </a:r>
+          </a:p>
+          <a:p>
+            <a:r>
+              <a:rPr lang="en-US" dirty="0" err="1">
+                <a:solidFill>
+                  <a:srgbClr val="000000"/>
+                </a:solidFill>
+                <a:latin typeface="Consolas" panose="020B0609020204030204" pitchFamily="49" charset="0"/>
+              </a:rPr>
+              <a:t>kernel.Bind</a:t>
+            </a:r>
+            <a:r>
+              <a:rPr lang="en-US" dirty="0">
+                <a:solidFill>
+                  <a:srgbClr val="000000"/>
+                </a:solidFill>
+                <a:latin typeface="Consolas" panose="020B0609020204030204" pitchFamily="49" charset="0"/>
+              </a:rPr>
+              <a:t>(</a:t>
+            </a:r>
+            <a:r>
+              <a:rPr lang="en-US" dirty="0" err="1">
+                <a:solidFill>
+                  <a:srgbClr val="000000"/>
+                </a:solidFill>
+                <a:latin typeface="Consolas" panose="020B0609020204030204" pitchFamily="49" charset="0"/>
+              </a:rPr>
+              <a:t>scaner</a:t>
+            </a:r>
+            <a:r>
+              <a:rPr lang="en-US" dirty="0">
+                <a:solidFill>
+                  <a:srgbClr val="000000"/>
+                </a:solidFill>
+                <a:latin typeface="Consolas" panose="020B0609020204030204" pitchFamily="49" charset="0"/>
+              </a:rPr>
+              <a:t> =&gt;</a:t>
+            </a:r>
+          </a:p>
+          <a:p>
+            <a:r>
+              <a:rPr lang="ru-RU" dirty="0">
+                <a:solidFill>
+                  <a:srgbClr val="000000"/>
+                </a:solidFill>
+                <a:latin typeface="Consolas" panose="020B0609020204030204" pitchFamily="49" charset="0"/>
+              </a:rPr>
+              <a:t>{</a:t>
+            </a:r>
+          </a:p>
+          <a:p>
+            <a:r>
+              <a:rPr lang="ru-RU" dirty="0">
+                <a:solidFill>
+                  <a:srgbClr val="000000"/>
+                </a:solidFill>
+                <a:latin typeface="Consolas" panose="020B0609020204030204" pitchFamily="49" charset="0"/>
+              </a:rPr>
+              <a:t>	</a:t>
+            </a:r>
+            <a:r>
+              <a:rPr lang="en-US" dirty="0">
+                <a:solidFill>
+                  <a:srgbClr val="000000"/>
+                </a:solidFill>
+                <a:latin typeface="Consolas" panose="020B0609020204030204" pitchFamily="49" charset="0"/>
+              </a:rPr>
+              <a:t>scanner</a:t>
+            </a:r>
+            <a:endParaRPr lang="ru-RU" dirty="0">
+              <a:solidFill>
+                <a:srgbClr val="000000"/>
+              </a:solidFill>
+              <a:latin typeface="Consolas" panose="020B0609020204030204" pitchFamily="49" charset="0"/>
+            </a:endParaRPr>
+          </a:p>
+          <a:p>
+            <a:r>
+              <a:rPr lang="ru-RU" dirty="0">
+                <a:solidFill>
+                  <a:srgbClr val="000000"/>
+                </a:solidFill>
+                <a:latin typeface="Consolas" panose="020B0609020204030204" pitchFamily="49" charset="0"/>
+              </a:rPr>
+              <a:t>		</a:t>
+            </a:r>
+            <a:r>
+              <a:rPr lang="en-US" dirty="0">
+                <a:solidFill>
+                  <a:srgbClr val="000000"/>
+                </a:solidFill>
+                <a:latin typeface="Consolas" panose="020B0609020204030204" pitchFamily="49" charset="0"/>
+              </a:rPr>
+              <a:t>.</a:t>
+            </a:r>
+            <a:r>
+              <a:rPr lang="en-US" dirty="0" err="1">
+                <a:solidFill>
+                  <a:srgbClr val="000000"/>
+                </a:solidFill>
+                <a:latin typeface="Consolas" panose="020B0609020204030204" pitchFamily="49" charset="0"/>
+              </a:rPr>
+              <a:t>FromAssembliesInPath</a:t>
+            </a:r>
+            <a:r>
+              <a:rPr lang="en-US" dirty="0">
+                <a:solidFill>
+                  <a:srgbClr val="000000"/>
+                </a:solidFill>
+                <a:latin typeface="Consolas" panose="020B0609020204030204" pitchFamily="49" charset="0"/>
+              </a:rPr>
+              <a:t>(</a:t>
+            </a:r>
+            <a:r>
+              <a:rPr lang="en-US" dirty="0" err="1">
+                <a:solidFill>
+                  <a:srgbClr val="000000"/>
+                </a:solidFill>
+                <a:latin typeface="Consolas" panose="020B0609020204030204" pitchFamily="49" charset="0"/>
+              </a:rPr>
+              <a:t>hostings.FullName</a:t>
+            </a:r>
+            <a:r>
+              <a:rPr lang="en-US" dirty="0">
+                <a:solidFill>
+                  <a:srgbClr val="000000"/>
+                </a:solidFill>
+                <a:latin typeface="Consolas" panose="020B0609020204030204" pitchFamily="49" charset="0"/>
+              </a:rPr>
+              <a:t>)</a:t>
+            </a:r>
+          </a:p>
+          <a:p>
+            <a:r>
+              <a:rPr lang="ru-RU" dirty="0">
+                <a:solidFill>
+                  <a:srgbClr val="000000"/>
+                </a:solidFill>
+                <a:latin typeface="Consolas" panose="020B0609020204030204" pitchFamily="49" charset="0"/>
+              </a:rPr>
+              <a:t>		</a:t>
+            </a:r>
+            <a:r>
+              <a:rPr lang="en-US" dirty="0">
+                <a:solidFill>
+                  <a:srgbClr val="000000"/>
+                </a:solidFill>
+                <a:latin typeface="Consolas" panose="020B0609020204030204" pitchFamily="49" charset="0"/>
+              </a:rPr>
+              <a:t>.Select(t =&gt; </a:t>
+            </a:r>
+            <a:r>
+              <a:rPr lang="en-US" dirty="0" err="1">
+                <a:solidFill>
+                  <a:srgbClr val="0000FF"/>
+                </a:solidFill>
+                <a:latin typeface="Consolas" panose="020B0609020204030204" pitchFamily="49" charset="0"/>
+              </a:rPr>
+              <a:t>typeof</a:t>
+            </a:r>
+            <a:r>
+              <a:rPr lang="en-US" dirty="0">
+                <a:solidFill>
+                  <a:srgbClr val="000000"/>
+                </a:solidFill>
+                <a:latin typeface="Consolas" panose="020B0609020204030204" pitchFamily="49" charset="0"/>
+              </a:rPr>
+              <a:t>(</a:t>
+            </a:r>
+            <a:r>
+              <a:rPr lang="en-US" dirty="0" err="1">
+                <a:solidFill>
+                  <a:srgbClr val="2B91AF"/>
+                </a:solidFill>
+                <a:latin typeface="Consolas" panose="020B0609020204030204" pitchFamily="49" charset="0"/>
+              </a:rPr>
+              <a:t>IHostingManager</a:t>
+            </a:r>
+            <a:r>
+              <a:rPr lang="en-US" dirty="0">
+                <a:solidFill>
+                  <a:srgbClr val="000000"/>
+                </a:solidFill>
+                <a:latin typeface="Consolas" panose="020B0609020204030204" pitchFamily="49" charset="0"/>
+              </a:rPr>
+              <a:t>).</a:t>
+            </a:r>
+            <a:r>
+              <a:rPr lang="en-US" dirty="0" err="1">
+                <a:solidFill>
+                  <a:srgbClr val="000000"/>
+                </a:solidFill>
+                <a:latin typeface="Consolas" panose="020B0609020204030204" pitchFamily="49" charset="0"/>
+              </a:rPr>
+              <a:t>IsAssignableFrom</a:t>
+            </a:r>
+            <a:r>
+              <a:rPr lang="en-US" dirty="0">
+                <a:solidFill>
+                  <a:srgbClr val="000000"/>
+                </a:solidFill>
+                <a:latin typeface="Consolas" panose="020B0609020204030204" pitchFamily="49" charset="0"/>
+              </a:rPr>
+              <a:t>(t))</a:t>
+            </a:r>
+          </a:p>
+          <a:p>
+            <a:r>
+              <a:rPr lang="ru-RU" dirty="0">
+                <a:solidFill>
+                  <a:srgbClr val="000000"/>
+                </a:solidFill>
+                <a:latin typeface="Consolas" panose="020B0609020204030204" pitchFamily="49" charset="0"/>
+              </a:rPr>
+              <a:t>		</a:t>
+            </a:r>
+            <a:r>
+              <a:rPr lang="en-US" dirty="0">
+                <a:solidFill>
+                  <a:srgbClr val="000000"/>
+                </a:solidFill>
+                <a:latin typeface="Consolas" panose="020B0609020204030204" pitchFamily="49" charset="0"/>
+              </a:rPr>
+              <a:t>.</a:t>
+            </a:r>
+            <a:r>
+              <a:rPr lang="en-US" dirty="0" err="1">
+                <a:solidFill>
+                  <a:srgbClr val="000000"/>
+                </a:solidFill>
+                <a:latin typeface="Consolas" panose="020B0609020204030204" pitchFamily="49" charset="0"/>
+              </a:rPr>
+              <a:t>BindAllInterfaces</a:t>
+            </a:r>
+            <a:r>
+              <a:rPr lang="en-US" dirty="0">
+                <a:solidFill>
+                  <a:srgbClr val="000000"/>
+                </a:solidFill>
+                <a:latin typeface="Consolas" panose="020B0609020204030204" pitchFamily="49" charset="0"/>
+              </a:rPr>
+              <a:t>();</a:t>
+            </a:r>
+          </a:p>
+          <a:p>
+            <a:r>
+              <a:rPr lang="ru-RU" dirty="0">
+                <a:solidFill>
+                  <a:srgbClr val="000000"/>
+                </a:solidFill>
+                <a:latin typeface="Consolas" panose="020B0609020204030204" pitchFamily="49" charset="0"/>
+              </a:rPr>
+              <a:t>});</a:t>
+            </a:r>
+          </a:p>
+          <a:p>
+            <a:endParaRPr lang="ru-RU" dirty="0">
+              <a:solidFill>
+                <a:srgbClr val="000000"/>
+              </a:solidFill>
+              <a:latin typeface="Consolas" panose="020B0609020204030204" pitchFamily="49" charset="0"/>
+            </a:endParaRPr>
+          </a:p>
+          <a:p>
+            <a:r>
+              <a:rPr lang="en-US" dirty="0" err="1">
+                <a:solidFill>
+                  <a:srgbClr val="000000"/>
+                </a:solidFill>
+                <a:latin typeface="Consolas" panose="020B0609020204030204" pitchFamily="49" charset="0"/>
+              </a:rPr>
+              <a:t>kernel.Bind</a:t>
+            </a:r>
+            <a:r>
+              <a:rPr lang="en-US" dirty="0">
+                <a:solidFill>
+                  <a:srgbClr val="000000"/>
+                </a:solidFill>
+                <a:latin typeface="Consolas" panose="020B0609020204030204" pitchFamily="49" charset="0"/>
+              </a:rPr>
+              <a:t>(</a:t>
+            </a:r>
+            <a:r>
+              <a:rPr lang="en-US" dirty="0" err="1">
+                <a:solidFill>
+                  <a:srgbClr val="000000"/>
+                </a:solidFill>
+                <a:latin typeface="Consolas" panose="020B0609020204030204" pitchFamily="49" charset="0"/>
+              </a:rPr>
+              <a:t>scaner</a:t>
+            </a:r>
+            <a:r>
+              <a:rPr lang="en-US" dirty="0">
+                <a:solidFill>
+                  <a:srgbClr val="000000"/>
+                </a:solidFill>
+                <a:latin typeface="Consolas" panose="020B0609020204030204" pitchFamily="49" charset="0"/>
+              </a:rPr>
+              <a:t> =&gt;</a:t>
+            </a:r>
+          </a:p>
+          <a:p>
+            <a:r>
+              <a:rPr lang="ru-RU" dirty="0">
+                <a:solidFill>
+                  <a:srgbClr val="000000"/>
+                </a:solidFill>
+                <a:latin typeface="Consolas" panose="020B0609020204030204" pitchFamily="49" charset="0"/>
+              </a:rPr>
+              <a:t>{</a:t>
+            </a:r>
+          </a:p>
+          <a:p>
+            <a:r>
+              <a:rPr lang="ru-RU" dirty="0">
+                <a:solidFill>
+                  <a:srgbClr val="000000"/>
+                </a:solidFill>
+                <a:latin typeface="Consolas" panose="020B0609020204030204" pitchFamily="49" charset="0"/>
+              </a:rPr>
+              <a:t>	</a:t>
+            </a:r>
+            <a:r>
+              <a:rPr lang="en-US" dirty="0" err="1">
+                <a:solidFill>
+                  <a:srgbClr val="000000"/>
+                </a:solidFill>
+                <a:latin typeface="Consolas" panose="020B0609020204030204" pitchFamily="49" charset="0"/>
+              </a:rPr>
+              <a:t>scaner</a:t>
+            </a:r>
+            <a:endParaRPr lang="en-US" dirty="0">
+              <a:solidFill>
+                <a:srgbClr val="000000"/>
+              </a:solidFill>
+              <a:latin typeface="Consolas" panose="020B0609020204030204" pitchFamily="49" charset="0"/>
+            </a:endParaRPr>
+          </a:p>
+          <a:p>
+            <a:r>
+              <a:rPr lang="ru-RU" dirty="0">
+                <a:solidFill>
+                  <a:srgbClr val="000000"/>
+                </a:solidFill>
+                <a:latin typeface="Consolas" panose="020B0609020204030204" pitchFamily="49" charset="0"/>
+              </a:rPr>
+              <a:t>		</a:t>
+            </a:r>
+            <a:r>
+              <a:rPr lang="en-US" dirty="0">
+                <a:solidFill>
+                  <a:srgbClr val="000000"/>
+                </a:solidFill>
+                <a:latin typeface="Consolas" panose="020B0609020204030204" pitchFamily="49" charset="0"/>
+              </a:rPr>
+              <a:t>.</a:t>
+            </a:r>
+            <a:r>
+              <a:rPr lang="en-US" dirty="0" err="1">
+                <a:solidFill>
+                  <a:srgbClr val="000000"/>
+                </a:solidFill>
+                <a:latin typeface="Consolas" panose="020B0609020204030204" pitchFamily="49" charset="0"/>
+              </a:rPr>
+              <a:t>FromAssembliesInPath</a:t>
+            </a:r>
+            <a:r>
+              <a:rPr lang="en-US" dirty="0">
+                <a:solidFill>
+                  <a:srgbClr val="000000"/>
+                </a:solidFill>
+                <a:latin typeface="Consolas" panose="020B0609020204030204" pitchFamily="49" charset="0"/>
+              </a:rPr>
+              <a:t>(</a:t>
+            </a:r>
+            <a:r>
+              <a:rPr lang="en-US" dirty="0" err="1">
+                <a:solidFill>
+                  <a:srgbClr val="000000"/>
+                </a:solidFill>
+                <a:latin typeface="Consolas" panose="020B0609020204030204" pitchFamily="49" charset="0"/>
+              </a:rPr>
+              <a:t>hostings.FullName</a:t>
+            </a:r>
+            <a:r>
+              <a:rPr lang="en-US" dirty="0">
+                <a:solidFill>
+                  <a:srgbClr val="000000"/>
+                </a:solidFill>
+                <a:latin typeface="Consolas" panose="020B0609020204030204" pitchFamily="49" charset="0"/>
+              </a:rPr>
+              <a:t>)</a:t>
+            </a:r>
+          </a:p>
+          <a:p>
+            <a:r>
+              <a:rPr lang="ru-RU" dirty="0">
+                <a:solidFill>
+                  <a:srgbClr val="000000"/>
+                </a:solidFill>
+                <a:latin typeface="Consolas" panose="020B0609020204030204" pitchFamily="49" charset="0"/>
+              </a:rPr>
+              <a:t>		</a:t>
+            </a:r>
+            <a:r>
+              <a:rPr lang="en-US" dirty="0">
+                <a:solidFill>
+                  <a:srgbClr val="000000"/>
+                </a:solidFill>
+                <a:latin typeface="Consolas" panose="020B0609020204030204" pitchFamily="49" charset="0"/>
+              </a:rPr>
+              <a:t>.Select(t =&gt; </a:t>
+            </a:r>
+            <a:r>
+              <a:rPr lang="en-US" dirty="0" err="1">
+                <a:solidFill>
+                  <a:srgbClr val="0000FF"/>
+                </a:solidFill>
+                <a:latin typeface="Consolas" panose="020B0609020204030204" pitchFamily="49" charset="0"/>
+              </a:rPr>
+              <a:t>typeof</a:t>
+            </a:r>
+            <a:r>
+              <a:rPr lang="en-US" dirty="0">
+                <a:solidFill>
+                  <a:srgbClr val="000000"/>
+                </a:solidFill>
+                <a:latin typeface="Consolas" panose="020B0609020204030204" pitchFamily="49" charset="0"/>
+              </a:rPr>
+              <a:t>(</a:t>
+            </a:r>
+            <a:r>
+              <a:rPr lang="en-US" dirty="0" err="1">
+                <a:solidFill>
+                  <a:srgbClr val="2B91AF"/>
+                </a:solidFill>
+                <a:latin typeface="Consolas" panose="020B0609020204030204" pitchFamily="49" charset="0"/>
+              </a:rPr>
+              <a:t>IMultiHostingManager</a:t>
+            </a:r>
+            <a:r>
+              <a:rPr lang="en-US" dirty="0">
+                <a:solidFill>
+                  <a:srgbClr val="000000"/>
+                </a:solidFill>
+                <a:latin typeface="Consolas" panose="020B0609020204030204" pitchFamily="49" charset="0"/>
+              </a:rPr>
+              <a:t>).</a:t>
+            </a:r>
+            <a:r>
+              <a:rPr lang="en-US" dirty="0" err="1">
+                <a:solidFill>
+                  <a:srgbClr val="000000"/>
+                </a:solidFill>
+                <a:latin typeface="Consolas" panose="020B0609020204030204" pitchFamily="49" charset="0"/>
+              </a:rPr>
+              <a:t>IsAssignableFrom</a:t>
+            </a:r>
+            <a:r>
+              <a:rPr lang="en-US" dirty="0">
+                <a:solidFill>
+                  <a:srgbClr val="000000"/>
+                </a:solidFill>
+                <a:latin typeface="Consolas" panose="020B0609020204030204" pitchFamily="49" charset="0"/>
+              </a:rPr>
+              <a:t>(t))</a:t>
+            </a:r>
+          </a:p>
+          <a:p>
+            <a:r>
+              <a:rPr lang="ru-RU" dirty="0">
+                <a:solidFill>
+                  <a:srgbClr val="000000"/>
+                </a:solidFill>
+                <a:latin typeface="Consolas" panose="020B0609020204030204" pitchFamily="49" charset="0"/>
+              </a:rPr>
+              <a:t>		</a:t>
+            </a:r>
+            <a:r>
+              <a:rPr lang="en-US" dirty="0">
+                <a:solidFill>
+                  <a:srgbClr val="000000"/>
+                </a:solidFill>
+                <a:latin typeface="Consolas" panose="020B0609020204030204" pitchFamily="49" charset="0"/>
+              </a:rPr>
+              <a:t>.</a:t>
+            </a:r>
+            <a:r>
+              <a:rPr lang="en-US" dirty="0" err="1">
+                <a:solidFill>
+                  <a:srgbClr val="000000"/>
+                </a:solidFill>
+                <a:latin typeface="Consolas" panose="020B0609020204030204" pitchFamily="49" charset="0"/>
+              </a:rPr>
+              <a:t>BindAllInterfaces</a:t>
+            </a:r>
+            <a:r>
+              <a:rPr lang="en-US" dirty="0">
+                <a:solidFill>
+                  <a:srgbClr val="000000"/>
+                </a:solidFill>
+                <a:latin typeface="Consolas" panose="020B0609020204030204" pitchFamily="49" charset="0"/>
+              </a:rPr>
+              <a:t>();</a:t>
+            </a:r>
+          </a:p>
+          <a:p>
+            <a:r>
+              <a:rPr lang="ru-RU" dirty="0">
+                <a:solidFill>
+                  <a:srgbClr val="000000"/>
+                </a:solidFill>
+                <a:latin typeface="Consolas" panose="020B0609020204030204" pitchFamily="49" charset="0"/>
+              </a:rPr>
+              <a:t>});</a:t>
+            </a:r>
+          </a:p>
+          <a:p>
+            <a:endParaRPr lang="ru-RU" dirty="0">
+              <a:solidFill>
+                <a:srgbClr val="000000"/>
+              </a:solidFill>
+              <a:latin typeface="Consolas" panose="020B0609020204030204" pitchFamily="49" charset="0"/>
+            </a:endParaRPr>
+          </a:p>
+          <a:p>
+            <a:r>
+              <a:rPr lang="en-US" dirty="0" err="1">
+                <a:solidFill>
+                  <a:srgbClr val="000000"/>
+                </a:solidFill>
+                <a:latin typeface="Consolas" panose="020B0609020204030204" pitchFamily="49" charset="0"/>
+              </a:rPr>
+              <a:t>kernel.Bind</a:t>
+            </a:r>
+            <a:r>
+              <a:rPr lang="en-US" dirty="0">
+                <a:solidFill>
+                  <a:srgbClr val="000000"/>
+                </a:solidFill>
+                <a:latin typeface="Consolas" panose="020B0609020204030204" pitchFamily="49" charset="0"/>
+              </a:rPr>
+              <a:t>&lt;</a:t>
+            </a:r>
+            <a:r>
+              <a:rPr lang="en-US" dirty="0" err="1">
+                <a:solidFill>
+                  <a:srgbClr val="2B91AF"/>
+                </a:solidFill>
+                <a:latin typeface="Consolas" panose="020B0609020204030204" pitchFamily="49" charset="0"/>
+              </a:rPr>
+              <a:t>ServicesCollection</a:t>
+            </a:r>
+            <a:r>
+              <a:rPr lang="en-US" dirty="0">
+                <a:solidFill>
+                  <a:srgbClr val="000000"/>
+                </a:solidFill>
+                <a:latin typeface="Consolas" panose="020B0609020204030204" pitchFamily="49" charset="0"/>
+              </a:rPr>
+              <a:t>&gt;().</a:t>
+            </a:r>
+            <a:r>
+              <a:rPr lang="en-US" dirty="0" err="1">
+                <a:solidFill>
+                  <a:srgbClr val="000000"/>
+                </a:solidFill>
+                <a:latin typeface="Consolas" panose="020B0609020204030204" pitchFamily="49" charset="0"/>
+              </a:rPr>
+              <a:t>ToSelf</a:t>
+            </a:r>
+            <a:r>
+              <a:rPr lang="en-US" dirty="0">
+                <a:solidFill>
+                  <a:srgbClr val="000000"/>
+                </a:solidFill>
+                <a:latin typeface="Consolas" panose="020B0609020204030204" pitchFamily="49" charset="0"/>
+              </a:rPr>
+              <a:t>().</a:t>
+            </a:r>
+            <a:r>
+              <a:rPr lang="en-US" dirty="0" err="1">
+                <a:solidFill>
+                  <a:srgbClr val="000000"/>
+                </a:solidFill>
+                <a:latin typeface="Consolas" panose="020B0609020204030204" pitchFamily="49" charset="0"/>
+              </a:rPr>
+              <a:t>InSingletonScope</a:t>
+            </a:r>
+            <a:r>
+              <a:rPr lang="en-US" dirty="0">
+                <a:solidFill>
+                  <a:srgbClr val="000000"/>
+                </a:solidFill>
+                <a:latin typeface="Consolas" panose="020B0609020204030204" pitchFamily="49" charset="0"/>
+              </a:rPr>
+              <a:t>();</a:t>
+            </a:r>
+          </a:p>
+          <a:p>
+            <a:r>
+              <a:rPr lang="en-US" dirty="0" err="1">
+                <a:solidFill>
+                  <a:srgbClr val="000000"/>
+                </a:solidFill>
+                <a:latin typeface="Consolas" panose="020B0609020204030204" pitchFamily="49" charset="0"/>
+              </a:rPr>
+              <a:t>kernel.Bind</a:t>
+            </a:r>
+            <a:r>
+              <a:rPr lang="en-US" dirty="0">
+                <a:solidFill>
+                  <a:srgbClr val="000000"/>
+                </a:solidFill>
+                <a:latin typeface="Consolas" panose="020B0609020204030204" pitchFamily="49" charset="0"/>
+              </a:rPr>
+              <a:t>&lt;</a:t>
+            </a:r>
+            <a:r>
+              <a:rPr lang="en-US" dirty="0" err="1">
+                <a:solidFill>
+                  <a:srgbClr val="2B91AF"/>
+                </a:solidFill>
+                <a:latin typeface="Consolas" panose="020B0609020204030204" pitchFamily="49" charset="0"/>
+              </a:rPr>
+              <a:t>TopologyConfigurator</a:t>
+            </a:r>
+            <a:r>
+              <a:rPr lang="en-US" dirty="0">
+                <a:solidFill>
+                  <a:srgbClr val="000000"/>
+                </a:solidFill>
+                <a:latin typeface="Consolas" panose="020B0609020204030204" pitchFamily="49" charset="0"/>
+              </a:rPr>
+              <a:t>&gt;().</a:t>
+            </a:r>
+            <a:r>
+              <a:rPr lang="en-US" dirty="0" err="1">
+                <a:solidFill>
+                  <a:srgbClr val="000000"/>
+                </a:solidFill>
+                <a:latin typeface="Consolas" panose="020B0609020204030204" pitchFamily="49" charset="0"/>
+              </a:rPr>
+              <a:t>ToSelf</a:t>
+            </a:r>
+            <a:r>
+              <a:rPr lang="en-US" dirty="0">
+                <a:solidFill>
+                  <a:srgbClr val="000000"/>
+                </a:solidFill>
+                <a:latin typeface="Consolas" panose="020B0609020204030204" pitchFamily="49" charset="0"/>
+              </a:rPr>
+              <a:t>().</a:t>
+            </a:r>
+            <a:r>
+              <a:rPr lang="en-US" dirty="0" err="1">
+                <a:solidFill>
+                  <a:srgbClr val="000000"/>
+                </a:solidFill>
+                <a:latin typeface="Consolas" panose="020B0609020204030204" pitchFamily="49" charset="0"/>
+              </a:rPr>
+              <a:t>InSingletonScope</a:t>
+            </a:r>
+            <a:r>
+              <a:rPr lang="en-US" dirty="0">
+                <a:solidFill>
+                  <a:srgbClr val="000000"/>
+                </a:solidFill>
+                <a:latin typeface="Consolas" panose="020B0609020204030204" pitchFamily="49" charset="0"/>
+              </a:rPr>
+              <a:t>();</a:t>
+            </a:r>
+          </a:p>
+          <a:p>
+            <a:r>
+              <a:rPr lang="en-US" dirty="0" err="1">
+                <a:solidFill>
+                  <a:srgbClr val="000000"/>
+                </a:solidFill>
+                <a:latin typeface="Consolas" panose="020B0609020204030204" pitchFamily="49" charset="0"/>
+              </a:rPr>
+              <a:t>kernel.Bind</a:t>
+            </a:r>
+            <a:r>
+              <a:rPr lang="en-US" dirty="0">
+                <a:solidFill>
+                  <a:srgbClr val="000000"/>
+                </a:solidFill>
+                <a:latin typeface="Consolas" panose="020B0609020204030204" pitchFamily="49" charset="0"/>
+              </a:rPr>
+              <a:t>&lt;</a:t>
+            </a:r>
+            <a:r>
+              <a:rPr lang="en-US" dirty="0" err="1">
+                <a:solidFill>
+                  <a:srgbClr val="2B91AF"/>
+                </a:solidFill>
+                <a:latin typeface="Consolas" panose="020B0609020204030204" pitchFamily="49" charset="0"/>
+              </a:rPr>
+              <a:t>HostingTreeBuilder</a:t>
+            </a:r>
+            <a:r>
+              <a:rPr lang="en-US" dirty="0">
+                <a:solidFill>
+                  <a:srgbClr val="000000"/>
+                </a:solidFill>
+                <a:latin typeface="Consolas" panose="020B0609020204030204" pitchFamily="49" charset="0"/>
+              </a:rPr>
+              <a:t>&gt;().</a:t>
+            </a:r>
+            <a:r>
+              <a:rPr lang="en-US" dirty="0" err="1">
+                <a:solidFill>
+                  <a:srgbClr val="000000"/>
+                </a:solidFill>
+                <a:latin typeface="Consolas" panose="020B0609020204030204" pitchFamily="49" charset="0"/>
+              </a:rPr>
+              <a:t>ToSelf</a:t>
+            </a:r>
+            <a:r>
+              <a:rPr lang="en-US" dirty="0">
+                <a:solidFill>
+                  <a:srgbClr val="000000"/>
+                </a:solidFill>
+                <a:latin typeface="Consolas" panose="020B0609020204030204" pitchFamily="49" charset="0"/>
+              </a:rPr>
+              <a:t>().</a:t>
+            </a:r>
+            <a:r>
+              <a:rPr lang="en-US" dirty="0" err="1">
+                <a:solidFill>
+                  <a:srgbClr val="000000"/>
+                </a:solidFill>
+                <a:latin typeface="Consolas" panose="020B0609020204030204" pitchFamily="49" charset="0"/>
+              </a:rPr>
+              <a:t>InSingletonScope</a:t>
+            </a:r>
+            <a:r>
+              <a:rPr lang="en-US" dirty="0">
+                <a:solidFill>
+                  <a:srgbClr val="000000"/>
+                </a:solidFill>
+                <a:latin typeface="Consolas" panose="020B0609020204030204" pitchFamily="49" charset="0"/>
+              </a:rPr>
+              <a:t>();</a:t>
+            </a:r>
+          </a:p>
+          <a:p>
+            <a:r>
+              <a:rPr lang="en-US" dirty="0" err="1">
+                <a:solidFill>
+                  <a:srgbClr val="000000"/>
+                </a:solidFill>
+                <a:latin typeface="Consolas" panose="020B0609020204030204" pitchFamily="49" charset="0"/>
+              </a:rPr>
+              <a:t>kernel.Bind</a:t>
+            </a:r>
+            <a:r>
+              <a:rPr lang="en-US" dirty="0">
+                <a:solidFill>
+                  <a:srgbClr val="000000"/>
+                </a:solidFill>
+                <a:latin typeface="Consolas" panose="020B0609020204030204" pitchFamily="49" charset="0"/>
+              </a:rPr>
+              <a:t>&lt;</a:t>
+            </a:r>
+            <a:r>
+              <a:rPr lang="en-US" dirty="0" err="1">
+                <a:solidFill>
+                  <a:srgbClr val="2B91AF"/>
+                </a:solidFill>
+                <a:latin typeface="Consolas" panose="020B0609020204030204" pitchFamily="49" charset="0"/>
+              </a:rPr>
+              <a:t>CredentialsFormatter</a:t>
+            </a:r>
+            <a:r>
+              <a:rPr lang="en-US" dirty="0">
+                <a:solidFill>
+                  <a:srgbClr val="000000"/>
+                </a:solidFill>
+                <a:latin typeface="Consolas" panose="020B0609020204030204" pitchFamily="49" charset="0"/>
+              </a:rPr>
+              <a:t>&gt;().</a:t>
+            </a:r>
+            <a:r>
+              <a:rPr lang="en-US" dirty="0" err="1">
+                <a:solidFill>
+                  <a:srgbClr val="000000"/>
+                </a:solidFill>
+                <a:latin typeface="Consolas" panose="020B0609020204030204" pitchFamily="49" charset="0"/>
+              </a:rPr>
+              <a:t>ToSelf</a:t>
+            </a:r>
+            <a:r>
+              <a:rPr lang="en-US" dirty="0">
+                <a:solidFill>
+                  <a:srgbClr val="000000"/>
+                </a:solidFill>
+                <a:latin typeface="Consolas" panose="020B0609020204030204" pitchFamily="49" charset="0"/>
+              </a:rPr>
+              <a:t>().</a:t>
+            </a:r>
+            <a:r>
+              <a:rPr lang="en-US" dirty="0" err="1">
+                <a:solidFill>
+                  <a:srgbClr val="000000"/>
+                </a:solidFill>
+                <a:latin typeface="Consolas" panose="020B0609020204030204" pitchFamily="49" charset="0"/>
+              </a:rPr>
+              <a:t>InSingletonScope</a:t>
+            </a:r>
+            <a:r>
+              <a:rPr lang="en-US" dirty="0">
+                <a:solidFill>
+                  <a:srgbClr val="000000"/>
+                </a:solidFill>
+                <a:latin typeface="Consolas" panose="020B0609020204030204" pitchFamily="49" charset="0"/>
+              </a:rPr>
+              <a:t>();</a:t>
+            </a:r>
+          </a:p>
+        </p:txBody>
+      </p:sp>
+    </p:spTree>
+    <p:extLst>
+      <p:ext uri="{BB962C8B-B14F-4D97-AF65-F5344CB8AC3E}">
+        <p14:creationId xmlns:p14="http://schemas.microsoft.com/office/powerpoint/2010/main" val="2851897968"/>
+      </p:ext>
+    </p:extLst>
+  </p:cSld>
+  <p:clrMapOvr>
+    <a:masterClrMapping/>
+  </p:clrMapOvr>
+</p:sld>
+</file>
+
+<file path=ppt/slides/slide13.xml><?xml version="1.0" encoding="utf-8"?>
+<p:sld xmlns:a="http://schemas.openxmlformats.org/drawingml/2006/main" xmlns:r="http://schemas.openxmlformats.org/officeDocument/2006/relationships" xmlns:p="http://schemas.openxmlformats.org/presentationml/2006/main">
+  <p:cSld>
+    <p:spTree>
+      <p:nvGrpSpPr>
+        <p:cNvPr id="1" name=""/>
+        <p:cNvGrpSpPr/>
+        <p:nvPr/>
+      </p:nvGrpSpPr>
+      <p:grpSpPr>
+        <a:xfrm>
+          <a:off x="0" y="0"/>
+          <a:ext cx="0" cy="0"/>
+          <a:chOff x="0" y="0"/>
+          <a:chExt cx="0" cy="0"/>
+        </a:xfrm>
+      </p:grpSpPr>
+      <p:pic>
+        <p:nvPicPr>
           <p:cNvPr id="4" name="Рисунок 3"/>
           <p:cNvPicPr>
             <a:picLocks noChangeAspect="1"/>
@@ -10432,7 +12881,7 @@
 </p:sld>
 </file>
 
-<file path=ppt/slides/slide11.xml><?xml version="1.0" encoding="utf-8"?>
+<file path=ppt/slides/slide14.xml><?xml version="1.0" encoding="utf-8"?>
 <p:sld xmlns:a="http://schemas.openxmlformats.org/drawingml/2006/main" xmlns:r="http://schemas.openxmlformats.org/officeDocument/2006/relationships" xmlns:p="http://schemas.openxmlformats.org/presentationml/2006/main">
   <p:cSld>
     <p:spTree>
@@ -11280,7 +13729,7 @@
 </p:sld>
 </file>
 
-<file path=ppt/slides/slide12.xml><?xml version="1.0" encoding="utf-8"?>
+<file path=ppt/slides/slide15.xml><?xml version="1.0" encoding="utf-8"?>
 <p:sld xmlns:a="http://schemas.openxmlformats.org/drawingml/2006/main" xmlns:r="http://schemas.openxmlformats.org/officeDocument/2006/relationships" xmlns:p="http://schemas.openxmlformats.org/presentationml/2006/main">
   <p:cSld>
     <p:spTree>
@@ -11432,6 +13881,334 @@
       </p:grpSpPr>
       <p:pic>
         <p:nvPicPr>
+          <p:cNvPr id="4" name="Объект 3"/>
+          <p:cNvPicPr>
+            <a:picLocks noGrp="1" noChangeAspect="1"/>
+          </p:cNvPicPr>
+          <p:nvPr>
+            <p:ph idx="1"/>
+          </p:nvPr>
+        </p:nvPicPr>
+        <p:blipFill>
+          <a:blip r:embed="rId2">
+            <a:extLst>
+              <a:ext uri="{28A0092B-C50C-407E-A947-70E740481C1C}">
+                <a14:useLocalDpi xmlns:a14="http://schemas.microsoft.com/office/drawing/2010/main" val="0"/>
+              </a:ext>
+            </a:extLst>
+          </a:blip>
+          <a:stretch>
+            <a:fillRect/>
+          </a:stretch>
+        </p:blipFill>
+        <p:spPr>
+          <a:xfrm>
+            <a:off x="2130250" y="394397"/>
+            <a:ext cx="7821503" cy="5866127"/>
+          </a:xfrm>
+        </p:spPr>
+      </p:pic>
+    </p:spTree>
+    <p:extLst>
+      <p:ext uri="{BB962C8B-B14F-4D97-AF65-F5344CB8AC3E}">
+        <p14:creationId xmlns:p14="http://schemas.microsoft.com/office/powerpoint/2010/main" val="3560459467"/>
+      </p:ext>
+    </p:extLst>
+  </p:cSld>
+  <p:clrMapOvr>
+    <a:masterClrMapping/>
+  </p:clrMapOvr>
+</p:sld>
+</file>
+
+<file path=ppt/slides/slide3.xml><?xml version="1.0" encoding="utf-8"?>
+<p:sld xmlns:a="http://schemas.openxmlformats.org/drawingml/2006/main" xmlns:r="http://schemas.openxmlformats.org/officeDocument/2006/relationships" xmlns:p="http://schemas.openxmlformats.org/presentationml/2006/main">
+  <p:cSld>
+    <p:spTree>
+      <p:nvGrpSpPr>
+        <p:cNvPr id="1" name=""/>
+        <p:cNvGrpSpPr/>
+        <p:nvPr/>
+      </p:nvGrpSpPr>
+      <p:grpSpPr>
+        <a:xfrm>
+          <a:off x="0" y="0"/>
+          <a:ext cx="0" cy="0"/>
+          <a:chOff x="0" y="0"/>
+          <a:chExt cx="0" cy="0"/>
+        </a:xfrm>
+      </p:grpSpPr>
+      <p:pic>
+        <p:nvPicPr>
+          <p:cNvPr id="4" name="Рисунок 3"/>
+          <p:cNvPicPr>
+            <a:picLocks noChangeAspect="1"/>
+          </p:cNvPicPr>
+          <p:nvPr/>
+        </p:nvPicPr>
+        <p:blipFill>
+          <a:blip r:embed="rId2">
+            <a:extLst>
+              <a:ext uri="{28A0092B-C50C-407E-A947-70E740481C1C}">
+                <a14:useLocalDpi xmlns:a14="http://schemas.microsoft.com/office/drawing/2010/main" val="0"/>
+              </a:ext>
+            </a:extLst>
+          </a:blip>
+          <a:stretch>
+            <a:fillRect/>
+          </a:stretch>
+        </p:blipFill>
+        <p:spPr>
+          <a:xfrm>
+            <a:off x="176265" y="521572"/>
+            <a:ext cx="5663441" cy="3276705"/>
+          </a:xfrm>
+          <a:prstGeom prst="rect">
+            <a:avLst/>
+          </a:prstGeom>
+        </p:spPr>
+      </p:pic>
+      <p:pic>
+        <p:nvPicPr>
+          <p:cNvPr id="5" name="Рисунок 4"/>
+          <p:cNvPicPr>
+            <a:picLocks noChangeAspect="1"/>
+          </p:cNvPicPr>
+          <p:nvPr/>
+        </p:nvPicPr>
+        <p:blipFill>
+          <a:blip r:embed="rId3">
+            <a:extLst>
+              <a:ext uri="{28A0092B-C50C-407E-A947-70E740481C1C}">
+                <a14:useLocalDpi xmlns:a14="http://schemas.microsoft.com/office/drawing/2010/main" val="0"/>
+              </a:ext>
+            </a:extLst>
+          </a:blip>
+          <a:stretch>
+            <a:fillRect/>
+          </a:stretch>
+        </p:blipFill>
+        <p:spPr>
+          <a:xfrm>
+            <a:off x="6652007" y="-15126"/>
+            <a:ext cx="4350099" cy="4350099"/>
+          </a:xfrm>
+          <a:prstGeom prst="rect">
+            <a:avLst/>
+          </a:prstGeom>
+        </p:spPr>
+      </p:pic>
+      <p:pic>
+        <p:nvPicPr>
+          <p:cNvPr id="6" name="Рисунок 5"/>
+          <p:cNvPicPr>
+            <a:picLocks noChangeAspect="1"/>
+          </p:cNvPicPr>
+          <p:nvPr/>
+        </p:nvPicPr>
+        <p:blipFill>
+          <a:blip r:embed="rId4">
+            <a:extLst>
+              <a:ext uri="{28A0092B-C50C-407E-A947-70E740481C1C}">
+                <a14:useLocalDpi xmlns:a14="http://schemas.microsoft.com/office/drawing/2010/main" val="0"/>
+              </a:ext>
+            </a:extLst>
+          </a:blip>
+          <a:stretch>
+            <a:fillRect/>
+          </a:stretch>
+        </p:blipFill>
+        <p:spPr>
+          <a:xfrm>
+            <a:off x="1579235" y="4140549"/>
+            <a:ext cx="2857500" cy="2857500"/>
+          </a:xfrm>
+          <a:prstGeom prst="rect">
+            <a:avLst/>
+          </a:prstGeom>
+        </p:spPr>
+      </p:pic>
+      <p:pic>
+        <p:nvPicPr>
+          <p:cNvPr id="7" name="Рисунок 6"/>
+          <p:cNvPicPr>
+            <a:picLocks noChangeAspect="1"/>
+          </p:cNvPicPr>
+          <p:nvPr/>
+        </p:nvPicPr>
+        <p:blipFill>
+          <a:blip r:embed="rId5">
+            <a:extLst>
+              <a:ext uri="{28A0092B-C50C-407E-A947-70E740481C1C}">
+                <a14:useLocalDpi xmlns:a14="http://schemas.microsoft.com/office/drawing/2010/main" val="0"/>
+              </a:ext>
+            </a:extLst>
+          </a:blip>
+          <a:stretch>
+            <a:fillRect/>
+          </a:stretch>
+        </p:blipFill>
+        <p:spPr>
+          <a:xfrm>
+            <a:off x="6530456" y="4140549"/>
+            <a:ext cx="4593199" cy="2024410"/>
+          </a:xfrm>
+          <a:prstGeom prst="rect">
+            <a:avLst/>
+          </a:prstGeom>
+        </p:spPr>
+      </p:pic>
+    </p:spTree>
+    <p:extLst>
+      <p:ext uri="{BB962C8B-B14F-4D97-AF65-F5344CB8AC3E}">
+        <p14:creationId xmlns:p14="http://schemas.microsoft.com/office/powerpoint/2010/main" val="588938495"/>
+      </p:ext>
+    </p:extLst>
+  </p:cSld>
+  <p:clrMapOvr>
+    <a:masterClrMapping/>
+  </p:clrMapOvr>
+</p:sld>
+</file>
+
+<file path=ppt/slides/slide4.xml><?xml version="1.0" encoding="utf-8"?>
+<p:sld xmlns:a="http://schemas.openxmlformats.org/drawingml/2006/main" xmlns:r="http://schemas.openxmlformats.org/officeDocument/2006/relationships" xmlns:p="http://schemas.openxmlformats.org/presentationml/2006/main">
+  <p:cSld>
+    <p:spTree>
+      <p:nvGrpSpPr>
+        <p:cNvPr id="1" name=""/>
+        <p:cNvGrpSpPr/>
+        <p:nvPr/>
+      </p:nvGrpSpPr>
+      <p:grpSpPr>
+        <a:xfrm>
+          <a:off x="0" y="0"/>
+          <a:ext cx="0" cy="0"/>
+          <a:chOff x="0" y="0"/>
+          <a:chExt cx="0" cy="0"/>
+        </a:xfrm>
+      </p:grpSpPr>
+      <p:pic>
+        <p:nvPicPr>
+          <p:cNvPr id="4" name="Рисунок 3"/>
+          <p:cNvPicPr>
+            <a:picLocks noChangeAspect="1"/>
+          </p:cNvPicPr>
+          <p:nvPr/>
+        </p:nvPicPr>
+        <p:blipFill>
+          <a:blip r:embed="rId2">
+            <a:extLst>
+              <a:ext uri="{28A0092B-C50C-407E-A947-70E740481C1C}">
+                <a14:useLocalDpi xmlns:a14="http://schemas.microsoft.com/office/drawing/2010/main" val="0"/>
+              </a:ext>
+            </a:extLst>
+          </a:blip>
+          <a:stretch>
+            <a:fillRect/>
+          </a:stretch>
+        </p:blipFill>
+        <p:spPr>
+          <a:xfrm>
+            <a:off x="4793064" y="492683"/>
+            <a:ext cx="6893169" cy="3877408"/>
+          </a:xfrm>
+          <a:prstGeom prst="rect">
+            <a:avLst/>
+          </a:prstGeom>
+        </p:spPr>
+      </p:pic>
+      <p:pic>
+        <p:nvPicPr>
+          <p:cNvPr id="5" name="Рисунок 4"/>
+          <p:cNvPicPr>
+            <a:picLocks noChangeAspect="1"/>
+          </p:cNvPicPr>
+          <p:nvPr/>
+        </p:nvPicPr>
+        <p:blipFill>
+          <a:blip r:embed="rId3">
+            <a:extLst>
+              <a:ext uri="{28A0092B-C50C-407E-A947-70E740481C1C}">
+                <a14:useLocalDpi xmlns:a14="http://schemas.microsoft.com/office/drawing/2010/main" val="0"/>
+              </a:ext>
+            </a:extLst>
+          </a:blip>
+          <a:stretch>
+            <a:fillRect/>
+          </a:stretch>
+        </p:blipFill>
+        <p:spPr>
+          <a:xfrm>
+            <a:off x="2318867" y="4370091"/>
+            <a:ext cx="7353300" cy="1885950"/>
+          </a:xfrm>
+          <a:prstGeom prst="rect">
+            <a:avLst/>
+          </a:prstGeom>
+        </p:spPr>
+      </p:pic>
+      <p:pic>
+        <p:nvPicPr>
+          <p:cNvPr id="6" name="Рисунок 5"/>
+          <p:cNvPicPr>
+            <a:picLocks noChangeAspect="1"/>
+          </p:cNvPicPr>
+          <p:nvPr/>
+        </p:nvPicPr>
+        <p:blipFill rotWithShape="1">
+          <a:blip r:embed="rId4">
+            <a:extLst>
+              <a:ext uri="{28A0092B-C50C-407E-A947-70E740481C1C}">
+                <a14:useLocalDpi xmlns:a14="http://schemas.microsoft.com/office/drawing/2010/main" val="0"/>
+              </a:ext>
+            </a:extLst>
+          </a:blip>
+          <a:srcRect l="271" t="13201" r="48091" b="31798"/>
+          <a:stretch/>
+        </p:blipFill>
+        <p:spPr>
+          <a:xfrm>
+            <a:off x="251209" y="893674"/>
+            <a:ext cx="5207007" cy="2874457"/>
+          </a:xfrm>
+          <a:prstGeom prst="rect">
+            <a:avLst/>
+          </a:prstGeom>
+        </p:spPr>
+      </p:pic>
+    </p:spTree>
+    <p:extLst>
+      <p:ext uri="{BB962C8B-B14F-4D97-AF65-F5344CB8AC3E}">
+        <p14:creationId xmlns:p14="http://schemas.microsoft.com/office/powerpoint/2010/main" val="3391791869"/>
+      </p:ext>
+    </p:extLst>
+  </p:cSld>
+  <p:clrMapOvr>
+    <a:masterClrMapping/>
+  </p:clrMapOvr>
+</p:sld>
+</file>
+
+<file path=ppt/slides/slide5.xml><?xml version="1.0" encoding="utf-8"?>
+<p:sld xmlns:a="http://schemas.openxmlformats.org/drawingml/2006/main" xmlns:r="http://schemas.openxmlformats.org/officeDocument/2006/relationships" xmlns:p="http://schemas.openxmlformats.org/presentationml/2006/main">
+  <p:cSld>
+    <p:spTree>
+      <p:nvGrpSpPr>
+        <p:cNvPr id="1" name=""/>
+        <p:cNvGrpSpPr/>
+        <p:nvPr/>
+      </p:nvGrpSpPr>
+      <p:grpSpPr>
+        <a:xfrm>
+          <a:off x="0" y="0"/>
+          <a:ext cx="0" cy="0"/>
+          <a:chOff x="0" y="0"/>
+          <a:chExt cx="0" cy="0"/>
+        </a:xfrm>
+      </p:grpSpPr>
+      <p:pic>
+        <p:nvPicPr>
           <p:cNvPr id="7" name="Рисунок 6"/>
           <p:cNvPicPr>
             <a:picLocks noChangeAspect="1"/>
@@ -11467,7 +14244,7 @@
 </p:sld>
 </file>
 
-<file path=ppt/slides/slide3.xml><?xml version="1.0" encoding="utf-8"?>
+<file path=ppt/slides/slide6.xml><?xml version="1.0" encoding="utf-8"?>
 <p:sld xmlns:a="http://schemas.openxmlformats.org/drawingml/2006/main" xmlns:r="http://schemas.openxmlformats.org/officeDocument/2006/relationships" xmlns:p="http://schemas.openxmlformats.org/presentationml/2006/main">
   <p:cSld>
     <p:spTree>
@@ -11527,7 +14304,7 @@
 </p:sld>
 </file>
 
-<file path=ppt/slides/slide4.xml><?xml version="1.0" encoding="utf-8"?>
+<file path=ppt/slides/slide7.xml><?xml version="1.0" encoding="utf-8"?>
 <p:sld xmlns:a="http://schemas.openxmlformats.org/drawingml/2006/main" xmlns:r="http://schemas.openxmlformats.org/officeDocument/2006/relationships" xmlns:p="http://schemas.openxmlformats.org/presentationml/2006/main">
   <p:cSld>
     <p:spTree>
@@ -11926,1589 +14703,6 @@
 </p:sld>
 </file>
 
-<file path=ppt/slides/slide5.xml><?xml version="1.0" encoding="utf-8"?>
-<p:sld xmlns:a="http://schemas.openxmlformats.org/drawingml/2006/main" xmlns:r="http://schemas.openxmlformats.org/officeDocument/2006/relationships" xmlns:p="http://schemas.openxmlformats.org/presentationml/2006/main">
-  <p:cSld>
-    <p:spTree>
-      <p:nvGrpSpPr>
-        <p:cNvPr id="1" name=""/>
-        <p:cNvGrpSpPr/>
-        <p:nvPr/>
-      </p:nvGrpSpPr>
-      <p:grpSpPr>
-        <a:xfrm>
-          <a:off x="0" y="0"/>
-          <a:ext cx="0" cy="0"/>
-          <a:chOff x="0" y="0"/>
-          <a:chExt cx="0" cy="0"/>
-        </a:xfrm>
-      </p:grpSpPr>
-      <p:sp>
-        <p:nvSpPr>
-          <p:cNvPr id="5" name="Прямоугольник 4"/>
-          <p:cNvSpPr/>
-          <p:nvPr/>
-        </p:nvSpPr>
-        <p:spPr>
-          <a:xfrm>
-            <a:off x="962525" y="657511"/>
-            <a:ext cx="11229475" cy="5509200"/>
-          </a:xfrm>
-          <a:prstGeom prst="rect">
-            <a:avLst/>
-          </a:prstGeom>
-        </p:spPr>
-        <p:txBody>
-          <a:bodyPr wrap="square">
-            <a:spAutoFit/>
-          </a:bodyPr>
-          <a:lstStyle/>
-          <a:p>
-            <a:r>
-              <a:rPr lang="en-US" sz="2200" dirty="0">
-                <a:solidFill>
-                  <a:srgbClr val="0000FF"/>
-                </a:solidFill>
-                <a:latin typeface="Consolas" panose="020B0609020204030204" pitchFamily="49" charset="0"/>
-              </a:rPr>
-              <a:t>public</a:t>
-            </a:r>
-            <a:r>
-              <a:rPr lang="en-US" sz="2200" dirty="0">
-                <a:solidFill>
-                  <a:srgbClr val="000000"/>
-                </a:solidFill>
-                <a:latin typeface="Consolas" panose="020B0609020204030204" pitchFamily="49" charset="0"/>
-              </a:rPr>
-              <a:t> </a:t>
-            </a:r>
-            <a:r>
-              <a:rPr lang="en-US" sz="2200" dirty="0">
-                <a:solidFill>
-                  <a:srgbClr val="0000FF"/>
-                </a:solidFill>
-                <a:latin typeface="Consolas" panose="020B0609020204030204" pitchFamily="49" charset="0"/>
-              </a:rPr>
-              <a:t>class</a:t>
-            </a:r>
-            <a:r>
-              <a:rPr lang="en-US" sz="2200" dirty="0">
-                <a:solidFill>
-                  <a:srgbClr val="000000"/>
-                </a:solidFill>
-                <a:latin typeface="Consolas" panose="020B0609020204030204" pitchFamily="49" charset="0"/>
-              </a:rPr>
-              <a:t> </a:t>
-            </a:r>
-            <a:r>
-              <a:rPr lang="en-US" sz="2200" dirty="0" err="1">
-                <a:solidFill>
-                  <a:srgbClr val="2B91AF"/>
-                </a:solidFill>
-                <a:latin typeface="Consolas" panose="020B0609020204030204" pitchFamily="49" charset="0"/>
-              </a:rPr>
-              <a:t>OAuthCredentials</a:t>
-            </a:r>
-            <a:r>
-              <a:rPr lang="en-US" sz="2200" dirty="0">
-                <a:solidFill>
-                  <a:srgbClr val="000000"/>
-                </a:solidFill>
-                <a:latin typeface="Consolas" panose="020B0609020204030204" pitchFamily="49" charset="0"/>
-              </a:rPr>
-              <a:t> : </a:t>
-            </a:r>
-            <a:r>
-              <a:rPr lang="en-US" sz="2200" dirty="0" err="1">
-                <a:solidFill>
-                  <a:srgbClr val="2B91AF"/>
-                </a:solidFill>
-                <a:latin typeface="Consolas" panose="020B0609020204030204" pitchFamily="49" charset="0"/>
-              </a:rPr>
-              <a:t>IEquatable</a:t>
-            </a:r>
-            <a:r>
-              <a:rPr lang="en-US" sz="2200" dirty="0">
-                <a:solidFill>
-                  <a:srgbClr val="000000"/>
-                </a:solidFill>
-                <a:latin typeface="Consolas" panose="020B0609020204030204" pitchFamily="49" charset="0"/>
-              </a:rPr>
-              <a:t>&lt;</a:t>
-            </a:r>
-            <a:r>
-              <a:rPr lang="en-US" sz="2200" dirty="0" err="1">
-                <a:solidFill>
-                  <a:srgbClr val="2B91AF"/>
-                </a:solidFill>
-                <a:latin typeface="Consolas" panose="020B0609020204030204" pitchFamily="49" charset="0"/>
-              </a:rPr>
-              <a:t>OAuthCredentials</a:t>
-            </a:r>
-            <a:r>
-              <a:rPr lang="en-US" sz="2200" dirty="0">
-                <a:solidFill>
-                  <a:srgbClr val="000000"/>
-                </a:solidFill>
-                <a:latin typeface="Consolas" panose="020B0609020204030204" pitchFamily="49" charset="0"/>
-              </a:rPr>
-              <a:t>&gt;</a:t>
-            </a:r>
-          </a:p>
-          <a:p>
-            <a:r>
-              <a:rPr lang="ru-RU" sz="2200" dirty="0">
-                <a:solidFill>
-                  <a:srgbClr val="000000"/>
-                </a:solidFill>
-                <a:latin typeface="Consolas" panose="020B0609020204030204" pitchFamily="49" charset="0"/>
-              </a:rPr>
-              <a:t>{</a:t>
-            </a:r>
-          </a:p>
-          <a:p>
-            <a:r>
-              <a:rPr lang="en-US" sz="2200" dirty="0">
-                <a:solidFill>
-                  <a:srgbClr val="0000FF"/>
-                </a:solidFill>
-                <a:latin typeface="Consolas" panose="020B0609020204030204" pitchFamily="49" charset="0"/>
-              </a:rPr>
-              <a:t>	public</a:t>
-            </a:r>
-            <a:r>
-              <a:rPr lang="en-US" sz="2200" dirty="0">
-                <a:solidFill>
-                  <a:srgbClr val="000000"/>
-                </a:solidFill>
-                <a:latin typeface="Consolas" panose="020B0609020204030204" pitchFamily="49" charset="0"/>
-              </a:rPr>
-              <a:t> </a:t>
-            </a:r>
-            <a:r>
-              <a:rPr lang="en-US" sz="2200" dirty="0">
-                <a:solidFill>
-                  <a:srgbClr val="0000FF"/>
-                </a:solidFill>
-                <a:latin typeface="Consolas" panose="020B0609020204030204" pitchFamily="49" charset="0"/>
-              </a:rPr>
-              <a:t>static</a:t>
-            </a:r>
-            <a:r>
-              <a:rPr lang="en-US" sz="2200" dirty="0">
-                <a:solidFill>
-                  <a:srgbClr val="000000"/>
-                </a:solidFill>
-                <a:latin typeface="Consolas" panose="020B0609020204030204" pitchFamily="49" charset="0"/>
-              </a:rPr>
-              <a:t> </a:t>
-            </a:r>
-            <a:r>
-              <a:rPr lang="en-US" sz="2200" dirty="0" err="1">
-                <a:solidFill>
-                  <a:srgbClr val="2B91AF"/>
-                </a:solidFill>
-                <a:latin typeface="Consolas" panose="020B0609020204030204" pitchFamily="49" charset="0"/>
-              </a:rPr>
-              <a:t>OAuthCredentials</a:t>
-            </a:r>
-            <a:r>
-              <a:rPr lang="en-US" sz="2200" dirty="0">
-                <a:solidFill>
-                  <a:srgbClr val="000000"/>
-                </a:solidFill>
-                <a:latin typeface="Consolas" panose="020B0609020204030204" pitchFamily="49" charset="0"/>
-              </a:rPr>
-              <a:t> </a:t>
-            </a:r>
-            <a:r>
-              <a:rPr lang="en-US" sz="2200" dirty="0" err="1">
-                <a:solidFill>
-                  <a:srgbClr val="000000"/>
-                </a:solidFill>
-                <a:latin typeface="Consolas" panose="020B0609020204030204" pitchFamily="49" charset="0"/>
-              </a:rPr>
-              <a:t>FromString</a:t>
-            </a:r>
-            <a:r>
-              <a:rPr lang="en-US" sz="2200" dirty="0">
-                <a:solidFill>
-                  <a:srgbClr val="000000"/>
-                </a:solidFill>
-                <a:latin typeface="Consolas" panose="020B0609020204030204" pitchFamily="49" charset="0"/>
-              </a:rPr>
-              <a:t>(</a:t>
-            </a:r>
-            <a:r>
-              <a:rPr lang="en-US" sz="2200" dirty="0">
-                <a:solidFill>
-                  <a:srgbClr val="0000FF"/>
-                </a:solidFill>
-                <a:latin typeface="Consolas" panose="020B0609020204030204" pitchFamily="49" charset="0"/>
-              </a:rPr>
-              <a:t>string</a:t>
-            </a:r>
-            <a:r>
-              <a:rPr lang="en-US" sz="2200" dirty="0">
-                <a:solidFill>
-                  <a:srgbClr val="000000"/>
-                </a:solidFill>
-                <a:latin typeface="Consolas" panose="020B0609020204030204" pitchFamily="49" charset="0"/>
-              </a:rPr>
-              <a:t> s) </a:t>
-            </a:r>
-            <a:r>
-              <a:rPr lang="ru-RU" sz="2200" dirty="0">
-                <a:solidFill>
-                  <a:srgbClr val="000000"/>
-                </a:solidFill>
-                <a:latin typeface="Consolas" panose="020B0609020204030204" pitchFamily="49" charset="0"/>
-              </a:rPr>
-              <a:t>{</a:t>
-            </a:r>
-            <a:r>
-              <a:rPr lang="en-US" sz="2200" dirty="0">
-                <a:solidFill>
-                  <a:srgbClr val="000000"/>
-                </a:solidFill>
-                <a:latin typeface="Consolas" panose="020B0609020204030204" pitchFamily="49" charset="0"/>
-              </a:rPr>
-              <a:t> … </a:t>
-            </a:r>
-            <a:r>
-              <a:rPr lang="ru-RU" sz="2200" dirty="0">
-                <a:solidFill>
-                  <a:srgbClr val="000000"/>
-                </a:solidFill>
-                <a:latin typeface="Consolas" panose="020B0609020204030204" pitchFamily="49" charset="0"/>
-              </a:rPr>
-              <a:t>}</a:t>
-            </a:r>
-          </a:p>
-          <a:p>
-            <a:endParaRPr lang="ru-RU" sz="2200" dirty="0">
-              <a:solidFill>
-                <a:srgbClr val="000000"/>
-              </a:solidFill>
-              <a:latin typeface="Consolas" panose="020B0609020204030204" pitchFamily="49" charset="0"/>
-            </a:endParaRPr>
-          </a:p>
-          <a:p>
-            <a:r>
-              <a:rPr lang="en-US" sz="2200" dirty="0">
-                <a:solidFill>
-                  <a:srgbClr val="0000FF"/>
-                </a:solidFill>
-                <a:latin typeface="Consolas" panose="020B0609020204030204" pitchFamily="49" charset="0"/>
-              </a:rPr>
-              <a:t>	public</a:t>
-            </a:r>
-            <a:r>
-              <a:rPr lang="en-US" sz="2200" dirty="0">
-                <a:solidFill>
-                  <a:srgbClr val="000000"/>
-                </a:solidFill>
-                <a:latin typeface="Consolas" panose="020B0609020204030204" pitchFamily="49" charset="0"/>
-              </a:rPr>
-              <a:t> </a:t>
-            </a:r>
-            <a:r>
-              <a:rPr lang="en-US" sz="2200" dirty="0">
-                <a:solidFill>
-                  <a:srgbClr val="0000FF"/>
-                </a:solidFill>
-                <a:latin typeface="Consolas" panose="020B0609020204030204" pitchFamily="49" charset="0"/>
-              </a:rPr>
-              <a:t>string</a:t>
-            </a:r>
-            <a:r>
-              <a:rPr lang="en-US" sz="2200" dirty="0">
-                <a:solidFill>
-                  <a:srgbClr val="000000"/>
-                </a:solidFill>
-                <a:latin typeface="Consolas" panose="020B0609020204030204" pitchFamily="49" charset="0"/>
-              </a:rPr>
-              <a:t> Service </a:t>
-            </a:r>
-            <a:r>
-              <a:rPr lang="ru-RU" sz="2200" dirty="0">
-                <a:solidFill>
-                  <a:srgbClr val="000000"/>
-                </a:solidFill>
-                <a:latin typeface="Consolas" panose="020B0609020204030204" pitchFamily="49" charset="0"/>
-              </a:rPr>
-              <a:t>{</a:t>
-            </a:r>
-            <a:r>
-              <a:rPr lang="en-US" sz="2200" dirty="0">
-                <a:solidFill>
-                  <a:srgbClr val="000000"/>
-                </a:solidFill>
-                <a:latin typeface="Consolas" panose="020B0609020204030204" pitchFamily="49" charset="0"/>
-              </a:rPr>
-              <a:t> </a:t>
-            </a:r>
-            <a:r>
-              <a:rPr lang="en-US" sz="2200" dirty="0">
-                <a:solidFill>
-                  <a:srgbClr val="0000FF"/>
-                </a:solidFill>
-                <a:latin typeface="Consolas" panose="020B0609020204030204" pitchFamily="49" charset="0"/>
-              </a:rPr>
-              <a:t>get</a:t>
-            </a:r>
-            <a:r>
-              <a:rPr lang="en-US" sz="2200" dirty="0">
-                <a:solidFill>
-                  <a:srgbClr val="000000"/>
-                </a:solidFill>
-                <a:latin typeface="Consolas" panose="020B0609020204030204" pitchFamily="49" charset="0"/>
-              </a:rPr>
-              <a:t>; </a:t>
-            </a:r>
-            <a:r>
-              <a:rPr lang="en-US" sz="2200" dirty="0">
-                <a:solidFill>
-                  <a:srgbClr val="0000FF"/>
-                </a:solidFill>
-                <a:latin typeface="Consolas" panose="020B0609020204030204" pitchFamily="49" charset="0"/>
-              </a:rPr>
-              <a:t>set</a:t>
-            </a:r>
-            <a:r>
-              <a:rPr lang="en-US" sz="2200" dirty="0">
-                <a:solidFill>
-                  <a:srgbClr val="000000"/>
-                </a:solidFill>
-                <a:latin typeface="Consolas" panose="020B0609020204030204" pitchFamily="49" charset="0"/>
-              </a:rPr>
-              <a:t>; </a:t>
-            </a:r>
-            <a:r>
-              <a:rPr lang="ru-RU" sz="2200" dirty="0">
-                <a:solidFill>
-                  <a:srgbClr val="000000"/>
-                </a:solidFill>
-                <a:latin typeface="Consolas" panose="020B0609020204030204" pitchFamily="49" charset="0"/>
-              </a:rPr>
-              <a:t>}</a:t>
-            </a:r>
-          </a:p>
-          <a:p>
-            <a:r>
-              <a:rPr lang="en-US" sz="2200" dirty="0">
-                <a:solidFill>
-                  <a:srgbClr val="0000FF"/>
-                </a:solidFill>
-                <a:latin typeface="Consolas" panose="020B0609020204030204" pitchFamily="49" charset="0"/>
-              </a:rPr>
-              <a:t>	public</a:t>
-            </a:r>
-            <a:r>
-              <a:rPr lang="en-US" sz="2200" dirty="0">
-                <a:solidFill>
-                  <a:srgbClr val="000000"/>
-                </a:solidFill>
-                <a:latin typeface="Consolas" panose="020B0609020204030204" pitchFamily="49" charset="0"/>
-              </a:rPr>
-              <a:t> </a:t>
-            </a:r>
-            <a:r>
-              <a:rPr lang="en-US" sz="2200" dirty="0">
-                <a:solidFill>
-                  <a:srgbClr val="0000FF"/>
-                </a:solidFill>
-                <a:latin typeface="Consolas" panose="020B0609020204030204" pitchFamily="49" charset="0"/>
-              </a:rPr>
-              <a:t>string</a:t>
-            </a:r>
-            <a:r>
-              <a:rPr lang="en-US" sz="2200" dirty="0">
-                <a:solidFill>
-                  <a:srgbClr val="000000"/>
-                </a:solidFill>
-                <a:latin typeface="Consolas" panose="020B0609020204030204" pitchFamily="49" charset="0"/>
-              </a:rPr>
-              <a:t> Login </a:t>
-            </a:r>
-            <a:r>
-              <a:rPr lang="ru-RU" sz="2200" dirty="0">
-                <a:solidFill>
-                  <a:srgbClr val="000000"/>
-                </a:solidFill>
-                <a:latin typeface="Consolas" panose="020B0609020204030204" pitchFamily="49" charset="0"/>
-              </a:rPr>
-              <a:t>{</a:t>
-            </a:r>
-            <a:r>
-              <a:rPr lang="en-US" sz="2200" dirty="0">
-                <a:solidFill>
-                  <a:srgbClr val="000000"/>
-                </a:solidFill>
-                <a:latin typeface="Consolas" panose="020B0609020204030204" pitchFamily="49" charset="0"/>
-              </a:rPr>
-              <a:t> </a:t>
-            </a:r>
-            <a:r>
-              <a:rPr lang="en-US" sz="2200" dirty="0">
-                <a:solidFill>
-                  <a:srgbClr val="0000FF"/>
-                </a:solidFill>
-                <a:latin typeface="Consolas" panose="020B0609020204030204" pitchFamily="49" charset="0"/>
-              </a:rPr>
-              <a:t>get</a:t>
-            </a:r>
-            <a:r>
-              <a:rPr lang="en-US" sz="2200" dirty="0">
-                <a:solidFill>
-                  <a:srgbClr val="000000"/>
-                </a:solidFill>
-                <a:latin typeface="Consolas" panose="020B0609020204030204" pitchFamily="49" charset="0"/>
-              </a:rPr>
-              <a:t>; </a:t>
-            </a:r>
-            <a:r>
-              <a:rPr lang="en-US" sz="2200" dirty="0">
-                <a:solidFill>
-                  <a:srgbClr val="0000FF"/>
-                </a:solidFill>
-                <a:latin typeface="Consolas" panose="020B0609020204030204" pitchFamily="49" charset="0"/>
-              </a:rPr>
-              <a:t>set</a:t>
-            </a:r>
-            <a:r>
-              <a:rPr lang="en-US" sz="2200" dirty="0">
-                <a:solidFill>
-                  <a:srgbClr val="000000"/>
-                </a:solidFill>
-                <a:latin typeface="Consolas" panose="020B0609020204030204" pitchFamily="49" charset="0"/>
-              </a:rPr>
-              <a:t>; </a:t>
-            </a:r>
-            <a:r>
-              <a:rPr lang="ru-RU" sz="2200" dirty="0">
-                <a:solidFill>
-                  <a:srgbClr val="000000"/>
-                </a:solidFill>
-                <a:latin typeface="Consolas" panose="020B0609020204030204" pitchFamily="49" charset="0"/>
-              </a:rPr>
-              <a:t>}</a:t>
-            </a:r>
-          </a:p>
-          <a:p>
-            <a:r>
-              <a:rPr lang="en-US" sz="2200" dirty="0">
-                <a:solidFill>
-                  <a:srgbClr val="0000FF"/>
-                </a:solidFill>
-                <a:latin typeface="Consolas" panose="020B0609020204030204" pitchFamily="49" charset="0"/>
-              </a:rPr>
-              <a:t>	public</a:t>
-            </a:r>
-            <a:r>
-              <a:rPr lang="en-US" sz="2200" dirty="0">
-                <a:solidFill>
-                  <a:srgbClr val="000000"/>
-                </a:solidFill>
-                <a:latin typeface="Consolas" panose="020B0609020204030204" pitchFamily="49" charset="0"/>
-              </a:rPr>
-              <a:t> </a:t>
-            </a:r>
-            <a:r>
-              <a:rPr lang="en-US" sz="2200" dirty="0">
-                <a:solidFill>
-                  <a:srgbClr val="0000FF"/>
-                </a:solidFill>
-                <a:latin typeface="Consolas" panose="020B0609020204030204" pitchFamily="49" charset="0"/>
-              </a:rPr>
-              <a:t>string</a:t>
-            </a:r>
-            <a:r>
-              <a:rPr lang="en-US" sz="2200" dirty="0">
-                <a:solidFill>
-                  <a:srgbClr val="000000"/>
-                </a:solidFill>
-                <a:latin typeface="Consolas" panose="020B0609020204030204" pitchFamily="49" charset="0"/>
-              </a:rPr>
-              <a:t> Token </a:t>
-            </a:r>
-            <a:r>
-              <a:rPr lang="ru-RU" sz="2200" dirty="0">
-                <a:solidFill>
-                  <a:srgbClr val="000000"/>
-                </a:solidFill>
-                <a:latin typeface="Consolas" panose="020B0609020204030204" pitchFamily="49" charset="0"/>
-              </a:rPr>
-              <a:t>{</a:t>
-            </a:r>
-            <a:r>
-              <a:rPr lang="en-US" sz="2200" dirty="0">
-                <a:solidFill>
-                  <a:srgbClr val="000000"/>
-                </a:solidFill>
-                <a:latin typeface="Consolas" panose="020B0609020204030204" pitchFamily="49" charset="0"/>
-              </a:rPr>
-              <a:t> </a:t>
-            </a:r>
-            <a:r>
-              <a:rPr lang="en-US" sz="2200" dirty="0">
-                <a:solidFill>
-                  <a:srgbClr val="0000FF"/>
-                </a:solidFill>
-                <a:latin typeface="Consolas" panose="020B0609020204030204" pitchFamily="49" charset="0"/>
-              </a:rPr>
-              <a:t>get</a:t>
-            </a:r>
-            <a:r>
-              <a:rPr lang="en-US" sz="2200" dirty="0">
-                <a:solidFill>
-                  <a:srgbClr val="000000"/>
-                </a:solidFill>
-                <a:latin typeface="Consolas" panose="020B0609020204030204" pitchFamily="49" charset="0"/>
-              </a:rPr>
-              <a:t>; </a:t>
-            </a:r>
-            <a:r>
-              <a:rPr lang="en-US" sz="2200" dirty="0">
-                <a:solidFill>
-                  <a:srgbClr val="0000FF"/>
-                </a:solidFill>
-                <a:latin typeface="Consolas" panose="020B0609020204030204" pitchFamily="49" charset="0"/>
-              </a:rPr>
-              <a:t>set</a:t>
-            </a:r>
-            <a:r>
-              <a:rPr lang="en-US" sz="2200" dirty="0">
-                <a:solidFill>
-                  <a:srgbClr val="000000"/>
-                </a:solidFill>
-                <a:latin typeface="Consolas" panose="020B0609020204030204" pitchFamily="49" charset="0"/>
-              </a:rPr>
-              <a:t>; </a:t>
-            </a:r>
-            <a:r>
-              <a:rPr lang="ru-RU" sz="2200" dirty="0">
-                <a:solidFill>
-                  <a:srgbClr val="000000"/>
-                </a:solidFill>
-                <a:latin typeface="Consolas" panose="020B0609020204030204" pitchFamily="49" charset="0"/>
-              </a:rPr>
-              <a:t>}</a:t>
-            </a:r>
-          </a:p>
-          <a:p>
-            <a:endParaRPr lang="ru-RU" sz="2200" dirty="0">
-              <a:solidFill>
-                <a:srgbClr val="000000"/>
-              </a:solidFill>
-              <a:latin typeface="Consolas" panose="020B0609020204030204" pitchFamily="49" charset="0"/>
-            </a:endParaRPr>
-          </a:p>
-          <a:p>
-            <a:endParaRPr lang="ru-RU" sz="2200" dirty="0">
-              <a:solidFill>
-                <a:srgbClr val="000000"/>
-              </a:solidFill>
-              <a:latin typeface="Consolas" panose="020B0609020204030204" pitchFamily="49" charset="0"/>
-            </a:endParaRPr>
-          </a:p>
-          <a:p>
-            <a:r>
-              <a:rPr lang="en-US" sz="2200" dirty="0">
-                <a:solidFill>
-                  <a:srgbClr val="0000FF"/>
-                </a:solidFill>
-                <a:latin typeface="Consolas" panose="020B0609020204030204" pitchFamily="49" charset="0"/>
-              </a:rPr>
-              <a:t>	public</a:t>
-            </a:r>
-            <a:r>
-              <a:rPr lang="en-US" sz="2200" dirty="0">
-                <a:solidFill>
-                  <a:srgbClr val="000000"/>
-                </a:solidFill>
-                <a:latin typeface="Consolas" panose="020B0609020204030204" pitchFamily="49" charset="0"/>
-              </a:rPr>
-              <a:t> </a:t>
-            </a:r>
-            <a:r>
-              <a:rPr lang="en-US" sz="2200" dirty="0">
-                <a:solidFill>
-                  <a:srgbClr val="0000FF"/>
-                </a:solidFill>
-                <a:latin typeface="Consolas" panose="020B0609020204030204" pitchFamily="49" charset="0"/>
-              </a:rPr>
-              <a:t>string</a:t>
-            </a:r>
-            <a:r>
-              <a:rPr lang="en-US" sz="2200" dirty="0">
-                <a:solidFill>
-                  <a:srgbClr val="000000"/>
-                </a:solidFill>
-                <a:latin typeface="Consolas" panose="020B0609020204030204" pitchFamily="49" charset="0"/>
-              </a:rPr>
-              <a:t> </a:t>
-            </a:r>
-            <a:r>
-              <a:rPr lang="en-US" sz="2200" dirty="0" err="1">
-                <a:solidFill>
-                  <a:srgbClr val="000000"/>
-                </a:solidFill>
-                <a:latin typeface="Consolas" panose="020B0609020204030204" pitchFamily="49" charset="0"/>
-              </a:rPr>
-              <a:t>SerializeToString</a:t>
-            </a:r>
-            <a:r>
-              <a:rPr lang="en-US" sz="2200" dirty="0">
-                <a:solidFill>
-                  <a:srgbClr val="000000"/>
-                </a:solidFill>
-                <a:latin typeface="Consolas" panose="020B0609020204030204" pitchFamily="49" charset="0"/>
-              </a:rPr>
-              <a:t>() { … }</a:t>
-            </a:r>
-            <a:endParaRPr lang="ru-RU" sz="2200" dirty="0">
-              <a:solidFill>
-                <a:srgbClr val="000000"/>
-              </a:solidFill>
-              <a:latin typeface="Consolas" panose="020B0609020204030204" pitchFamily="49" charset="0"/>
-            </a:endParaRPr>
-          </a:p>
-          <a:p>
-            <a:endParaRPr lang="ru-RU" sz="2200" dirty="0">
-              <a:solidFill>
-                <a:srgbClr val="000000"/>
-              </a:solidFill>
-              <a:latin typeface="Consolas" panose="020B0609020204030204" pitchFamily="49" charset="0"/>
-            </a:endParaRPr>
-          </a:p>
-          <a:p>
-            <a:r>
-              <a:rPr lang="en-US" sz="2200" dirty="0">
-                <a:solidFill>
-                  <a:srgbClr val="0000FF"/>
-                </a:solidFill>
-                <a:latin typeface="Consolas" panose="020B0609020204030204" pitchFamily="49" charset="0"/>
-              </a:rPr>
-              <a:t>	public</a:t>
-            </a:r>
-            <a:r>
-              <a:rPr lang="en-US" sz="2200" dirty="0">
-                <a:solidFill>
-                  <a:srgbClr val="000000"/>
-                </a:solidFill>
-                <a:latin typeface="Consolas" panose="020B0609020204030204" pitchFamily="49" charset="0"/>
-              </a:rPr>
-              <a:t> </a:t>
-            </a:r>
-            <a:r>
-              <a:rPr lang="en-US" sz="2200" dirty="0">
-                <a:solidFill>
-                  <a:srgbClr val="0000FF"/>
-                </a:solidFill>
-                <a:latin typeface="Consolas" panose="020B0609020204030204" pitchFamily="49" charset="0"/>
-              </a:rPr>
-              <a:t>override</a:t>
-            </a:r>
-            <a:r>
-              <a:rPr lang="en-US" sz="2200" dirty="0">
-                <a:solidFill>
-                  <a:srgbClr val="000000"/>
-                </a:solidFill>
-                <a:latin typeface="Consolas" panose="020B0609020204030204" pitchFamily="49" charset="0"/>
-              </a:rPr>
-              <a:t> </a:t>
-            </a:r>
-            <a:r>
-              <a:rPr lang="en-US" sz="2200" dirty="0">
-                <a:solidFill>
-                  <a:srgbClr val="0000FF"/>
-                </a:solidFill>
-                <a:latin typeface="Consolas" panose="020B0609020204030204" pitchFamily="49" charset="0"/>
-              </a:rPr>
-              <a:t>string</a:t>
-            </a:r>
-            <a:r>
-              <a:rPr lang="en-US" sz="2200" dirty="0">
-                <a:solidFill>
-                  <a:srgbClr val="000000"/>
-                </a:solidFill>
-                <a:latin typeface="Consolas" panose="020B0609020204030204" pitchFamily="49" charset="0"/>
-              </a:rPr>
-              <a:t> </a:t>
-            </a:r>
-            <a:r>
-              <a:rPr lang="en-US" sz="2200" dirty="0" err="1">
-                <a:solidFill>
-                  <a:srgbClr val="000000"/>
-                </a:solidFill>
-                <a:latin typeface="Consolas" panose="020B0609020204030204" pitchFamily="49" charset="0"/>
-              </a:rPr>
-              <a:t>ToString</a:t>
-            </a:r>
-            <a:r>
-              <a:rPr lang="en-US" sz="2200" dirty="0">
-                <a:solidFill>
-                  <a:srgbClr val="000000"/>
-                </a:solidFill>
-                <a:latin typeface="Consolas" panose="020B0609020204030204" pitchFamily="49" charset="0"/>
-              </a:rPr>
-              <a:t>() { … }</a:t>
-            </a:r>
-            <a:endParaRPr lang="ru-RU" sz="2200" dirty="0">
-              <a:solidFill>
-                <a:srgbClr val="000000"/>
-              </a:solidFill>
-              <a:latin typeface="Consolas" panose="020B0609020204030204" pitchFamily="49" charset="0"/>
-            </a:endParaRPr>
-          </a:p>
-          <a:p>
-            <a:r>
-              <a:rPr lang="en-US" sz="2200" dirty="0">
-                <a:solidFill>
-                  <a:srgbClr val="0000FF"/>
-                </a:solidFill>
-                <a:latin typeface="Consolas" panose="020B0609020204030204" pitchFamily="49" charset="0"/>
-              </a:rPr>
-              <a:t>	public</a:t>
-            </a:r>
-            <a:r>
-              <a:rPr lang="en-US" sz="2200" dirty="0">
-                <a:solidFill>
-                  <a:srgbClr val="000000"/>
-                </a:solidFill>
-                <a:latin typeface="Consolas" panose="020B0609020204030204" pitchFamily="49" charset="0"/>
-              </a:rPr>
-              <a:t> </a:t>
-            </a:r>
-            <a:r>
-              <a:rPr lang="en-US" sz="2200" dirty="0">
-                <a:solidFill>
-                  <a:srgbClr val="0000FF"/>
-                </a:solidFill>
-                <a:latin typeface="Consolas" panose="020B0609020204030204" pitchFamily="49" charset="0"/>
-              </a:rPr>
-              <a:t>override</a:t>
-            </a:r>
-            <a:r>
-              <a:rPr lang="en-US" sz="2200" dirty="0">
-                <a:solidFill>
-                  <a:srgbClr val="000000"/>
-                </a:solidFill>
-                <a:latin typeface="Consolas" panose="020B0609020204030204" pitchFamily="49" charset="0"/>
-              </a:rPr>
-              <a:t> </a:t>
-            </a:r>
-            <a:r>
-              <a:rPr lang="en-US" sz="2200" dirty="0">
-                <a:solidFill>
-                  <a:srgbClr val="0000FF"/>
-                </a:solidFill>
-                <a:latin typeface="Consolas" panose="020B0609020204030204" pitchFamily="49" charset="0"/>
-              </a:rPr>
-              <a:t>bool</a:t>
-            </a:r>
-            <a:r>
-              <a:rPr lang="en-US" sz="2200" dirty="0">
-                <a:solidFill>
-                  <a:srgbClr val="000000"/>
-                </a:solidFill>
-                <a:latin typeface="Consolas" panose="020B0609020204030204" pitchFamily="49" charset="0"/>
-              </a:rPr>
-              <a:t> Equals(</a:t>
-            </a:r>
-            <a:r>
-              <a:rPr lang="en-US" sz="2200" dirty="0">
-                <a:solidFill>
-                  <a:srgbClr val="0000FF"/>
-                </a:solidFill>
-                <a:latin typeface="Consolas" panose="020B0609020204030204" pitchFamily="49" charset="0"/>
-              </a:rPr>
-              <a:t>object</a:t>
-            </a:r>
-            <a:r>
-              <a:rPr lang="en-US" sz="2200" dirty="0">
-                <a:solidFill>
-                  <a:srgbClr val="000000"/>
-                </a:solidFill>
-                <a:latin typeface="Consolas" panose="020B0609020204030204" pitchFamily="49" charset="0"/>
-              </a:rPr>
-              <a:t> </a:t>
-            </a:r>
-            <a:r>
-              <a:rPr lang="en-US" sz="2200" dirty="0" err="1">
-                <a:solidFill>
-                  <a:srgbClr val="000000"/>
-                </a:solidFill>
-                <a:latin typeface="Consolas" panose="020B0609020204030204" pitchFamily="49" charset="0"/>
-              </a:rPr>
-              <a:t>obj</a:t>
-            </a:r>
-            <a:r>
-              <a:rPr lang="en-US" sz="2200" dirty="0">
-                <a:solidFill>
-                  <a:srgbClr val="000000"/>
-                </a:solidFill>
-                <a:latin typeface="Consolas" panose="020B0609020204030204" pitchFamily="49" charset="0"/>
-              </a:rPr>
-              <a:t>) { … }</a:t>
-            </a:r>
-            <a:endParaRPr lang="ru-RU" sz="2200" dirty="0">
-              <a:solidFill>
-                <a:srgbClr val="000000"/>
-              </a:solidFill>
-              <a:latin typeface="Consolas" panose="020B0609020204030204" pitchFamily="49" charset="0"/>
-            </a:endParaRPr>
-          </a:p>
-          <a:p>
-            <a:r>
-              <a:rPr lang="en-US" sz="2200" dirty="0">
-                <a:solidFill>
-                  <a:srgbClr val="0000FF"/>
-                </a:solidFill>
-                <a:latin typeface="Consolas" panose="020B0609020204030204" pitchFamily="49" charset="0"/>
-              </a:rPr>
-              <a:t>	public</a:t>
-            </a:r>
-            <a:r>
-              <a:rPr lang="en-US" sz="2200" dirty="0">
-                <a:solidFill>
-                  <a:srgbClr val="000000"/>
-                </a:solidFill>
-                <a:latin typeface="Consolas" panose="020B0609020204030204" pitchFamily="49" charset="0"/>
-              </a:rPr>
-              <a:t> </a:t>
-            </a:r>
-            <a:r>
-              <a:rPr lang="en-US" sz="2200" dirty="0">
-                <a:solidFill>
-                  <a:srgbClr val="0000FF"/>
-                </a:solidFill>
-                <a:latin typeface="Consolas" panose="020B0609020204030204" pitchFamily="49" charset="0"/>
-              </a:rPr>
-              <a:t>bool</a:t>
-            </a:r>
-            <a:r>
-              <a:rPr lang="en-US" sz="2200" dirty="0">
-                <a:solidFill>
-                  <a:srgbClr val="000000"/>
-                </a:solidFill>
-                <a:latin typeface="Consolas" panose="020B0609020204030204" pitchFamily="49" charset="0"/>
-              </a:rPr>
-              <a:t> Equals(</a:t>
-            </a:r>
-            <a:r>
-              <a:rPr lang="en-US" sz="2200" dirty="0" err="1">
-                <a:solidFill>
-                  <a:srgbClr val="2B91AF"/>
-                </a:solidFill>
-                <a:latin typeface="Consolas" panose="020B0609020204030204" pitchFamily="49" charset="0"/>
-              </a:rPr>
-              <a:t>OAuthCredentials</a:t>
-            </a:r>
-            <a:r>
-              <a:rPr lang="en-US" sz="2200" dirty="0">
-                <a:solidFill>
-                  <a:srgbClr val="000000"/>
-                </a:solidFill>
-                <a:latin typeface="Consolas" panose="020B0609020204030204" pitchFamily="49" charset="0"/>
-              </a:rPr>
-              <a:t> other) { … }</a:t>
-            </a:r>
-            <a:endParaRPr lang="ru-RU" sz="2200" dirty="0">
-              <a:solidFill>
-                <a:srgbClr val="000000"/>
-              </a:solidFill>
-              <a:latin typeface="Consolas" panose="020B0609020204030204" pitchFamily="49" charset="0"/>
-            </a:endParaRPr>
-          </a:p>
-          <a:p>
-            <a:r>
-              <a:rPr lang="en-US" sz="2200" dirty="0">
-                <a:solidFill>
-                  <a:srgbClr val="0000FF"/>
-                </a:solidFill>
-                <a:latin typeface="Consolas" panose="020B0609020204030204" pitchFamily="49" charset="0"/>
-              </a:rPr>
-              <a:t>	public</a:t>
-            </a:r>
-            <a:r>
-              <a:rPr lang="en-US" sz="2200" dirty="0">
-                <a:solidFill>
-                  <a:srgbClr val="000000"/>
-                </a:solidFill>
-                <a:latin typeface="Consolas" panose="020B0609020204030204" pitchFamily="49" charset="0"/>
-              </a:rPr>
-              <a:t> </a:t>
-            </a:r>
-            <a:r>
-              <a:rPr lang="en-US" sz="2200" dirty="0">
-                <a:solidFill>
-                  <a:srgbClr val="0000FF"/>
-                </a:solidFill>
-                <a:latin typeface="Consolas" panose="020B0609020204030204" pitchFamily="49" charset="0"/>
-              </a:rPr>
-              <a:t>override</a:t>
-            </a:r>
-            <a:r>
-              <a:rPr lang="en-US" sz="2200" dirty="0">
-                <a:solidFill>
-                  <a:srgbClr val="000000"/>
-                </a:solidFill>
-                <a:latin typeface="Consolas" panose="020B0609020204030204" pitchFamily="49" charset="0"/>
-              </a:rPr>
-              <a:t> </a:t>
-            </a:r>
-            <a:r>
-              <a:rPr lang="en-US" sz="2200" dirty="0" err="1">
-                <a:solidFill>
-                  <a:srgbClr val="0000FF"/>
-                </a:solidFill>
-                <a:latin typeface="Consolas" panose="020B0609020204030204" pitchFamily="49" charset="0"/>
-              </a:rPr>
-              <a:t>int</a:t>
-            </a:r>
-            <a:r>
-              <a:rPr lang="en-US" sz="2200" dirty="0">
-                <a:solidFill>
-                  <a:srgbClr val="000000"/>
-                </a:solidFill>
-                <a:latin typeface="Consolas" panose="020B0609020204030204" pitchFamily="49" charset="0"/>
-              </a:rPr>
-              <a:t> </a:t>
-            </a:r>
-            <a:r>
-              <a:rPr lang="en-US" sz="2200" dirty="0" err="1">
-                <a:solidFill>
-                  <a:srgbClr val="000000"/>
-                </a:solidFill>
-                <a:latin typeface="Consolas" panose="020B0609020204030204" pitchFamily="49" charset="0"/>
-              </a:rPr>
-              <a:t>GetHashCode</a:t>
-            </a:r>
-            <a:r>
-              <a:rPr lang="en-US" sz="2200" dirty="0">
-                <a:solidFill>
-                  <a:srgbClr val="000000"/>
-                </a:solidFill>
-                <a:latin typeface="Consolas" panose="020B0609020204030204" pitchFamily="49" charset="0"/>
-              </a:rPr>
-              <a:t>() { … }</a:t>
-            </a:r>
-            <a:endParaRPr lang="ru-RU" sz="2200" dirty="0">
-              <a:solidFill>
-                <a:srgbClr val="000000"/>
-              </a:solidFill>
-              <a:latin typeface="Consolas" panose="020B0609020204030204" pitchFamily="49" charset="0"/>
-            </a:endParaRPr>
-          </a:p>
-          <a:p>
-            <a:r>
-              <a:rPr lang="ru-RU" sz="2200" dirty="0">
-                <a:solidFill>
-                  <a:srgbClr val="000000"/>
-                </a:solidFill>
-                <a:latin typeface="Consolas" panose="020B0609020204030204" pitchFamily="49" charset="0"/>
-              </a:rPr>
-              <a:t>}</a:t>
-            </a:r>
-            <a:endParaRPr lang="ru-RU" sz="2200" dirty="0"/>
-          </a:p>
-        </p:txBody>
-      </p:sp>
-    </p:spTree>
-    <p:extLst>
-      <p:ext uri="{BB962C8B-B14F-4D97-AF65-F5344CB8AC3E}">
-        <p14:creationId xmlns:p14="http://schemas.microsoft.com/office/powerpoint/2010/main" val="1421407788"/>
-      </p:ext>
-    </p:extLst>
-  </p:cSld>
-  <p:clrMapOvr>
-    <a:masterClrMapping/>
-  </p:clrMapOvr>
-</p:sld>
-</file>
-
-<file path=ppt/slides/slide6.xml><?xml version="1.0" encoding="utf-8"?>
-<p:sld xmlns:a="http://schemas.openxmlformats.org/drawingml/2006/main" xmlns:r="http://schemas.openxmlformats.org/officeDocument/2006/relationships" xmlns:p="http://schemas.openxmlformats.org/presentationml/2006/main">
-  <p:cSld>
-    <p:spTree>
-      <p:nvGrpSpPr>
-        <p:cNvPr id="1" name=""/>
-        <p:cNvGrpSpPr/>
-        <p:nvPr/>
-      </p:nvGrpSpPr>
-      <p:grpSpPr>
-        <a:xfrm>
-          <a:off x="0" y="0"/>
-          <a:ext cx="0" cy="0"/>
-          <a:chOff x="0" y="0"/>
-          <a:chExt cx="0" cy="0"/>
-        </a:xfrm>
-      </p:grpSpPr>
-      <p:sp>
-        <p:nvSpPr>
-          <p:cNvPr id="2" name="Прямоугольник 1"/>
-          <p:cNvSpPr/>
-          <p:nvPr/>
-        </p:nvSpPr>
-        <p:spPr>
-          <a:xfrm>
-            <a:off x="1142196" y="409670"/>
-            <a:ext cx="10087278" cy="2462213"/>
-          </a:xfrm>
-          <a:prstGeom prst="rect">
-            <a:avLst/>
-          </a:prstGeom>
-        </p:spPr>
-        <p:txBody>
-          <a:bodyPr wrap="square">
-            <a:spAutoFit/>
-          </a:bodyPr>
-          <a:lstStyle/>
-          <a:p>
-            <a:r>
-              <a:rPr lang="en-US" sz="2200" dirty="0">
-                <a:solidFill>
-                  <a:srgbClr val="0000FF"/>
-                </a:solidFill>
-                <a:latin typeface="Consolas" panose="020B0609020204030204" pitchFamily="49" charset="0"/>
-              </a:rPr>
-              <a:t>public</a:t>
-            </a:r>
-            <a:r>
-              <a:rPr lang="en-US" sz="2200" dirty="0">
-                <a:solidFill>
-                  <a:srgbClr val="000000"/>
-                </a:solidFill>
-                <a:latin typeface="Consolas" panose="020B0609020204030204" pitchFamily="49" charset="0"/>
-              </a:rPr>
-              <a:t> </a:t>
-            </a:r>
-            <a:r>
-              <a:rPr lang="en-US" sz="2200" dirty="0">
-                <a:solidFill>
-                  <a:srgbClr val="0000FF"/>
-                </a:solidFill>
-                <a:latin typeface="Consolas" panose="020B0609020204030204" pitchFamily="49" charset="0"/>
-              </a:rPr>
-              <a:t>interface</a:t>
-            </a:r>
-            <a:r>
-              <a:rPr lang="en-US" sz="2200" dirty="0">
-                <a:solidFill>
-                  <a:srgbClr val="000000"/>
-                </a:solidFill>
-                <a:latin typeface="Consolas" panose="020B0609020204030204" pitchFamily="49" charset="0"/>
-              </a:rPr>
-              <a:t> </a:t>
-            </a:r>
-            <a:r>
-              <a:rPr lang="en-US" sz="2200" dirty="0" err="1">
-                <a:solidFill>
-                  <a:srgbClr val="2B91AF"/>
-                </a:solidFill>
-                <a:latin typeface="Consolas" panose="020B0609020204030204" pitchFamily="49" charset="0"/>
-              </a:rPr>
-              <a:t>IHostingManager</a:t>
-            </a:r>
-            <a:endParaRPr lang="en-US" sz="2200" dirty="0">
-              <a:solidFill>
-                <a:srgbClr val="000000"/>
-              </a:solidFill>
-              <a:latin typeface="Consolas" panose="020B0609020204030204" pitchFamily="49" charset="0"/>
-            </a:endParaRPr>
-          </a:p>
-          <a:p>
-            <a:r>
-              <a:rPr lang="ru-RU" sz="2200" dirty="0">
-                <a:solidFill>
-                  <a:srgbClr val="000000"/>
-                </a:solidFill>
-                <a:latin typeface="Consolas" panose="020B0609020204030204" pitchFamily="49" charset="0"/>
-              </a:rPr>
-              <a:t>{</a:t>
-            </a:r>
-          </a:p>
-          <a:p>
-            <a:r>
-              <a:rPr lang="en-US" sz="2200" dirty="0">
-                <a:solidFill>
-                  <a:srgbClr val="0000FF"/>
-                </a:solidFill>
-                <a:latin typeface="Consolas" panose="020B0609020204030204" pitchFamily="49" charset="0"/>
-              </a:rPr>
-              <a:t>	string</a:t>
-            </a:r>
-            <a:r>
-              <a:rPr lang="en-US" sz="2200" dirty="0">
-                <a:solidFill>
-                  <a:srgbClr val="000000"/>
-                </a:solidFill>
-                <a:latin typeface="Consolas" panose="020B0609020204030204" pitchFamily="49" charset="0"/>
-              </a:rPr>
-              <a:t> Name { </a:t>
-            </a:r>
-            <a:r>
-              <a:rPr lang="en-US" sz="2200" dirty="0">
-                <a:solidFill>
-                  <a:srgbClr val="0000FF"/>
-                </a:solidFill>
-                <a:latin typeface="Consolas" panose="020B0609020204030204" pitchFamily="49" charset="0"/>
-              </a:rPr>
-              <a:t>get</a:t>
-            </a:r>
-            <a:r>
-              <a:rPr lang="en-US" sz="2200" dirty="0">
-                <a:solidFill>
-                  <a:srgbClr val="000000"/>
-                </a:solidFill>
-                <a:latin typeface="Consolas" panose="020B0609020204030204" pitchFamily="49" charset="0"/>
-              </a:rPr>
-              <a:t>; }</a:t>
-            </a:r>
-          </a:p>
-          <a:p>
-            <a:endParaRPr lang="ru-RU" sz="2200" dirty="0">
-              <a:solidFill>
-                <a:srgbClr val="000000"/>
-              </a:solidFill>
-              <a:latin typeface="Consolas" panose="020B0609020204030204" pitchFamily="49" charset="0"/>
-            </a:endParaRPr>
-          </a:p>
-          <a:p>
-            <a:r>
-              <a:rPr lang="en-US" sz="2200" dirty="0">
-                <a:solidFill>
-                  <a:srgbClr val="2B91AF"/>
-                </a:solidFill>
-                <a:latin typeface="Consolas" panose="020B0609020204030204" pitchFamily="49" charset="0"/>
-              </a:rPr>
-              <a:t>	</a:t>
-            </a:r>
-            <a:r>
-              <a:rPr lang="en-US" sz="2200" dirty="0" err="1">
-                <a:solidFill>
-                  <a:srgbClr val="2B91AF"/>
-                </a:solidFill>
-                <a:latin typeface="Consolas" panose="020B0609020204030204" pitchFamily="49" charset="0"/>
-              </a:rPr>
-              <a:t>IHosting</a:t>
-            </a:r>
-            <a:r>
-              <a:rPr lang="en-US" sz="2200" dirty="0">
-                <a:solidFill>
-                  <a:srgbClr val="000000"/>
-                </a:solidFill>
-                <a:latin typeface="Consolas" panose="020B0609020204030204" pitchFamily="49" charset="0"/>
-              </a:rPr>
-              <a:t> </a:t>
-            </a:r>
-            <a:r>
-              <a:rPr lang="en-US" sz="2200" dirty="0" err="1">
-                <a:solidFill>
-                  <a:srgbClr val="000000"/>
-                </a:solidFill>
-                <a:latin typeface="Consolas" panose="020B0609020204030204" pitchFamily="49" charset="0"/>
-              </a:rPr>
-              <a:t>GetFileHostingFor</a:t>
-            </a:r>
-            <a:r>
-              <a:rPr lang="en-US" sz="2200" dirty="0">
-                <a:solidFill>
-                  <a:srgbClr val="000000"/>
-                </a:solidFill>
-                <a:latin typeface="Consolas" panose="020B0609020204030204" pitchFamily="49" charset="0"/>
-              </a:rPr>
-              <a:t>(</a:t>
-            </a:r>
-            <a:r>
-              <a:rPr lang="en-US" sz="2200" dirty="0" err="1">
-                <a:solidFill>
-                  <a:srgbClr val="2B91AF"/>
-                </a:solidFill>
-                <a:latin typeface="Consolas" panose="020B0609020204030204" pitchFamily="49" charset="0"/>
-              </a:rPr>
-              <a:t>OAuthCredentials</a:t>
-            </a:r>
-            <a:r>
-              <a:rPr lang="en-US" sz="2200" dirty="0">
-                <a:solidFill>
-                  <a:srgbClr val="000000"/>
-                </a:solidFill>
-                <a:latin typeface="Consolas" panose="020B0609020204030204" pitchFamily="49" charset="0"/>
-              </a:rPr>
-              <a:t> credentials);</a:t>
-            </a:r>
-          </a:p>
-          <a:p>
-            <a:r>
-              <a:rPr lang="en-US" sz="2200" dirty="0">
-                <a:solidFill>
-                  <a:srgbClr val="2B91AF"/>
-                </a:solidFill>
-                <a:latin typeface="Consolas" panose="020B0609020204030204" pitchFamily="49" charset="0"/>
-              </a:rPr>
-              <a:t>	Task</a:t>
-            </a:r>
-            <a:r>
-              <a:rPr lang="en-US" sz="2200" dirty="0">
-                <a:solidFill>
-                  <a:srgbClr val="000000"/>
-                </a:solidFill>
-                <a:latin typeface="Consolas" panose="020B0609020204030204" pitchFamily="49" charset="0"/>
-              </a:rPr>
-              <a:t>&lt;</a:t>
-            </a:r>
-            <a:r>
-              <a:rPr lang="en-US" sz="2200" dirty="0" err="1">
-                <a:solidFill>
-                  <a:srgbClr val="2B91AF"/>
-                </a:solidFill>
-                <a:latin typeface="Consolas" panose="020B0609020204030204" pitchFamily="49" charset="0"/>
-              </a:rPr>
-              <a:t>OAuthCredentials</a:t>
-            </a:r>
-            <a:r>
-              <a:rPr lang="en-US" sz="2200" dirty="0">
-                <a:solidFill>
-                  <a:srgbClr val="000000"/>
-                </a:solidFill>
-                <a:latin typeface="Consolas" panose="020B0609020204030204" pitchFamily="49" charset="0"/>
-              </a:rPr>
-              <a:t>&gt; </a:t>
-            </a:r>
-            <a:r>
-              <a:rPr lang="en-US" sz="2200" dirty="0" err="1">
-                <a:solidFill>
-                  <a:srgbClr val="000000"/>
-                </a:solidFill>
-                <a:latin typeface="Consolas" panose="020B0609020204030204" pitchFamily="49" charset="0"/>
-              </a:rPr>
-              <a:t>AuthorizeAsync</a:t>
-            </a:r>
-            <a:r>
-              <a:rPr lang="en-US" sz="2200" dirty="0">
-                <a:solidFill>
-                  <a:srgbClr val="000000"/>
-                </a:solidFill>
-                <a:latin typeface="Consolas" panose="020B0609020204030204" pitchFamily="49" charset="0"/>
-              </a:rPr>
-              <a:t>();</a:t>
-            </a:r>
-          </a:p>
-          <a:p>
-            <a:r>
-              <a:rPr lang="ru-RU" sz="2200" dirty="0">
-                <a:solidFill>
-                  <a:srgbClr val="000000"/>
-                </a:solidFill>
-                <a:latin typeface="Consolas" panose="020B0609020204030204" pitchFamily="49" charset="0"/>
-              </a:rPr>
-              <a:t>}</a:t>
-            </a:r>
-            <a:endParaRPr lang="ru-RU" sz="2200" dirty="0"/>
-          </a:p>
-        </p:txBody>
-      </p:sp>
-      <p:sp>
-        <p:nvSpPr>
-          <p:cNvPr id="3" name="Прямоугольник 2"/>
-          <p:cNvSpPr/>
-          <p:nvPr/>
-        </p:nvSpPr>
-        <p:spPr>
-          <a:xfrm>
-            <a:off x="1142196" y="3814880"/>
-            <a:ext cx="8791074" cy="2123658"/>
-          </a:xfrm>
-          <a:prstGeom prst="rect">
-            <a:avLst/>
-          </a:prstGeom>
-        </p:spPr>
-        <p:txBody>
-          <a:bodyPr wrap="square">
-            <a:spAutoFit/>
-          </a:bodyPr>
-          <a:lstStyle/>
-          <a:p>
-            <a:r>
-              <a:rPr lang="en-US" sz="2200" dirty="0">
-                <a:solidFill>
-                  <a:srgbClr val="0000FF"/>
-                </a:solidFill>
-                <a:latin typeface="Consolas" panose="020B0609020204030204" pitchFamily="49" charset="0"/>
-              </a:rPr>
-              <a:t>public</a:t>
-            </a:r>
-            <a:r>
-              <a:rPr lang="en-US" sz="2200" dirty="0">
-                <a:solidFill>
-                  <a:srgbClr val="000000"/>
-                </a:solidFill>
-                <a:latin typeface="Consolas" panose="020B0609020204030204" pitchFamily="49" charset="0"/>
-              </a:rPr>
-              <a:t> </a:t>
-            </a:r>
-            <a:r>
-              <a:rPr lang="en-US" sz="2200" dirty="0">
-                <a:solidFill>
-                  <a:srgbClr val="0000FF"/>
-                </a:solidFill>
-                <a:latin typeface="Consolas" panose="020B0609020204030204" pitchFamily="49" charset="0"/>
-              </a:rPr>
-              <a:t>interface</a:t>
-            </a:r>
-            <a:r>
-              <a:rPr lang="en-US" sz="2200" dirty="0">
-                <a:solidFill>
-                  <a:srgbClr val="000000"/>
-                </a:solidFill>
-                <a:latin typeface="Consolas" panose="020B0609020204030204" pitchFamily="49" charset="0"/>
-              </a:rPr>
-              <a:t> </a:t>
-            </a:r>
-            <a:r>
-              <a:rPr lang="en-US" sz="2200" dirty="0" err="1">
-                <a:solidFill>
-                  <a:srgbClr val="2B91AF"/>
-                </a:solidFill>
-                <a:latin typeface="Consolas" panose="020B0609020204030204" pitchFamily="49" charset="0"/>
-              </a:rPr>
-              <a:t>IMultiHostingManager</a:t>
-            </a:r>
-            <a:endParaRPr lang="en-US" sz="2200" dirty="0">
-              <a:solidFill>
-                <a:srgbClr val="000000"/>
-              </a:solidFill>
-              <a:latin typeface="Consolas" panose="020B0609020204030204" pitchFamily="49" charset="0"/>
-            </a:endParaRPr>
-          </a:p>
-          <a:p>
-            <a:r>
-              <a:rPr lang="ru-RU" sz="2200" dirty="0">
-                <a:solidFill>
-                  <a:srgbClr val="000000"/>
-                </a:solidFill>
-                <a:latin typeface="Consolas" panose="020B0609020204030204" pitchFamily="49" charset="0"/>
-              </a:rPr>
-              <a:t>{</a:t>
-            </a:r>
-          </a:p>
-          <a:p>
-            <a:r>
-              <a:rPr lang="en-US" sz="2200" dirty="0">
-                <a:solidFill>
-                  <a:srgbClr val="0000FF"/>
-                </a:solidFill>
-                <a:latin typeface="Consolas" panose="020B0609020204030204" pitchFamily="49" charset="0"/>
-              </a:rPr>
-              <a:t>	string</a:t>
-            </a:r>
-            <a:r>
-              <a:rPr lang="en-US" sz="2200" dirty="0">
-                <a:solidFill>
-                  <a:srgbClr val="000000"/>
-                </a:solidFill>
-                <a:latin typeface="Consolas" panose="020B0609020204030204" pitchFamily="49" charset="0"/>
-              </a:rPr>
-              <a:t> Name { </a:t>
-            </a:r>
-            <a:r>
-              <a:rPr lang="en-US" sz="2200" dirty="0">
-                <a:solidFill>
-                  <a:srgbClr val="0000FF"/>
-                </a:solidFill>
-                <a:latin typeface="Consolas" panose="020B0609020204030204" pitchFamily="49" charset="0"/>
-              </a:rPr>
-              <a:t>get</a:t>
-            </a:r>
-            <a:r>
-              <a:rPr lang="en-US" sz="2200" dirty="0">
-                <a:solidFill>
-                  <a:srgbClr val="000000"/>
-                </a:solidFill>
-                <a:latin typeface="Consolas" panose="020B0609020204030204" pitchFamily="49" charset="0"/>
-              </a:rPr>
-              <a:t>; }</a:t>
-            </a:r>
-          </a:p>
-          <a:p>
-            <a:endParaRPr lang="ru-RU" sz="2200" dirty="0">
-              <a:solidFill>
-                <a:srgbClr val="000000"/>
-              </a:solidFill>
-              <a:latin typeface="Consolas" panose="020B0609020204030204" pitchFamily="49" charset="0"/>
-            </a:endParaRPr>
-          </a:p>
-          <a:p>
-            <a:r>
-              <a:rPr lang="en-US" sz="2200" dirty="0">
-                <a:solidFill>
-                  <a:srgbClr val="2B91AF"/>
-                </a:solidFill>
-                <a:latin typeface="Consolas" panose="020B0609020204030204" pitchFamily="49" charset="0"/>
-              </a:rPr>
-              <a:t>	</a:t>
-            </a:r>
-            <a:r>
-              <a:rPr lang="en-US" sz="2200" dirty="0" err="1">
-                <a:solidFill>
-                  <a:srgbClr val="2B91AF"/>
-                </a:solidFill>
-                <a:latin typeface="Consolas" panose="020B0609020204030204" pitchFamily="49" charset="0"/>
-              </a:rPr>
-              <a:t>IHosting</a:t>
-            </a:r>
-            <a:r>
-              <a:rPr lang="en-US" sz="2200" dirty="0">
-                <a:solidFill>
-                  <a:srgbClr val="000000"/>
-                </a:solidFill>
-                <a:latin typeface="Consolas" panose="020B0609020204030204" pitchFamily="49" charset="0"/>
-              </a:rPr>
-              <a:t> </a:t>
-            </a:r>
-            <a:r>
-              <a:rPr lang="en-US" sz="2200" dirty="0" err="1">
-                <a:solidFill>
-                  <a:srgbClr val="000000"/>
-                </a:solidFill>
-                <a:latin typeface="Consolas" panose="020B0609020204030204" pitchFamily="49" charset="0"/>
-              </a:rPr>
-              <a:t>GetFileHostingFor</a:t>
-            </a:r>
-            <a:r>
-              <a:rPr lang="en-US" sz="2200" dirty="0">
-                <a:solidFill>
-                  <a:srgbClr val="000000"/>
-                </a:solidFill>
-                <a:latin typeface="Consolas" panose="020B0609020204030204" pitchFamily="49" charset="0"/>
-              </a:rPr>
-              <a:t>(</a:t>
-            </a:r>
-            <a:r>
-              <a:rPr lang="en-US" sz="2200" dirty="0" err="1">
-                <a:solidFill>
-                  <a:srgbClr val="2B91AF"/>
-                </a:solidFill>
-                <a:latin typeface="Consolas" panose="020B0609020204030204" pitchFamily="49" charset="0"/>
-              </a:rPr>
-              <a:t>IHosting</a:t>
-            </a:r>
-            <a:r>
-              <a:rPr lang="en-US" sz="2200" dirty="0">
-                <a:solidFill>
-                  <a:srgbClr val="000000"/>
-                </a:solidFill>
-                <a:latin typeface="Consolas" panose="020B0609020204030204" pitchFamily="49" charset="0"/>
-              </a:rPr>
-              <a:t>[] </a:t>
-            </a:r>
-            <a:r>
-              <a:rPr lang="en-US" sz="2200" dirty="0" err="1">
-                <a:solidFill>
-                  <a:srgbClr val="000000"/>
-                </a:solidFill>
-                <a:latin typeface="Consolas" panose="020B0609020204030204" pitchFamily="49" charset="0"/>
-              </a:rPr>
-              <a:t>hostings</a:t>
-            </a:r>
-            <a:r>
-              <a:rPr lang="en-US" sz="2200" dirty="0">
-                <a:solidFill>
-                  <a:srgbClr val="000000"/>
-                </a:solidFill>
-                <a:latin typeface="Consolas" panose="020B0609020204030204" pitchFamily="49" charset="0"/>
-              </a:rPr>
-              <a:t>);</a:t>
-            </a:r>
-            <a:r>
-              <a:rPr lang="ru-RU" sz="2200" dirty="0">
-                <a:solidFill>
-                  <a:srgbClr val="000000"/>
-                </a:solidFill>
-                <a:latin typeface="Consolas" panose="020B0609020204030204" pitchFamily="49" charset="0"/>
-              </a:rPr>
-              <a:t>    }</a:t>
-            </a:r>
-            <a:endParaRPr lang="ru-RU" sz="2200" dirty="0"/>
-          </a:p>
-        </p:txBody>
-      </p:sp>
-    </p:spTree>
-    <p:extLst>
-      <p:ext uri="{BB962C8B-B14F-4D97-AF65-F5344CB8AC3E}">
-        <p14:creationId xmlns:p14="http://schemas.microsoft.com/office/powerpoint/2010/main" val="3239580636"/>
-      </p:ext>
-    </p:extLst>
-  </p:cSld>
-  <p:clrMapOvr>
-    <a:masterClrMapping/>
-  </p:clrMapOvr>
-</p:sld>
-</file>
-
-<file path=ppt/slides/slide7.xml><?xml version="1.0" encoding="utf-8"?>
-<p:sld xmlns:a="http://schemas.openxmlformats.org/drawingml/2006/main" xmlns:r="http://schemas.openxmlformats.org/officeDocument/2006/relationships" xmlns:p="http://schemas.openxmlformats.org/presentationml/2006/main">
-  <p:cSld>
-    <p:spTree>
-      <p:nvGrpSpPr>
-        <p:cNvPr id="1" name=""/>
-        <p:cNvGrpSpPr/>
-        <p:nvPr/>
-      </p:nvGrpSpPr>
-      <p:grpSpPr>
-        <a:xfrm>
-          <a:off x="0" y="0"/>
-          <a:ext cx="0" cy="0"/>
-          <a:chOff x="0" y="0"/>
-          <a:chExt cx="0" cy="0"/>
-        </a:xfrm>
-      </p:grpSpPr>
-      <p:pic>
-        <p:nvPicPr>
-          <p:cNvPr id="5" name="Рисунок 4"/>
-          <p:cNvPicPr>
-            <a:picLocks noChangeAspect="1"/>
-          </p:cNvPicPr>
-          <p:nvPr/>
-        </p:nvPicPr>
-        <p:blipFill>
-          <a:blip r:embed="rId3">
-            <a:extLst>
-              <a:ext uri="{28A0092B-C50C-407E-A947-70E740481C1C}">
-                <a14:useLocalDpi xmlns:a14="http://schemas.microsoft.com/office/drawing/2010/main" val="0"/>
-              </a:ext>
-            </a:extLst>
-          </a:blip>
-          <a:stretch>
-            <a:fillRect/>
-          </a:stretch>
-        </p:blipFill>
-        <p:spPr>
-          <a:xfrm>
-            <a:off x="1986716" y="0"/>
-            <a:ext cx="8218568" cy="6858000"/>
-          </a:xfrm>
-          <a:prstGeom prst="rect">
-            <a:avLst/>
-          </a:prstGeom>
-        </p:spPr>
-      </p:pic>
-    </p:spTree>
-    <p:extLst>
-      <p:ext uri="{BB962C8B-B14F-4D97-AF65-F5344CB8AC3E}">
-        <p14:creationId xmlns:p14="http://schemas.microsoft.com/office/powerpoint/2010/main" val="1925621923"/>
-      </p:ext>
-    </p:extLst>
-  </p:cSld>
-  <p:clrMapOvr>
-    <a:masterClrMapping/>
-  </p:clrMapOvr>
-</p:sld>
-</file>
-
 <file path=ppt/slides/slide8.xml><?xml version="1.0" encoding="utf-8"?>
 <p:sld xmlns:a="http://schemas.openxmlformats.org/drawingml/2006/main" xmlns:r="http://schemas.openxmlformats.org/officeDocument/2006/relationships" xmlns:p="http://schemas.openxmlformats.org/presentationml/2006/main">
   <p:cSld>
@@ -13528,14 +14722,14 @@
       </p:grpSpPr>
       <p:sp>
         <p:nvSpPr>
-          <p:cNvPr id="4" name="Прямоугольник 3"/>
+          <p:cNvPr id="5" name="Прямоугольник 4"/>
           <p:cNvSpPr/>
           <p:nvPr/>
         </p:nvSpPr>
         <p:spPr>
           <a:xfrm>
-            <a:off x="96253" y="264206"/>
-            <a:ext cx="12192000" cy="6463308"/>
+            <a:off x="962525" y="657511"/>
+            <a:ext cx="11229475" cy="5509200"/>
           </a:xfrm>
           <a:prstGeom prst="rect">
             <a:avLst/>
@@ -13548,7 +14742,7 @@
           <a:lstStyle/>
           <a:p>
             <a:r>
-              <a:rPr lang="en-US" dirty="0">
+              <a:rPr lang="en-US" sz="2200" dirty="0">
                 <a:solidFill>
                   <a:srgbClr val="0000FF"/>
                 </a:solidFill>
@@ -13557,7 +14751,7 @@
               <a:t>public</a:t>
             </a:r>
             <a:r>
-              <a:rPr lang="en-US" dirty="0">
+              <a:rPr lang="en-US" sz="2200" dirty="0">
                 <a:solidFill>
                   <a:srgbClr val="000000"/>
                 </a:solidFill>
@@ -13566,7 +14760,7 @@
               <a:t> </a:t>
             </a:r>
             <a:r>
-              <a:rPr lang="en-US" dirty="0">
+              <a:rPr lang="en-US" sz="2200" dirty="0">
                 <a:solidFill>
                   <a:srgbClr val="0000FF"/>
                 </a:solidFill>
@@ -13575,7 +14769,7 @@
               <a:t>class</a:t>
             </a:r>
             <a:r>
-              <a:rPr lang="en-US" dirty="0">
+              <a:rPr lang="en-US" sz="2200" dirty="0">
                 <a:solidFill>
                   <a:srgbClr val="000000"/>
                 </a:solidFill>
@@ -13584,15 +14778,192 @@
               <a:t> </a:t>
             </a:r>
             <a:r>
-              <a:rPr lang="en-US" dirty="0" err="1">
+              <a:rPr lang="en-US" sz="2200" dirty="0" err="1">
                 <a:solidFill>
                   <a:srgbClr val="2B91AF"/>
                 </a:solidFill>
                 <a:latin typeface="Consolas" panose="020B0609020204030204" pitchFamily="49" charset="0"/>
               </a:rPr>
-              <a:t>FileHostingClient</a:t>
-            </a:r>
-            <a:endParaRPr lang="en-US" dirty="0">
+              <a:t>OAuthCredentials</a:t>
+            </a:r>
+            <a:r>
+              <a:rPr lang="en-US" sz="2200" dirty="0">
+                <a:solidFill>
+                  <a:srgbClr val="000000"/>
+                </a:solidFill>
+                <a:latin typeface="Consolas" panose="020B0609020204030204" pitchFamily="49" charset="0"/>
+              </a:rPr>
+              <a:t> : </a:t>
+            </a:r>
+            <a:r>
+              <a:rPr lang="en-US" sz="2200" dirty="0" err="1">
+                <a:solidFill>
+                  <a:srgbClr val="2B91AF"/>
+                </a:solidFill>
+                <a:latin typeface="Consolas" panose="020B0609020204030204" pitchFamily="49" charset="0"/>
+              </a:rPr>
+              <a:t>IEquatable</a:t>
+            </a:r>
+            <a:r>
+              <a:rPr lang="en-US" sz="2200" dirty="0">
+                <a:solidFill>
+                  <a:srgbClr val="000000"/>
+                </a:solidFill>
+                <a:latin typeface="Consolas" panose="020B0609020204030204" pitchFamily="49" charset="0"/>
+              </a:rPr>
+              <a:t>&lt;</a:t>
+            </a:r>
+            <a:r>
+              <a:rPr lang="en-US" sz="2200" dirty="0" err="1">
+                <a:solidFill>
+                  <a:srgbClr val="2B91AF"/>
+                </a:solidFill>
+                <a:latin typeface="Consolas" panose="020B0609020204030204" pitchFamily="49" charset="0"/>
+              </a:rPr>
+              <a:t>OAuthCredentials</a:t>
+            </a:r>
+            <a:r>
+              <a:rPr lang="en-US" sz="2200" dirty="0">
+                <a:solidFill>
+                  <a:srgbClr val="000000"/>
+                </a:solidFill>
+                <a:latin typeface="Consolas" panose="020B0609020204030204" pitchFamily="49" charset="0"/>
+              </a:rPr>
+              <a:t>&gt;</a:t>
+            </a:r>
+          </a:p>
+          <a:p>
+            <a:r>
+              <a:rPr lang="ru-RU" sz="2200" dirty="0">
+                <a:solidFill>
+                  <a:srgbClr val="000000"/>
+                </a:solidFill>
+                <a:latin typeface="Consolas" panose="020B0609020204030204" pitchFamily="49" charset="0"/>
+              </a:rPr>
+              <a:t>{</a:t>
+            </a:r>
+          </a:p>
+          <a:p>
+            <a:r>
+              <a:rPr lang="en-US" sz="2200" dirty="0">
+                <a:solidFill>
+                  <a:srgbClr val="0000FF"/>
+                </a:solidFill>
+                <a:latin typeface="Consolas" panose="020B0609020204030204" pitchFamily="49" charset="0"/>
+              </a:rPr>
+              <a:t>	public</a:t>
+            </a:r>
+            <a:r>
+              <a:rPr lang="en-US" sz="2200" dirty="0">
+                <a:solidFill>
+                  <a:srgbClr val="000000"/>
+                </a:solidFill>
+                <a:latin typeface="Consolas" panose="020B0609020204030204" pitchFamily="49" charset="0"/>
+              </a:rPr>
+              <a:t> </a:t>
+            </a:r>
+            <a:r>
+              <a:rPr lang="en-US" sz="2200" dirty="0">
+                <a:solidFill>
+                  <a:srgbClr val="0000FF"/>
+                </a:solidFill>
+                <a:latin typeface="Consolas" panose="020B0609020204030204" pitchFamily="49" charset="0"/>
+              </a:rPr>
+              <a:t>static</a:t>
+            </a:r>
+            <a:r>
+              <a:rPr lang="en-US" sz="2200" dirty="0">
+                <a:solidFill>
+                  <a:srgbClr val="000000"/>
+                </a:solidFill>
+                <a:latin typeface="Consolas" panose="020B0609020204030204" pitchFamily="49" charset="0"/>
+              </a:rPr>
+              <a:t> </a:t>
+            </a:r>
+            <a:r>
+              <a:rPr lang="en-US" sz="2200" dirty="0" err="1">
+                <a:solidFill>
+                  <a:srgbClr val="2B91AF"/>
+                </a:solidFill>
+                <a:latin typeface="Consolas" panose="020B0609020204030204" pitchFamily="49" charset="0"/>
+              </a:rPr>
+              <a:t>OAuthCredentials</a:t>
+            </a:r>
+            <a:r>
+              <a:rPr lang="en-US" sz="2200" dirty="0">
+                <a:solidFill>
+                  <a:srgbClr val="000000"/>
+                </a:solidFill>
+                <a:latin typeface="Consolas" panose="020B0609020204030204" pitchFamily="49" charset="0"/>
+              </a:rPr>
+              <a:t> </a:t>
+            </a:r>
+            <a:r>
+              <a:rPr lang="en-US" sz="2200" dirty="0" err="1">
+                <a:solidFill>
+                  <a:srgbClr val="000000"/>
+                </a:solidFill>
+                <a:latin typeface="Consolas" panose="020B0609020204030204" pitchFamily="49" charset="0"/>
+              </a:rPr>
+              <a:t>FromString</a:t>
+            </a:r>
+            <a:r>
+              <a:rPr lang="en-US" sz="2200" dirty="0">
+                <a:solidFill>
+                  <a:srgbClr val="000000"/>
+                </a:solidFill>
+                <a:latin typeface="Consolas" panose="020B0609020204030204" pitchFamily="49" charset="0"/>
+              </a:rPr>
+              <a:t>(</a:t>
+            </a:r>
+            <a:r>
+              <a:rPr lang="en-US" sz="2200" dirty="0">
+                <a:solidFill>
+                  <a:srgbClr val="0000FF"/>
+                </a:solidFill>
+                <a:latin typeface="Consolas" panose="020B0609020204030204" pitchFamily="49" charset="0"/>
+              </a:rPr>
+              <a:t>string</a:t>
+            </a:r>
+            <a:r>
+              <a:rPr lang="en-US" sz="2200" dirty="0">
+                <a:solidFill>
+                  <a:srgbClr val="000000"/>
+                </a:solidFill>
+                <a:latin typeface="Consolas" panose="020B0609020204030204" pitchFamily="49" charset="0"/>
+              </a:rPr>
+              <a:t> s) </a:t>
+            </a:r>
+            <a:r>
+              <a:rPr lang="ru-RU" sz="2200" dirty="0">
+                <a:solidFill>
+                  <a:srgbClr val="000000"/>
+                </a:solidFill>
+                <a:latin typeface="Consolas" panose="020B0609020204030204" pitchFamily="49" charset="0"/>
+              </a:rPr>
+              <a:t>{</a:t>
+            </a:r>
+            <a:r>
+              <a:rPr lang="en-US" sz="2200" dirty="0">
+                <a:solidFill>
+                  <a:srgbClr val="000000"/>
+                </a:solidFill>
+                <a:latin typeface="Consolas" panose="020B0609020204030204" pitchFamily="49" charset="0"/>
+              </a:rPr>
+              <a:t> … </a:t>
+            </a:r>
+            <a:r>
+              <a:rPr lang="ru-RU" sz="2200" dirty="0">
+                <a:solidFill>
+                  <a:srgbClr val="000000"/>
+                </a:solidFill>
+                <a:latin typeface="Consolas" panose="020B0609020204030204" pitchFamily="49" charset="0"/>
+              </a:rPr>
+              <a:t>}</a:t>
+            </a:r>
+          </a:p>
+          <a:p>
+            <a:endParaRPr lang="ru-RU" sz="2200" dirty="0">
               <a:solidFill>
                 <a:srgbClr val="000000"/>
               </a:solidFill>
@@ -13601,7 +14972,43 @@
           </a:p>
           <a:p>
             <a:r>
-              <a:rPr lang="ru-RU" dirty="0">
+              <a:rPr lang="en-US" sz="2200" dirty="0">
+                <a:solidFill>
+                  <a:srgbClr val="0000FF"/>
+                </a:solidFill>
+                <a:latin typeface="Consolas" panose="020B0609020204030204" pitchFamily="49" charset="0"/>
+              </a:rPr>
+              <a:t>	public</a:t>
+            </a:r>
+            <a:r>
+              <a:rPr lang="en-US" sz="2200" dirty="0">
+                <a:solidFill>
+                  <a:srgbClr val="000000"/>
+                </a:solidFill>
+                <a:latin typeface="Consolas" panose="020B0609020204030204" pitchFamily="49" charset="0"/>
+              </a:rPr>
+              <a:t> </a:t>
+            </a:r>
+            <a:r>
+              <a:rPr lang="en-US" sz="2200" dirty="0">
+                <a:solidFill>
+                  <a:srgbClr val="0000FF"/>
+                </a:solidFill>
+                <a:latin typeface="Consolas" panose="020B0609020204030204" pitchFamily="49" charset="0"/>
+              </a:rPr>
+              <a:t>string</a:t>
+            </a:r>
+            <a:r>
+              <a:rPr lang="en-US" sz="2200" dirty="0">
+                <a:solidFill>
+                  <a:srgbClr val="000000"/>
+                </a:solidFill>
+                <a:latin typeface="Consolas" panose="020B0609020204030204" pitchFamily="49" charset="0"/>
+              </a:rPr>
+              <a:t> Service </a:t>
+            </a:r>
+            <a:r>
+              <a:rPr lang="ru-RU" sz="2200" dirty="0">
                 <a:solidFill>
                   <a:srgbClr val="000000"/>
                 </a:solidFill>
@@ -13609,93 +15016,73 @@
               </a:rPr>
               <a:t>{</a:t>
             </a:r>
-          </a:p>
-          <a:p>
-            <a:r>
-              <a:rPr lang="en-US" dirty="0">
-                <a:solidFill>
-                  <a:srgbClr val="000000"/>
-                </a:solidFill>
-                <a:latin typeface="Consolas" panose="020B0609020204030204" pitchFamily="49" charset="0"/>
-              </a:rPr>
-              <a:t>        [</a:t>
-            </a:r>
-            <a:r>
-              <a:rPr lang="en-US" dirty="0">
-                <a:solidFill>
-                  <a:srgbClr val="2B91AF"/>
-                </a:solidFill>
-                <a:latin typeface="Consolas" panose="020B0609020204030204" pitchFamily="49" charset="0"/>
-              </a:rPr>
-              <a:t>Command</a:t>
-            </a:r>
-            <a:r>
-              <a:rPr lang="en-US" dirty="0">
-                <a:solidFill>
-                  <a:srgbClr val="000000"/>
-                </a:solidFill>
-                <a:latin typeface="Consolas" panose="020B0609020204030204" pitchFamily="49" charset="0"/>
-              </a:rPr>
-              <a:t>(</a:t>
-            </a:r>
-            <a:r>
-              <a:rPr lang="en-US" dirty="0">
-                <a:solidFill>
-                  <a:srgbClr val="A31515"/>
-                </a:solidFill>
-                <a:latin typeface="Consolas" panose="020B0609020204030204" pitchFamily="49" charset="0"/>
-              </a:rPr>
-              <a:t>"show list of nested files and directories (root directory)"</a:t>
-            </a:r>
-            <a:r>
-              <a:rPr lang="en-US" dirty="0">
-                <a:solidFill>
-                  <a:srgbClr val="000000"/>
-                </a:solidFill>
-                <a:latin typeface="Consolas" panose="020B0609020204030204" pitchFamily="49" charset="0"/>
-              </a:rPr>
-              <a:t>, </a:t>
-            </a:r>
-            <a:r>
-              <a:rPr lang="en-US" dirty="0">
+            <a:r>
+              <a:rPr lang="en-US" sz="2200" dirty="0">
+                <a:solidFill>
+                  <a:srgbClr val="000000"/>
+                </a:solidFill>
+                <a:latin typeface="Consolas" panose="020B0609020204030204" pitchFamily="49" charset="0"/>
+              </a:rPr>
+              <a:t> </a:t>
+            </a:r>
+            <a:r>
+              <a:rPr lang="en-US" sz="2200" dirty="0">
                 <a:solidFill>
                   <a:srgbClr val="0000FF"/>
                 </a:solidFill>
                 <a:latin typeface="Consolas" panose="020B0609020204030204" pitchFamily="49" charset="0"/>
               </a:rPr>
-              <a:t>true</a:t>
-            </a:r>
-            <a:r>
-              <a:rPr lang="en-US" dirty="0">
-                <a:solidFill>
-                  <a:srgbClr val="000000"/>
-                </a:solidFill>
-                <a:latin typeface="Consolas" panose="020B0609020204030204" pitchFamily="49" charset="0"/>
-              </a:rPr>
-              <a:t>)]</a:t>
-            </a:r>
-          </a:p>
-          <a:p>
-            <a:r>
-              <a:rPr lang="en-US" dirty="0">
-                <a:solidFill>
-                  <a:srgbClr val="000000"/>
-                </a:solidFill>
-                <a:latin typeface="Consolas" panose="020B0609020204030204" pitchFamily="49" charset="0"/>
-              </a:rPr>
-              <a:t>        </a:t>
-            </a:r>
-            <a:r>
-              <a:rPr lang="en-US" dirty="0">
+              <a:t>get</a:t>
+            </a:r>
+            <a:r>
+              <a:rPr lang="en-US" sz="2200" dirty="0">
+                <a:solidFill>
+                  <a:srgbClr val="000000"/>
+                </a:solidFill>
+                <a:latin typeface="Consolas" panose="020B0609020204030204" pitchFamily="49" charset="0"/>
+              </a:rPr>
+              <a:t>; </a:t>
+            </a:r>
+            <a:r>
+              <a:rPr lang="en-US" sz="2200" dirty="0">
                 <a:solidFill>
                   <a:srgbClr val="0000FF"/>
                 </a:solidFill>
                 <a:latin typeface="Consolas" panose="020B0609020204030204" pitchFamily="49" charset="0"/>
               </a:rPr>
-              <a:t>public</a:t>
-            </a:r>
-            <a:r>
-              <a:rPr lang="en-US" dirty="0">
+              <a:t>set</a:t>
+            </a:r>
+            <a:r>
+              <a:rPr lang="en-US" sz="2200" dirty="0">
+                <a:solidFill>
+                  <a:srgbClr val="000000"/>
+                </a:solidFill>
+                <a:latin typeface="Consolas" panose="020B0609020204030204" pitchFamily="49" charset="0"/>
+              </a:rPr>
+              <a:t>; </a:t>
+            </a:r>
+            <a:r>
+              <a:rPr lang="ru-RU" sz="2200" dirty="0">
+                <a:solidFill>
+                  <a:srgbClr val="000000"/>
+                </a:solidFill>
+                <a:latin typeface="Consolas" panose="020B0609020204030204" pitchFamily="49" charset="0"/>
+              </a:rPr>
+              <a:t>}</a:t>
+            </a:r>
+          </a:p>
+          <a:p>
+            <a:r>
+              <a:rPr lang="en-US" sz="2200" dirty="0">
+                <a:solidFill>
+                  <a:srgbClr val="0000FF"/>
+                </a:solidFill>
+                <a:latin typeface="Consolas" panose="020B0609020204030204" pitchFamily="49" charset="0"/>
+              </a:rPr>
+              <a:t>	public</a:t>
+            </a:r>
+            <a:r>
+              <a:rPr lang="en-US" sz="2200" dirty="0">
                 <a:solidFill>
                   <a:srgbClr val="000000"/>
                 </a:solidFill>
@@ -13704,16 +15091,34 @@
               <a:t> </a:t>
             </a:r>
             <a:r>
-              <a:rPr lang="en-US" dirty="0" err="1">
+              <a:rPr lang="en-US" sz="2200" dirty="0">
                 <a:solidFill>
                   <a:srgbClr val="0000FF"/>
                 </a:solidFill>
                 <a:latin typeface="Consolas" panose="020B0609020204030204" pitchFamily="49" charset="0"/>
               </a:rPr>
-              <a:t>async</a:t>
-            </a:r>
-            <a:r>
-              <a:rPr lang="en-US" dirty="0">
+              <a:t>string</a:t>
+            </a:r>
+            <a:r>
+              <a:rPr lang="en-US" sz="2200" dirty="0">
+                <a:solidFill>
+                  <a:srgbClr val="000000"/>
+                </a:solidFill>
+                <a:latin typeface="Consolas" panose="020B0609020204030204" pitchFamily="49" charset="0"/>
+              </a:rPr>
+              <a:t> Login </a:t>
+            </a:r>
+            <a:r>
+              <a:rPr lang="ru-RU" sz="2200" dirty="0">
+                <a:solidFill>
+                  <a:srgbClr val="000000"/>
+                </a:solidFill>
+                <a:latin typeface="Consolas" panose="020B0609020204030204" pitchFamily="49" charset="0"/>
+              </a:rPr>
+              <a:t>{</a:t>
+            </a:r>
+            <a:r>
+              <a:rPr lang="en-US" sz="2200" dirty="0">
                 <a:solidFill>
                   <a:srgbClr val="000000"/>
                 </a:solidFill>
@@ -13722,35 +15127,154 @@
               <a:t> </a:t>
             </a:r>
             <a:r>
-              <a:rPr lang="en-US" dirty="0">
-                <a:solidFill>
-                  <a:srgbClr val="2B91AF"/>
-                </a:solidFill>
-                <a:latin typeface="Consolas" panose="020B0609020204030204" pitchFamily="49" charset="0"/>
-              </a:rPr>
-              <a:t>Task</a:t>
-            </a:r>
-            <a:r>
-              <a:rPr lang="en-US" dirty="0">
-                <a:solidFill>
-                  <a:srgbClr val="000000"/>
-                </a:solidFill>
-                <a:latin typeface="Consolas" panose="020B0609020204030204" pitchFamily="49" charset="0"/>
-              </a:rPr>
-              <a:t> List()</a:t>
-            </a:r>
-            <a:r>
-              <a:rPr lang="ru-RU" dirty="0">
-                <a:solidFill>
-                  <a:srgbClr val="000000"/>
-                </a:solidFill>
-                <a:latin typeface="Consolas" panose="020B0609020204030204" pitchFamily="49" charset="0"/>
-              </a:rPr>
-              <a:t> { … }</a:t>
-            </a:r>
-          </a:p>
-          <a:p>
-            <a:endParaRPr lang="ru-RU" dirty="0">
+              <a:rPr lang="en-US" sz="2200" dirty="0">
+                <a:solidFill>
+                  <a:srgbClr val="0000FF"/>
+                </a:solidFill>
+                <a:latin typeface="Consolas" panose="020B0609020204030204" pitchFamily="49" charset="0"/>
+              </a:rPr>
+              <a:t>get</a:t>
+            </a:r>
+            <a:r>
+              <a:rPr lang="en-US" sz="2200" dirty="0">
+                <a:solidFill>
+                  <a:srgbClr val="000000"/>
+                </a:solidFill>
+                <a:latin typeface="Consolas" panose="020B0609020204030204" pitchFamily="49" charset="0"/>
+              </a:rPr>
+              <a:t>; </a:t>
+            </a:r>
+            <a:r>
+              <a:rPr lang="en-US" sz="2200" dirty="0">
+                <a:solidFill>
+                  <a:srgbClr val="0000FF"/>
+                </a:solidFill>
+                <a:latin typeface="Consolas" panose="020B0609020204030204" pitchFamily="49" charset="0"/>
+              </a:rPr>
+              <a:t>set</a:t>
+            </a:r>
+            <a:r>
+              <a:rPr lang="en-US" sz="2200" dirty="0">
+                <a:solidFill>
+                  <a:srgbClr val="000000"/>
+                </a:solidFill>
+                <a:latin typeface="Consolas" panose="020B0609020204030204" pitchFamily="49" charset="0"/>
+              </a:rPr>
+              <a:t>; </a:t>
+            </a:r>
+            <a:r>
+              <a:rPr lang="ru-RU" sz="2200" dirty="0">
+                <a:solidFill>
+                  <a:srgbClr val="000000"/>
+                </a:solidFill>
+                <a:latin typeface="Consolas" panose="020B0609020204030204" pitchFamily="49" charset="0"/>
+              </a:rPr>
+              <a:t>}</a:t>
+            </a:r>
+          </a:p>
+          <a:p>
+            <a:r>
+              <a:rPr lang="en-US" sz="2200" dirty="0">
+                <a:solidFill>
+                  <a:srgbClr val="0000FF"/>
+                </a:solidFill>
+                <a:latin typeface="Consolas" panose="020B0609020204030204" pitchFamily="49" charset="0"/>
+              </a:rPr>
+              <a:t>	public</a:t>
+            </a:r>
+            <a:r>
+              <a:rPr lang="en-US" sz="2200" dirty="0">
+                <a:solidFill>
+                  <a:srgbClr val="000000"/>
+                </a:solidFill>
+                <a:latin typeface="Consolas" panose="020B0609020204030204" pitchFamily="49" charset="0"/>
+              </a:rPr>
+              <a:t> </a:t>
+            </a:r>
+            <a:r>
+              <a:rPr lang="en-US" sz="2200" dirty="0">
+                <a:solidFill>
+                  <a:srgbClr val="0000FF"/>
+                </a:solidFill>
+                <a:latin typeface="Consolas" panose="020B0609020204030204" pitchFamily="49" charset="0"/>
+              </a:rPr>
+              <a:t>string</a:t>
+            </a:r>
+            <a:r>
+              <a:rPr lang="en-US" sz="2200" dirty="0">
+                <a:solidFill>
+                  <a:srgbClr val="000000"/>
+                </a:solidFill>
+                <a:latin typeface="Consolas" panose="020B0609020204030204" pitchFamily="49" charset="0"/>
+              </a:rPr>
+              <a:t> Token </a:t>
+            </a:r>
+            <a:r>
+              <a:rPr lang="ru-RU" sz="2200" dirty="0">
+                <a:solidFill>
+                  <a:srgbClr val="000000"/>
+                </a:solidFill>
+                <a:latin typeface="Consolas" panose="020B0609020204030204" pitchFamily="49" charset="0"/>
+              </a:rPr>
+              <a:t>{</a:t>
+            </a:r>
+            <a:r>
+              <a:rPr lang="en-US" sz="2200" dirty="0">
+                <a:solidFill>
+                  <a:srgbClr val="000000"/>
+                </a:solidFill>
+                <a:latin typeface="Consolas" panose="020B0609020204030204" pitchFamily="49" charset="0"/>
+              </a:rPr>
+              <a:t> </a:t>
+            </a:r>
+            <a:r>
+              <a:rPr lang="en-US" sz="2200" dirty="0">
+                <a:solidFill>
+                  <a:srgbClr val="0000FF"/>
+                </a:solidFill>
+                <a:latin typeface="Consolas" panose="020B0609020204030204" pitchFamily="49" charset="0"/>
+              </a:rPr>
+              <a:t>get</a:t>
+            </a:r>
+            <a:r>
+              <a:rPr lang="en-US" sz="2200" dirty="0">
+                <a:solidFill>
+                  <a:srgbClr val="000000"/>
+                </a:solidFill>
+                <a:latin typeface="Consolas" panose="020B0609020204030204" pitchFamily="49" charset="0"/>
+              </a:rPr>
+              <a:t>; </a:t>
+            </a:r>
+            <a:r>
+              <a:rPr lang="en-US" sz="2200" dirty="0">
+                <a:solidFill>
+                  <a:srgbClr val="0000FF"/>
+                </a:solidFill>
+                <a:latin typeface="Consolas" panose="020B0609020204030204" pitchFamily="49" charset="0"/>
+              </a:rPr>
+              <a:t>set</a:t>
+            </a:r>
+            <a:r>
+              <a:rPr lang="en-US" sz="2200" dirty="0">
+                <a:solidFill>
+                  <a:srgbClr val="000000"/>
+                </a:solidFill>
+                <a:latin typeface="Consolas" panose="020B0609020204030204" pitchFamily="49" charset="0"/>
+              </a:rPr>
+              <a:t>; </a:t>
+            </a:r>
+            <a:r>
+              <a:rPr lang="ru-RU" sz="2200" dirty="0">
+                <a:solidFill>
+                  <a:srgbClr val="000000"/>
+                </a:solidFill>
+                <a:latin typeface="Consolas" panose="020B0609020204030204" pitchFamily="49" charset="0"/>
+              </a:rPr>
+              <a:t>}</a:t>
+            </a:r>
+          </a:p>
+          <a:p>
+            <a:endParaRPr lang="ru-RU" sz="2200" dirty="0">
               <a:solidFill>
                 <a:srgbClr val="000000"/>
               </a:solidFill>
@@ -13758,194 +15282,7 @@
             </a:endParaRPr>
           </a:p>
           <a:p>
-            <a:r>
-              <a:rPr lang="en-US" dirty="0">
-                <a:solidFill>
-                  <a:srgbClr val="000000"/>
-                </a:solidFill>
-                <a:latin typeface="Consolas" panose="020B0609020204030204" pitchFamily="49" charset="0"/>
-              </a:rPr>
-              <a:t>        [</a:t>
-            </a:r>
-            <a:r>
-              <a:rPr lang="en-US" dirty="0">
-                <a:solidFill>
-                  <a:srgbClr val="2B91AF"/>
-                </a:solidFill>
-                <a:latin typeface="Consolas" panose="020B0609020204030204" pitchFamily="49" charset="0"/>
-              </a:rPr>
-              <a:t>Command</a:t>
-            </a:r>
-            <a:r>
-              <a:rPr lang="en-US" dirty="0">
-                <a:solidFill>
-                  <a:srgbClr val="000000"/>
-                </a:solidFill>
-                <a:latin typeface="Consolas" panose="020B0609020204030204" pitchFamily="49" charset="0"/>
-              </a:rPr>
-              <a:t>(</a:t>
-            </a:r>
-            <a:r>
-              <a:rPr lang="en-US" dirty="0">
-                <a:solidFill>
-                  <a:srgbClr val="A31515"/>
-                </a:solidFill>
-                <a:latin typeface="Consolas" panose="020B0609020204030204" pitchFamily="49" charset="0"/>
-              </a:rPr>
-              <a:t>"show list of nested files and directories"</a:t>
-            </a:r>
-            <a:r>
-              <a:rPr lang="en-US" dirty="0">
-                <a:solidFill>
-                  <a:srgbClr val="000000"/>
-                </a:solidFill>
-                <a:latin typeface="Consolas" panose="020B0609020204030204" pitchFamily="49" charset="0"/>
-              </a:rPr>
-              <a:t>, </a:t>
-            </a:r>
-            <a:r>
-              <a:rPr lang="en-US" dirty="0">
-                <a:solidFill>
-                  <a:srgbClr val="0000FF"/>
-                </a:solidFill>
-                <a:latin typeface="Consolas" panose="020B0609020204030204" pitchFamily="49" charset="0"/>
-              </a:rPr>
-              <a:t>true</a:t>
-            </a:r>
-            <a:r>
-              <a:rPr lang="en-US" dirty="0">
-                <a:solidFill>
-                  <a:srgbClr val="000000"/>
-                </a:solidFill>
-                <a:latin typeface="Consolas" panose="020B0609020204030204" pitchFamily="49" charset="0"/>
-              </a:rPr>
-              <a:t>)]</a:t>
-            </a:r>
-          </a:p>
-          <a:p>
-            <a:r>
-              <a:rPr lang="en-US" dirty="0">
-                <a:solidFill>
-                  <a:srgbClr val="000000"/>
-                </a:solidFill>
-                <a:latin typeface="Consolas" panose="020B0609020204030204" pitchFamily="49" charset="0"/>
-              </a:rPr>
-              <a:t>        </a:t>
-            </a:r>
-            <a:r>
-              <a:rPr lang="en-US" dirty="0">
-                <a:solidFill>
-                  <a:srgbClr val="0000FF"/>
-                </a:solidFill>
-                <a:latin typeface="Consolas" panose="020B0609020204030204" pitchFamily="49" charset="0"/>
-              </a:rPr>
-              <a:t>public</a:t>
-            </a:r>
-            <a:r>
-              <a:rPr lang="en-US" dirty="0">
-                <a:solidFill>
-                  <a:srgbClr val="000000"/>
-                </a:solidFill>
-                <a:latin typeface="Consolas" panose="020B0609020204030204" pitchFamily="49" charset="0"/>
-              </a:rPr>
-              <a:t> </a:t>
-            </a:r>
-            <a:r>
-              <a:rPr lang="en-US" dirty="0" err="1">
-                <a:solidFill>
-                  <a:srgbClr val="0000FF"/>
-                </a:solidFill>
-                <a:latin typeface="Consolas" panose="020B0609020204030204" pitchFamily="49" charset="0"/>
-              </a:rPr>
-              <a:t>async</a:t>
-            </a:r>
-            <a:r>
-              <a:rPr lang="en-US" dirty="0">
-                <a:solidFill>
-                  <a:srgbClr val="000000"/>
-                </a:solidFill>
-                <a:latin typeface="Consolas" panose="020B0609020204030204" pitchFamily="49" charset="0"/>
-              </a:rPr>
-              <a:t> </a:t>
-            </a:r>
-            <a:r>
-              <a:rPr lang="en-US" dirty="0">
-                <a:solidFill>
-                  <a:srgbClr val="2B91AF"/>
-                </a:solidFill>
-                <a:latin typeface="Consolas" panose="020B0609020204030204" pitchFamily="49" charset="0"/>
-              </a:rPr>
-              <a:t>Task</a:t>
-            </a:r>
-            <a:r>
-              <a:rPr lang="en-US" dirty="0">
-                <a:solidFill>
-                  <a:srgbClr val="000000"/>
-                </a:solidFill>
-                <a:latin typeface="Consolas" panose="020B0609020204030204" pitchFamily="49" charset="0"/>
-              </a:rPr>
-              <a:t> </a:t>
-            </a:r>
-            <a:r>
-              <a:rPr lang="en-US" dirty="0">
-                <a:solidFill>
-                  <a:srgbClr val="000000"/>
-                </a:solidFill>
-                <a:highlight>
-                  <a:srgbClr val="FFFF00"/>
-                </a:highlight>
-                <a:latin typeface="Consolas" panose="020B0609020204030204" pitchFamily="49" charset="0"/>
-              </a:rPr>
-              <a:t>List(</a:t>
-            </a:r>
-            <a:r>
-              <a:rPr lang="en-US" dirty="0">
-                <a:solidFill>
-                  <a:srgbClr val="0000FF"/>
-                </a:solidFill>
-                <a:highlight>
-                  <a:srgbClr val="FFFF00"/>
-                </a:highlight>
-                <a:latin typeface="Consolas" panose="020B0609020204030204" pitchFamily="49" charset="0"/>
-              </a:rPr>
-              <a:t>string</a:t>
-            </a:r>
-            <a:r>
-              <a:rPr lang="en-US" dirty="0">
-                <a:solidFill>
-                  <a:srgbClr val="000000"/>
-                </a:solidFill>
-                <a:highlight>
-                  <a:srgbClr val="FFFF00"/>
-                </a:highlight>
-                <a:latin typeface="Consolas" panose="020B0609020204030204" pitchFamily="49" charset="0"/>
-              </a:rPr>
-              <a:t> path)</a:t>
-            </a:r>
-            <a:r>
-              <a:rPr lang="ru-RU" dirty="0">
-                <a:solidFill>
-                  <a:srgbClr val="000000"/>
-                </a:solidFill>
-                <a:highlight>
-                  <a:srgbClr val="FFFF00"/>
-                </a:highlight>
-                <a:latin typeface="Consolas" panose="020B0609020204030204" pitchFamily="49" charset="0"/>
-              </a:rPr>
-              <a:t> </a:t>
-            </a:r>
-            <a:r>
-              <a:rPr lang="ru-RU" dirty="0">
-                <a:solidFill>
-                  <a:srgbClr val="000000"/>
-                </a:solidFill>
-                <a:latin typeface="Consolas" panose="020B0609020204030204" pitchFamily="49" charset="0"/>
-              </a:rPr>
-              <a:t>{ … }</a:t>
-            </a:r>
-          </a:p>
-          <a:p>
-            <a:endParaRPr lang="ru-RU" dirty="0">
+            <a:endParaRPr lang="ru-RU" sz="2200" dirty="0">
               <a:solidFill>
                 <a:srgbClr val="000000"/>
               </a:solidFill>
@@ -13954,108 +15291,34 @@
           </a:p>
           <a:p>
             <a:r>
-              <a:rPr lang="en-US" dirty="0">
-                <a:solidFill>
-                  <a:srgbClr val="000000"/>
-                </a:solidFill>
-                <a:latin typeface="Consolas" panose="020B0609020204030204" pitchFamily="49" charset="0"/>
-              </a:rPr>
-              <a:t>        [</a:t>
-            </a:r>
-            <a:r>
-              <a:rPr lang="en-US" dirty="0">
-                <a:solidFill>
-                  <a:srgbClr val="2B91AF"/>
-                </a:solidFill>
-                <a:latin typeface="Consolas" panose="020B0609020204030204" pitchFamily="49" charset="0"/>
-              </a:rPr>
-              <a:t>Command</a:t>
-            </a:r>
-            <a:r>
-              <a:rPr lang="en-US" dirty="0">
-                <a:solidFill>
-                  <a:srgbClr val="000000"/>
-                </a:solidFill>
-                <a:latin typeface="Consolas" panose="020B0609020204030204" pitchFamily="49" charset="0"/>
-              </a:rPr>
-              <a:t>(</a:t>
-            </a:r>
-            <a:r>
-              <a:rPr lang="en-US" dirty="0">
-                <a:solidFill>
-                  <a:srgbClr val="A31515"/>
-                </a:solidFill>
-                <a:latin typeface="Consolas" panose="020B0609020204030204" pitchFamily="49" charset="0"/>
-              </a:rPr>
-              <a:t>"show list of nested files and directories (matched by </a:t>
-            </a:r>
-            <a:r>
-              <a:rPr lang="en-US" dirty="0" err="1">
-                <a:solidFill>
-                  <a:srgbClr val="A31515"/>
-                </a:solidFill>
-                <a:latin typeface="Consolas" panose="020B0609020204030204" pitchFamily="49" charset="0"/>
-              </a:rPr>
-              <a:t>regexp</a:t>
-            </a:r>
-            <a:r>
-              <a:rPr lang="en-US" dirty="0">
-                <a:solidFill>
-                  <a:srgbClr val="A31515"/>
-                </a:solidFill>
-                <a:latin typeface="Consolas" panose="020B0609020204030204" pitchFamily="49" charset="0"/>
-              </a:rPr>
-              <a:t>)"</a:t>
-            </a:r>
-            <a:r>
-              <a:rPr lang="en-US" dirty="0">
-                <a:solidFill>
-                  <a:srgbClr val="000000"/>
-                </a:solidFill>
-                <a:latin typeface="Consolas" panose="020B0609020204030204" pitchFamily="49" charset="0"/>
-              </a:rPr>
-              <a:t>, </a:t>
-            </a:r>
-            <a:r>
-              <a:rPr lang="en-US" dirty="0">
+              <a:rPr lang="en-US" sz="2200" dirty="0">
                 <a:solidFill>
                   <a:srgbClr val="0000FF"/>
                 </a:solidFill>
                 <a:latin typeface="Consolas" panose="020B0609020204030204" pitchFamily="49" charset="0"/>
               </a:rPr>
-              <a:t>true</a:t>
-            </a:r>
-            <a:r>
-              <a:rPr lang="en-US" dirty="0">
-                <a:solidFill>
-                  <a:srgbClr val="000000"/>
-                </a:solidFill>
-                <a:latin typeface="Consolas" panose="020B0609020204030204" pitchFamily="49" charset="0"/>
-              </a:rPr>
-              <a:t>)]</a:t>
-            </a:r>
-          </a:p>
-          <a:p>
-            <a:r>
-              <a:rPr lang="en-US" dirty="0">
-                <a:solidFill>
-                  <a:srgbClr val="000000"/>
-                </a:solidFill>
-                <a:latin typeface="Consolas" panose="020B0609020204030204" pitchFamily="49" charset="0"/>
-              </a:rPr>
-              <a:t>        </a:t>
-            </a:r>
-            <a:r>
-              <a:rPr lang="en-US" dirty="0">
+              <a:t>	public</a:t>
+            </a:r>
+            <a:r>
+              <a:rPr lang="en-US" sz="2200" dirty="0">
+                <a:solidFill>
+                  <a:srgbClr val="000000"/>
+                </a:solidFill>
+                <a:latin typeface="Consolas" panose="020B0609020204030204" pitchFamily="49" charset="0"/>
+              </a:rPr>
+              <a:t> </a:t>
+            </a:r>
+            <a:r>
+              <a:rPr lang="en-US" sz="2200" dirty="0">
                 <a:solidFill>
                   <a:srgbClr val="0000FF"/>
                 </a:solidFill>
                 <a:latin typeface="Consolas" panose="020B0609020204030204" pitchFamily="49" charset="0"/>
               </a:rPr>
-              <a:t>public</a:t>
-            </a:r>
-            <a:r>
-              <a:rPr lang="en-US" dirty="0">
+              <a:t>string</a:t>
+            </a:r>
+            <a:r>
+              <a:rPr lang="en-US" sz="2200" dirty="0">
                 <a:solidFill>
                   <a:srgbClr val="000000"/>
                 </a:solidFill>
@@ -14064,125 +15327,24 @@
               <a:t> </a:t>
             </a:r>
             <a:r>
-              <a:rPr lang="en-US" dirty="0" err="1">
-                <a:solidFill>
-                  <a:srgbClr val="0000FF"/>
-                </a:solidFill>
-                <a:latin typeface="Consolas" panose="020B0609020204030204" pitchFamily="49" charset="0"/>
-              </a:rPr>
-              <a:t>async</a:t>
-            </a:r>
-            <a:r>
-              <a:rPr lang="en-US" dirty="0">
-                <a:solidFill>
-                  <a:srgbClr val="000000"/>
-                </a:solidFill>
-                <a:latin typeface="Consolas" panose="020B0609020204030204" pitchFamily="49" charset="0"/>
-              </a:rPr>
-              <a:t> </a:t>
-            </a:r>
-            <a:r>
-              <a:rPr lang="en-US" dirty="0">
-                <a:solidFill>
-                  <a:srgbClr val="2B91AF"/>
-                </a:solidFill>
-                <a:latin typeface="Consolas" panose="020B0609020204030204" pitchFamily="49" charset="0"/>
-              </a:rPr>
-              <a:t>Task</a:t>
-            </a:r>
-            <a:r>
-              <a:rPr lang="en-US" dirty="0">
-                <a:solidFill>
-                  <a:srgbClr val="000000"/>
-                </a:solidFill>
-                <a:latin typeface="Consolas" panose="020B0609020204030204" pitchFamily="49" charset="0"/>
-              </a:rPr>
-              <a:t> </a:t>
-            </a:r>
-            <a:r>
-              <a:rPr lang="en-US" dirty="0">
-                <a:solidFill>
-                  <a:srgbClr val="000000"/>
-                </a:solidFill>
-                <a:highlight>
-                  <a:srgbClr val="FFFF00"/>
-                </a:highlight>
-                <a:latin typeface="Consolas" panose="020B0609020204030204" pitchFamily="49" charset="0"/>
-              </a:rPr>
-              <a:t>List(</a:t>
-            </a:r>
-            <a:r>
-              <a:rPr lang="en-US" dirty="0">
-                <a:solidFill>
-                  <a:srgbClr val="0000FF"/>
-                </a:solidFill>
-                <a:highlight>
-                  <a:srgbClr val="FFFF00"/>
-                </a:highlight>
-                <a:latin typeface="Consolas" panose="020B0609020204030204" pitchFamily="49" charset="0"/>
-              </a:rPr>
-              <a:t>string</a:t>
-            </a:r>
-            <a:r>
-              <a:rPr lang="en-US" dirty="0">
-                <a:solidFill>
-                  <a:srgbClr val="000000"/>
-                </a:solidFill>
-                <a:highlight>
-                  <a:srgbClr val="FFFF00"/>
-                </a:highlight>
-                <a:latin typeface="Consolas" panose="020B0609020204030204" pitchFamily="49" charset="0"/>
-              </a:rPr>
-              <a:t> path, </a:t>
-            </a:r>
-            <a:r>
-              <a:rPr lang="en-US" dirty="0">
-                <a:solidFill>
-                  <a:srgbClr val="0000FF"/>
-                </a:solidFill>
-                <a:highlight>
-                  <a:srgbClr val="FFFF00"/>
-                </a:highlight>
-                <a:latin typeface="Consolas" panose="020B0609020204030204" pitchFamily="49" charset="0"/>
-              </a:rPr>
-              <a:t>string</a:t>
-            </a:r>
-            <a:r>
-              <a:rPr lang="en-US" dirty="0">
-                <a:solidFill>
-                  <a:srgbClr val="000000"/>
-                </a:solidFill>
-                <a:highlight>
-                  <a:srgbClr val="FFFF00"/>
-                </a:highlight>
-                <a:latin typeface="Consolas" panose="020B0609020204030204" pitchFamily="49" charset="0"/>
-              </a:rPr>
-              <a:t> pattern)</a:t>
-            </a:r>
-            <a:r>
-              <a:rPr lang="ru-RU" dirty="0">
-                <a:solidFill>
-                  <a:srgbClr val="000000"/>
-                </a:solidFill>
-                <a:highlight>
-                  <a:srgbClr val="FFFF00"/>
-                </a:highlight>
-                <a:latin typeface="Consolas" panose="020B0609020204030204" pitchFamily="49" charset="0"/>
-              </a:rPr>
-              <a:t> </a:t>
-            </a:r>
-            <a:r>
-              <a:rPr lang="ru-RU" dirty="0">
-                <a:solidFill>
-                  <a:srgbClr val="000000"/>
-                </a:solidFill>
-                <a:latin typeface="Consolas" panose="020B0609020204030204" pitchFamily="49" charset="0"/>
-              </a:rPr>
-              <a:t>{ … }</a:t>
-            </a:r>
-          </a:p>
-          <a:p>
-            <a:endParaRPr lang="ru-RU" dirty="0">
+              <a:rPr lang="en-US" sz="2200" dirty="0" err="1">
+                <a:solidFill>
+                  <a:srgbClr val="000000"/>
+                </a:solidFill>
+                <a:latin typeface="Consolas" panose="020B0609020204030204" pitchFamily="49" charset="0"/>
+              </a:rPr>
+              <a:t>SerializeToString</a:t>
+            </a:r>
+            <a:r>
+              <a:rPr lang="en-US" sz="2200" dirty="0">
+                <a:solidFill>
+                  <a:srgbClr val="000000"/>
+                </a:solidFill>
+                <a:latin typeface="Consolas" panose="020B0609020204030204" pitchFamily="49" charset="0"/>
+              </a:rPr>
+              <a:t>() { … }</a:t>
+            </a:r>
+            <a:endParaRPr lang="ru-RU" sz="2200" dirty="0">
               <a:solidFill>
                 <a:srgbClr val="000000"/>
               </a:solidFill>
@@ -14190,200 +15352,7 @@
             </a:endParaRPr>
           </a:p>
           <a:p>
-            <a:r>
-              <a:rPr lang="en-US" dirty="0">
-                <a:solidFill>
-                  <a:srgbClr val="000000"/>
-                </a:solidFill>
-                <a:latin typeface="Consolas" panose="020B0609020204030204" pitchFamily="49" charset="0"/>
-              </a:rPr>
-              <a:t>        [</a:t>
-            </a:r>
-            <a:r>
-              <a:rPr lang="en-US" dirty="0">
-                <a:solidFill>
-                  <a:srgbClr val="2B91AF"/>
-                </a:solidFill>
-                <a:latin typeface="Consolas" panose="020B0609020204030204" pitchFamily="49" charset="0"/>
-              </a:rPr>
-              <a:t>Command</a:t>
-            </a:r>
-            <a:r>
-              <a:rPr lang="en-US" dirty="0">
-                <a:solidFill>
-                  <a:srgbClr val="000000"/>
-                </a:solidFill>
-                <a:latin typeface="Consolas" panose="020B0609020204030204" pitchFamily="49" charset="0"/>
-              </a:rPr>
-              <a:t>(</a:t>
-            </a:r>
-            <a:r>
-              <a:rPr lang="en-US" dirty="0">
-                <a:solidFill>
-                  <a:srgbClr val="A31515"/>
-                </a:solidFill>
-                <a:latin typeface="Consolas" panose="020B0609020204030204" pitchFamily="49" charset="0"/>
-              </a:rPr>
-              <a:t>"upload file to cloud"</a:t>
-            </a:r>
-            <a:r>
-              <a:rPr lang="en-US" dirty="0">
-                <a:solidFill>
-                  <a:srgbClr val="000000"/>
-                </a:solidFill>
-                <a:latin typeface="Consolas" panose="020B0609020204030204" pitchFamily="49" charset="0"/>
-              </a:rPr>
-              <a:t>, </a:t>
-            </a:r>
-            <a:r>
-              <a:rPr lang="en-US" dirty="0">
-                <a:solidFill>
-                  <a:srgbClr val="0000FF"/>
-                </a:solidFill>
-                <a:latin typeface="Consolas" panose="020B0609020204030204" pitchFamily="49" charset="0"/>
-              </a:rPr>
-              <a:t>true</a:t>
-            </a:r>
-            <a:r>
-              <a:rPr lang="en-US" dirty="0">
-                <a:solidFill>
-                  <a:srgbClr val="000000"/>
-                </a:solidFill>
-                <a:latin typeface="Consolas" panose="020B0609020204030204" pitchFamily="49" charset="0"/>
-              </a:rPr>
-              <a:t>)]</a:t>
-            </a:r>
-          </a:p>
-          <a:p>
-            <a:r>
-              <a:rPr lang="en-US" dirty="0">
-                <a:solidFill>
-                  <a:srgbClr val="000000"/>
-                </a:solidFill>
-                <a:latin typeface="Consolas" panose="020B0609020204030204" pitchFamily="49" charset="0"/>
-              </a:rPr>
-              <a:t>        </a:t>
-            </a:r>
-            <a:r>
-              <a:rPr lang="en-US" dirty="0">
-                <a:solidFill>
-                  <a:srgbClr val="0000FF"/>
-                </a:solidFill>
-                <a:latin typeface="Consolas" panose="020B0609020204030204" pitchFamily="49" charset="0"/>
-              </a:rPr>
-              <a:t>public</a:t>
-            </a:r>
-            <a:r>
-              <a:rPr lang="en-US" dirty="0">
-                <a:solidFill>
-                  <a:srgbClr val="000000"/>
-                </a:solidFill>
-                <a:latin typeface="Consolas" panose="020B0609020204030204" pitchFamily="49" charset="0"/>
-              </a:rPr>
-              <a:t> </a:t>
-            </a:r>
-            <a:r>
-              <a:rPr lang="en-US" dirty="0" err="1">
-                <a:solidFill>
-                  <a:srgbClr val="0000FF"/>
-                </a:solidFill>
-                <a:latin typeface="Consolas" panose="020B0609020204030204" pitchFamily="49" charset="0"/>
-              </a:rPr>
-              <a:t>async</a:t>
-            </a:r>
-            <a:r>
-              <a:rPr lang="en-US" dirty="0">
-                <a:solidFill>
-                  <a:srgbClr val="000000"/>
-                </a:solidFill>
-                <a:latin typeface="Consolas" panose="020B0609020204030204" pitchFamily="49" charset="0"/>
-              </a:rPr>
-              <a:t> </a:t>
-            </a:r>
-            <a:r>
-              <a:rPr lang="en-US" dirty="0">
-                <a:solidFill>
-                  <a:srgbClr val="2B91AF"/>
-                </a:solidFill>
-                <a:latin typeface="Consolas" panose="020B0609020204030204" pitchFamily="49" charset="0"/>
-              </a:rPr>
-              <a:t>Task</a:t>
-            </a:r>
-            <a:r>
-              <a:rPr lang="en-US" dirty="0">
-                <a:solidFill>
-                  <a:srgbClr val="000000"/>
-                </a:solidFill>
-                <a:latin typeface="Consolas" panose="020B0609020204030204" pitchFamily="49" charset="0"/>
-              </a:rPr>
-              <a:t> Upload(</a:t>
-            </a:r>
-            <a:r>
-              <a:rPr lang="en-US" dirty="0">
-                <a:solidFill>
-                  <a:srgbClr val="0000FF"/>
-                </a:solidFill>
-                <a:latin typeface="Consolas" panose="020B0609020204030204" pitchFamily="49" charset="0"/>
-              </a:rPr>
-              <a:t>string</a:t>
-            </a:r>
-            <a:r>
-              <a:rPr lang="en-US" dirty="0">
-                <a:solidFill>
-                  <a:srgbClr val="000000"/>
-                </a:solidFill>
-                <a:latin typeface="Consolas" panose="020B0609020204030204" pitchFamily="49" charset="0"/>
-              </a:rPr>
-              <a:t> from, </a:t>
-            </a:r>
-            <a:r>
-              <a:rPr lang="en-US" dirty="0">
-                <a:solidFill>
-                  <a:srgbClr val="0000FF"/>
-                </a:solidFill>
-                <a:latin typeface="Consolas" panose="020B0609020204030204" pitchFamily="49" charset="0"/>
-              </a:rPr>
-              <a:t>string</a:t>
-            </a:r>
-            <a:r>
-              <a:rPr lang="en-US" dirty="0">
-                <a:solidFill>
-                  <a:srgbClr val="000000"/>
-                </a:solidFill>
-                <a:latin typeface="Consolas" panose="020B0609020204030204" pitchFamily="49" charset="0"/>
-              </a:rPr>
-              <a:t> to = </a:t>
-            </a:r>
-            <a:r>
-              <a:rPr lang="en-US" dirty="0">
-                <a:solidFill>
-                  <a:srgbClr val="0000FF"/>
-                </a:solidFill>
-                <a:latin typeface="Consolas" panose="020B0609020204030204" pitchFamily="49" charset="0"/>
-              </a:rPr>
-              <a:t>null</a:t>
-            </a:r>
-            <a:r>
-              <a:rPr lang="en-US" dirty="0">
-                <a:solidFill>
-                  <a:srgbClr val="000000"/>
-                </a:solidFill>
-                <a:latin typeface="Consolas" panose="020B0609020204030204" pitchFamily="49" charset="0"/>
-              </a:rPr>
-              <a:t>)</a:t>
-            </a:r>
-            <a:r>
-              <a:rPr lang="ru-RU" dirty="0">
-                <a:solidFill>
-                  <a:srgbClr val="000000"/>
-                </a:solidFill>
-                <a:latin typeface="Consolas" panose="020B0609020204030204" pitchFamily="49" charset="0"/>
-              </a:rPr>
-              <a:t> { … }</a:t>
-            </a:r>
-          </a:p>
-          <a:p>
-            <a:endParaRPr lang="ru-RU" dirty="0">
+            <a:endParaRPr lang="ru-RU" sz="2200" dirty="0">
               <a:solidFill>
                 <a:srgbClr val="000000"/>
               </a:solidFill>
@@ -14392,90 +15361,34 @@
           </a:p>
           <a:p>
             <a:r>
-              <a:rPr lang="en-US" dirty="0">
-                <a:solidFill>
-                  <a:srgbClr val="000000"/>
-                </a:solidFill>
-                <a:latin typeface="Consolas" panose="020B0609020204030204" pitchFamily="49" charset="0"/>
-              </a:rPr>
-              <a:t>        [</a:t>
-            </a:r>
-            <a:r>
-              <a:rPr lang="en-US" dirty="0">
-                <a:solidFill>
-                  <a:srgbClr val="2B91AF"/>
-                </a:solidFill>
-                <a:latin typeface="Consolas" panose="020B0609020204030204" pitchFamily="49" charset="0"/>
-              </a:rPr>
-              <a:t>Command</a:t>
-            </a:r>
-            <a:r>
-              <a:rPr lang="en-US" dirty="0">
-                <a:solidFill>
-                  <a:srgbClr val="000000"/>
-                </a:solidFill>
-                <a:latin typeface="Consolas" panose="020B0609020204030204" pitchFamily="49" charset="0"/>
-              </a:rPr>
-              <a:t>(</a:t>
-            </a:r>
-            <a:r>
-              <a:rPr lang="en-US" dirty="0">
-                <a:solidFill>
-                  <a:srgbClr val="A31515"/>
-                </a:solidFill>
-                <a:latin typeface="Consolas" panose="020B0609020204030204" pitchFamily="49" charset="0"/>
-              </a:rPr>
-              <a:t>"download file from cloud"</a:t>
-            </a:r>
-            <a:r>
-              <a:rPr lang="en-US" dirty="0">
-                <a:solidFill>
-                  <a:srgbClr val="000000"/>
-                </a:solidFill>
-                <a:latin typeface="Consolas" panose="020B0609020204030204" pitchFamily="49" charset="0"/>
-              </a:rPr>
-              <a:t>, </a:t>
-            </a:r>
-            <a:r>
-              <a:rPr lang="en-US" dirty="0">
+              <a:rPr lang="en-US" sz="2200" dirty="0">
                 <a:solidFill>
                   <a:srgbClr val="0000FF"/>
                 </a:solidFill>
                 <a:latin typeface="Consolas" panose="020B0609020204030204" pitchFamily="49" charset="0"/>
               </a:rPr>
-              <a:t>true</a:t>
-            </a:r>
-            <a:r>
-              <a:rPr lang="en-US" dirty="0">
-                <a:solidFill>
-                  <a:srgbClr val="000000"/>
-                </a:solidFill>
-                <a:latin typeface="Consolas" panose="020B0609020204030204" pitchFamily="49" charset="0"/>
-              </a:rPr>
-              <a:t>)]</a:t>
-            </a:r>
-          </a:p>
-          <a:p>
-            <a:r>
-              <a:rPr lang="en-US" dirty="0">
-                <a:solidFill>
-                  <a:srgbClr val="000000"/>
-                </a:solidFill>
-                <a:latin typeface="Consolas" panose="020B0609020204030204" pitchFamily="49" charset="0"/>
-              </a:rPr>
-              <a:t>        </a:t>
-            </a:r>
-            <a:r>
-              <a:rPr lang="en-US" dirty="0">
+              <a:t>	public</a:t>
+            </a:r>
+            <a:r>
+              <a:rPr lang="en-US" sz="2200" dirty="0">
+                <a:solidFill>
+                  <a:srgbClr val="000000"/>
+                </a:solidFill>
+                <a:latin typeface="Consolas" panose="020B0609020204030204" pitchFamily="49" charset="0"/>
+              </a:rPr>
+              <a:t> </a:t>
+            </a:r>
+            <a:r>
+              <a:rPr lang="en-US" sz="2200" dirty="0">
                 <a:solidFill>
                   <a:srgbClr val="0000FF"/>
                 </a:solidFill>
                 <a:latin typeface="Consolas" panose="020B0609020204030204" pitchFamily="49" charset="0"/>
               </a:rPr>
-              <a:t>public</a:t>
-            </a:r>
-            <a:r>
-              <a:rPr lang="en-US" dirty="0">
+              <a:t>override</a:t>
+            </a:r>
+            <a:r>
+              <a:rPr lang="en-US" sz="2200" dirty="0">
                 <a:solidFill>
                   <a:srgbClr val="000000"/>
                 </a:solidFill>
@@ -14484,16 +15397,16 @@
               <a:t> </a:t>
             </a:r>
             <a:r>
-              <a:rPr lang="en-US" dirty="0" err="1">
+              <a:rPr lang="en-US" sz="2200" dirty="0">
                 <a:solidFill>
                   <a:srgbClr val="0000FF"/>
                 </a:solidFill>
                 <a:latin typeface="Consolas" panose="020B0609020204030204" pitchFamily="49" charset="0"/>
               </a:rPr>
-              <a:t>async</a:t>
-            </a:r>
-            <a:r>
-              <a:rPr lang="en-US" dirty="0">
+              <a:t>string</a:t>
+            </a:r>
+            <a:r>
+              <a:rPr lang="en-US" sz="2200" dirty="0">
                 <a:solidFill>
                   <a:srgbClr val="000000"/>
                 </a:solidFill>
@@ -14502,89 +15415,24 @@
               <a:t> </a:t>
             </a:r>
             <a:r>
-              <a:rPr lang="en-US" dirty="0">
-                <a:solidFill>
-                  <a:srgbClr val="2B91AF"/>
-                </a:solidFill>
-                <a:latin typeface="Consolas" panose="020B0609020204030204" pitchFamily="49" charset="0"/>
-              </a:rPr>
-              <a:t>Task</a:t>
-            </a:r>
-            <a:r>
-              <a:rPr lang="en-US" dirty="0">
-                <a:solidFill>
-                  <a:srgbClr val="000000"/>
-                </a:solidFill>
-                <a:latin typeface="Consolas" panose="020B0609020204030204" pitchFamily="49" charset="0"/>
-              </a:rPr>
-              <a:t> Download(</a:t>
-            </a:r>
-            <a:r>
-              <a:rPr lang="en-US" dirty="0">
-                <a:solidFill>
-                  <a:srgbClr val="0000FF"/>
-                </a:solidFill>
-                <a:latin typeface="Consolas" panose="020B0609020204030204" pitchFamily="49" charset="0"/>
-              </a:rPr>
-              <a:t>string</a:t>
-            </a:r>
-            <a:r>
-              <a:rPr lang="en-US" dirty="0">
-                <a:solidFill>
-                  <a:srgbClr val="000000"/>
-                </a:solidFill>
-                <a:latin typeface="Consolas" panose="020B0609020204030204" pitchFamily="49" charset="0"/>
-              </a:rPr>
-              <a:t> from, </a:t>
-            </a:r>
-            <a:r>
-              <a:rPr lang="en-US" dirty="0">
-                <a:solidFill>
-                  <a:srgbClr val="0000FF"/>
-                </a:solidFill>
-                <a:latin typeface="Consolas" panose="020B0609020204030204" pitchFamily="49" charset="0"/>
-              </a:rPr>
-              <a:t>string</a:t>
-            </a:r>
-            <a:r>
-              <a:rPr lang="en-US" dirty="0">
-                <a:solidFill>
-                  <a:srgbClr val="000000"/>
-                </a:solidFill>
-                <a:latin typeface="Consolas" panose="020B0609020204030204" pitchFamily="49" charset="0"/>
-              </a:rPr>
-              <a:t> to = </a:t>
-            </a:r>
-            <a:r>
-              <a:rPr lang="en-US" dirty="0">
-                <a:solidFill>
-                  <a:srgbClr val="0000FF"/>
-                </a:solidFill>
-                <a:latin typeface="Consolas" panose="020B0609020204030204" pitchFamily="49" charset="0"/>
-              </a:rPr>
-              <a:t>null</a:t>
-            </a:r>
-            <a:r>
-              <a:rPr lang="en-US" dirty="0">
-                <a:solidFill>
-                  <a:srgbClr val="000000"/>
-                </a:solidFill>
-                <a:latin typeface="Consolas" panose="020B0609020204030204" pitchFamily="49" charset="0"/>
-              </a:rPr>
-              <a:t>)</a:t>
-            </a:r>
-            <a:r>
-              <a:rPr lang="ru-RU" dirty="0">
-                <a:solidFill>
-                  <a:srgbClr val="000000"/>
-                </a:solidFill>
-                <a:latin typeface="Consolas" panose="020B0609020204030204" pitchFamily="49" charset="0"/>
-              </a:rPr>
-              <a:t> { … }</a:t>
-            </a:r>
-          </a:p>
-          <a:p>
-            <a:endParaRPr lang="ru-RU" dirty="0">
+              <a:rPr lang="en-US" sz="2200" dirty="0" err="1">
+                <a:solidFill>
+                  <a:srgbClr val="000000"/>
+                </a:solidFill>
+                <a:latin typeface="Consolas" panose="020B0609020204030204" pitchFamily="49" charset="0"/>
+              </a:rPr>
+              <a:t>ToString</a:t>
+            </a:r>
+            <a:r>
+              <a:rPr lang="en-US" sz="2200" dirty="0">
+                <a:solidFill>
+                  <a:srgbClr val="000000"/>
+                </a:solidFill>
+                <a:latin typeface="Consolas" panose="020B0609020204030204" pitchFamily="49" charset="0"/>
+              </a:rPr>
+              <a:t>() { … }</a:t>
+            </a:r>
+            <a:endParaRPr lang="ru-RU" sz="2200" dirty="0">
               <a:solidFill>
                 <a:srgbClr val="000000"/>
               </a:solidFill>
@@ -14593,90 +15441,34 @@
           </a:p>
           <a:p>
             <a:r>
-              <a:rPr lang="en-US" dirty="0">
-                <a:solidFill>
-                  <a:srgbClr val="000000"/>
-                </a:solidFill>
-                <a:latin typeface="Consolas" panose="020B0609020204030204" pitchFamily="49" charset="0"/>
-              </a:rPr>
-              <a:t>        [</a:t>
-            </a:r>
-            <a:r>
-              <a:rPr lang="en-US" dirty="0">
-                <a:solidFill>
-                  <a:srgbClr val="2B91AF"/>
-                </a:solidFill>
-                <a:latin typeface="Consolas" panose="020B0609020204030204" pitchFamily="49" charset="0"/>
-              </a:rPr>
-              <a:t>Command</a:t>
-            </a:r>
-            <a:r>
-              <a:rPr lang="en-US" dirty="0">
-                <a:solidFill>
-                  <a:srgbClr val="000000"/>
-                </a:solidFill>
-                <a:latin typeface="Consolas" panose="020B0609020204030204" pitchFamily="49" charset="0"/>
-              </a:rPr>
-              <a:t>(</a:t>
-            </a:r>
-            <a:r>
-              <a:rPr lang="en-US" dirty="0">
-                <a:solidFill>
-                  <a:srgbClr val="A31515"/>
-                </a:solidFill>
-                <a:latin typeface="Consolas" panose="020B0609020204030204" pitchFamily="49" charset="0"/>
-              </a:rPr>
-              <a:t>"show info about free disk space"</a:t>
-            </a:r>
-            <a:r>
-              <a:rPr lang="en-US" dirty="0">
-                <a:solidFill>
-                  <a:srgbClr val="000000"/>
-                </a:solidFill>
-                <a:latin typeface="Consolas" panose="020B0609020204030204" pitchFamily="49" charset="0"/>
-              </a:rPr>
-              <a:t>, </a:t>
-            </a:r>
-            <a:r>
-              <a:rPr lang="en-US" dirty="0">
+              <a:rPr lang="en-US" sz="2200" dirty="0">
                 <a:solidFill>
                   <a:srgbClr val="0000FF"/>
                 </a:solidFill>
                 <a:latin typeface="Consolas" panose="020B0609020204030204" pitchFamily="49" charset="0"/>
               </a:rPr>
-              <a:t>true</a:t>
-            </a:r>
-            <a:r>
-              <a:rPr lang="en-US" dirty="0">
-                <a:solidFill>
-                  <a:srgbClr val="000000"/>
-                </a:solidFill>
-                <a:latin typeface="Consolas" panose="020B0609020204030204" pitchFamily="49" charset="0"/>
-              </a:rPr>
-              <a:t>)]</a:t>
-            </a:r>
-          </a:p>
-          <a:p>
-            <a:r>
-              <a:rPr lang="en-US" dirty="0">
-                <a:solidFill>
-                  <a:srgbClr val="000000"/>
-                </a:solidFill>
-                <a:latin typeface="Consolas" panose="020B0609020204030204" pitchFamily="49" charset="0"/>
-              </a:rPr>
-              <a:t>        </a:t>
-            </a:r>
-            <a:r>
-              <a:rPr lang="en-US" dirty="0">
+              <a:t>	public</a:t>
+            </a:r>
+            <a:r>
+              <a:rPr lang="en-US" sz="2200" dirty="0">
+                <a:solidFill>
+                  <a:srgbClr val="000000"/>
+                </a:solidFill>
+                <a:latin typeface="Consolas" panose="020B0609020204030204" pitchFamily="49" charset="0"/>
+              </a:rPr>
+              <a:t> </a:t>
+            </a:r>
+            <a:r>
+              <a:rPr lang="en-US" sz="2200" dirty="0">
                 <a:solidFill>
                   <a:srgbClr val="0000FF"/>
                 </a:solidFill>
                 <a:latin typeface="Consolas" panose="020B0609020204030204" pitchFamily="49" charset="0"/>
               </a:rPr>
-              <a:t>public</a:t>
-            </a:r>
-            <a:r>
-              <a:rPr lang="en-US" dirty="0">
+              <a:t>override</a:t>
+            </a:r>
+            <a:r>
+              <a:rPr lang="en-US" sz="2200" dirty="0">
                 <a:solidFill>
                   <a:srgbClr val="000000"/>
                 </a:solidFill>
@@ -14685,16 +15477,34 @@
               <a:t> </a:t>
             </a:r>
             <a:r>
-              <a:rPr lang="en-US" dirty="0" err="1">
+              <a:rPr lang="en-US" sz="2200" dirty="0">
                 <a:solidFill>
                   <a:srgbClr val="0000FF"/>
                 </a:solidFill>
                 <a:latin typeface="Consolas" panose="020B0609020204030204" pitchFamily="49" charset="0"/>
               </a:rPr>
-              <a:t>async</a:t>
-            </a:r>
-            <a:r>
-              <a:rPr lang="en-US" dirty="0">
+              <a:t>bool</a:t>
+            </a:r>
+            <a:r>
+              <a:rPr lang="en-US" sz="2200" dirty="0">
+                <a:solidFill>
+                  <a:srgbClr val="000000"/>
+                </a:solidFill>
+                <a:latin typeface="Consolas" panose="020B0609020204030204" pitchFamily="49" charset="0"/>
+              </a:rPr>
+              <a:t> Equals(</a:t>
+            </a:r>
+            <a:r>
+              <a:rPr lang="en-US" sz="2200" dirty="0">
+                <a:solidFill>
+                  <a:srgbClr val="0000FF"/>
+                </a:solidFill>
+                <a:latin typeface="Consolas" panose="020B0609020204030204" pitchFamily="49" charset="0"/>
+              </a:rPr>
+              <a:t>object</a:t>
+            </a:r>
+            <a:r>
+              <a:rPr lang="en-US" sz="2200" dirty="0">
                 <a:solidFill>
                   <a:srgbClr val="000000"/>
                 </a:solidFill>
@@ -14703,47 +15513,24 @@
               <a:t> </a:t>
             </a:r>
             <a:r>
-              <a:rPr lang="en-US" dirty="0">
-                <a:solidFill>
-                  <a:srgbClr val="2B91AF"/>
-                </a:solidFill>
-                <a:latin typeface="Consolas" panose="020B0609020204030204" pitchFamily="49" charset="0"/>
-              </a:rPr>
-              <a:t>Task</a:t>
-            </a:r>
-            <a:r>
-              <a:rPr lang="en-US" dirty="0">
-                <a:solidFill>
-                  <a:srgbClr val="000000"/>
-                </a:solidFill>
-                <a:latin typeface="Consolas" panose="020B0609020204030204" pitchFamily="49" charset="0"/>
-              </a:rPr>
-              <a:t> </a:t>
-            </a:r>
-            <a:r>
-              <a:rPr lang="en-US" dirty="0">
-                <a:solidFill>
-                  <a:srgbClr val="000000"/>
-                </a:solidFill>
-                <a:highlight>
-                  <a:srgbClr val="00FF00"/>
-                </a:highlight>
-                <a:latin typeface="Consolas" panose="020B0609020204030204" pitchFamily="49" charset="0"/>
-              </a:rPr>
-              <a:t>Info()</a:t>
-            </a:r>
-            <a:r>
-              <a:rPr lang="ru-RU" dirty="0">
-                <a:solidFill>
-                  <a:srgbClr val="000000"/>
-                </a:solidFill>
-                <a:latin typeface="Consolas" panose="020B0609020204030204" pitchFamily="49" charset="0"/>
-              </a:rPr>
-              <a:t> { … }</a:t>
-            </a:r>
-          </a:p>
-          <a:p>
-            <a:endParaRPr lang="ru-RU" dirty="0">
+              <a:rPr lang="en-US" sz="2200" dirty="0" err="1">
+                <a:solidFill>
+                  <a:srgbClr val="000000"/>
+                </a:solidFill>
+                <a:latin typeface="Consolas" panose="020B0609020204030204" pitchFamily="49" charset="0"/>
+              </a:rPr>
+              <a:t>obj</a:t>
+            </a:r>
+            <a:r>
+              <a:rPr lang="en-US" sz="2200" dirty="0">
+                <a:solidFill>
+                  <a:srgbClr val="000000"/>
+                </a:solidFill>
+                <a:latin typeface="Consolas" panose="020B0609020204030204" pitchFamily="49" charset="0"/>
+              </a:rPr>
+              <a:t>) { … }</a:t>
+            </a:r>
+            <a:endParaRPr lang="ru-RU" sz="2200" dirty="0">
               <a:solidFill>
                 <a:srgbClr val="000000"/>
               </a:solidFill>
@@ -14752,90 +15539,96 @@
           </a:p>
           <a:p>
             <a:r>
-              <a:rPr lang="en-US" dirty="0">
-                <a:solidFill>
-                  <a:srgbClr val="000000"/>
-                </a:solidFill>
-                <a:latin typeface="Consolas" panose="020B0609020204030204" pitchFamily="49" charset="0"/>
-              </a:rPr>
-              <a:t>        [</a:t>
-            </a:r>
-            <a:r>
-              <a:rPr lang="en-US" dirty="0">
+              <a:rPr lang="en-US" sz="2200" dirty="0">
+                <a:solidFill>
+                  <a:srgbClr val="0000FF"/>
+                </a:solidFill>
+                <a:latin typeface="Consolas" panose="020B0609020204030204" pitchFamily="49" charset="0"/>
+              </a:rPr>
+              <a:t>	public</a:t>
+            </a:r>
+            <a:r>
+              <a:rPr lang="en-US" sz="2200" dirty="0">
+                <a:solidFill>
+                  <a:srgbClr val="000000"/>
+                </a:solidFill>
+                <a:latin typeface="Consolas" panose="020B0609020204030204" pitchFamily="49" charset="0"/>
+              </a:rPr>
+              <a:t> </a:t>
+            </a:r>
+            <a:r>
+              <a:rPr lang="en-US" sz="2200" dirty="0">
+                <a:solidFill>
+                  <a:srgbClr val="0000FF"/>
+                </a:solidFill>
+                <a:latin typeface="Consolas" panose="020B0609020204030204" pitchFamily="49" charset="0"/>
+              </a:rPr>
+              <a:t>bool</a:t>
+            </a:r>
+            <a:r>
+              <a:rPr lang="en-US" sz="2200" dirty="0">
+                <a:solidFill>
+                  <a:srgbClr val="000000"/>
+                </a:solidFill>
+                <a:latin typeface="Consolas" panose="020B0609020204030204" pitchFamily="49" charset="0"/>
+              </a:rPr>
+              <a:t> Equals(</a:t>
+            </a:r>
+            <a:r>
+              <a:rPr lang="en-US" sz="2200" dirty="0" err="1">
                 <a:solidFill>
                   <a:srgbClr val="2B91AF"/>
                 </a:solidFill>
                 <a:latin typeface="Consolas" panose="020B0609020204030204" pitchFamily="49" charset="0"/>
               </a:rPr>
-              <a:t>Command</a:t>
-            </a:r>
-            <a:r>
-              <a:rPr lang="en-US" dirty="0">
-                <a:solidFill>
-                  <a:srgbClr val="000000"/>
-                </a:solidFill>
-                <a:latin typeface="Consolas" panose="020B0609020204030204" pitchFamily="49" charset="0"/>
-              </a:rPr>
-              <a:t>(</a:t>
-            </a:r>
-            <a:r>
-              <a:rPr lang="en-US" dirty="0">
-                <a:solidFill>
-                  <a:srgbClr val="A31515"/>
-                </a:solidFill>
-                <a:latin typeface="Consolas" panose="020B0609020204030204" pitchFamily="49" charset="0"/>
-              </a:rPr>
-              <a:t>"show info about file or directory"</a:t>
-            </a:r>
-            <a:r>
-              <a:rPr lang="en-US" dirty="0">
-                <a:solidFill>
-                  <a:srgbClr val="000000"/>
-                </a:solidFill>
-                <a:latin typeface="Consolas" panose="020B0609020204030204" pitchFamily="49" charset="0"/>
-              </a:rPr>
-              <a:t>, </a:t>
-            </a:r>
-            <a:r>
-              <a:rPr lang="en-US" dirty="0">
+              <a:t>OAuthCredentials</a:t>
+            </a:r>
+            <a:r>
+              <a:rPr lang="en-US" sz="2200" dirty="0">
+                <a:solidFill>
+                  <a:srgbClr val="000000"/>
+                </a:solidFill>
+                <a:latin typeface="Consolas" panose="020B0609020204030204" pitchFamily="49" charset="0"/>
+              </a:rPr>
+              <a:t> other) { … }</a:t>
+            </a:r>
+            <a:endParaRPr lang="ru-RU" sz="2200" dirty="0">
+              <a:solidFill>
+                <a:srgbClr val="000000"/>
+              </a:solidFill>
+              <a:latin typeface="Consolas" panose="020B0609020204030204" pitchFamily="49" charset="0"/>
+            </a:endParaRPr>
+          </a:p>
+          <a:p>
+            <a:r>
+              <a:rPr lang="en-US" sz="2200" dirty="0">
                 <a:solidFill>
                   <a:srgbClr val="0000FF"/>
                 </a:solidFill>
                 <a:latin typeface="Consolas" panose="020B0609020204030204" pitchFamily="49" charset="0"/>
               </a:rPr>
-              <a:t>true</a:t>
-            </a:r>
-            <a:r>
-              <a:rPr lang="en-US" dirty="0">
-                <a:solidFill>
-                  <a:srgbClr val="000000"/>
-                </a:solidFill>
-                <a:latin typeface="Consolas" panose="020B0609020204030204" pitchFamily="49" charset="0"/>
-              </a:rPr>
-              <a:t>)]</a:t>
-            </a:r>
-          </a:p>
-          <a:p>
-            <a:r>
-              <a:rPr lang="en-US" dirty="0">
-                <a:solidFill>
-                  <a:srgbClr val="000000"/>
-                </a:solidFill>
-                <a:latin typeface="Consolas" panose="020B0609020204030204" pitchFamily="49" charset="0"/>
-              </a:rPr>
-              <a:t>        </a:t>
-            </a:r>
-            <a:r>
-              <a:rPr lang="en-US" dirty="0">
+              <a:t>	public</a:t>
+            </a:r>
+            <a:r>
+              <a:rPr lang="en-US" sz="2200" dirty="0">
+                <a:solidFill>
+                  <a:srgbClr val="000000"/>
+                </a:solidFill>
+                <a:latin typeface="Consolas" panose="020B0609020204030204" pitchFamily="49" charset="0"/>
+              </a:rPr>
+              <a:t> </a:t>
+            </a:r>
+            <a:r>
+              <a:rPr lang="en-US" sz="2200" dirty="0">
                 <a:solidFill>
                   <a:srgbClr val="0000FF"/>
                 </a:solidFill>
                 <a:latin typeface="Consolas" panose="020B0609020204030204" pitchFamily="49" charset="0"/>
               </a:rPr>
-              <a:t>public</a:t>
-            </a:r>
-            <a:r>
-              <a:rPr lang="en-US" dirty="0">
+              <a:t>override</a:t>
+            </a:r>
+            <a:r>
+              <a:rPr lang="en-US" sz="2200" dirty="0">
                 <a:solidFill>
                   <a:srgbClr val="000000"/>
                 </a:solidFill>
@@ -14844,16 +15637,16 @@
               <a:t> </a:t>
             </a:r>
             <a:r>
-              <a:rPr lang="en-US" dirty="0" err="1">
+              <a:rPr lang="en-US" sz="2200" dirty="0" err="1">
                 <a:solidFill>
                   <a:srgbClr val="0000FF"/>
                 </a:solidFill>
                 <a:latin typeface="Consolas" panose="020B0609020204030204" pitchFamily="49" charset="0"/>
               </a:rPr>
-              <a:t>async</a:t>
-            </a:r>
-            <a:r>
-              <a:rPr lang="en-US" dirty="0">
+              <a:t>int</a:t>
+            </a:r>
+            <a:r>
+              <a:rPr lang="en-US" sz="2200" dirty="0">
                 <a:solidFill>
                   <a:srgbClr val="000000"/>
                 </a:solidFill>
@@ -14862,84 +15655,33 @@
               <a:t> </a:t>
             </a:r>
             <a:r>
-              <a:rPr lang="en-US" dirty="0">
-                <a:solidFill>
-                  <a:srgbClr val="2B91AF"/>
-                </a:solidFill>
-                <a:latin typeface="Consolas" panose="020B0609020204030204" pitchFamily="49" charset="0"/>
-              </a:rPr>
-              <a:t>Task</a:t>
-            </a:r>
-            <a:r>
-              <a:rPr lang="en-US" dirty="0">
-                <a:solidFill>
-                  <a:srgbClr val="000000"/>
-                </a:solidFill>
-                <a:latin typeface="Consolas" panose="020B0609020204030204" pitchFamily="49" charset="0"/>
-              </a:rPr>
-              <a:t> </a:t>
-            </a:r>
-            <a:r>
-              <a:rPr lang="en-US" dirty="0">
-                <a:solidFill>
-                  <a:srgbClr val="000000"/>
-                </a:solidFill>
-                <a:highlight>
-                  <a:srgbClr val="00FF00"/>
-                </a:highlight>
-                <a:latin typeface="Consolas" panose="020B0609020204030204" pitchFamily="49" charset="0"/>
-              </a:rPr>
-              <a:t>Info(</a:t>
-            </a:r>
-            <a:r>
-              <a:rPr lang="en-US" dirty="0">
-                <a:solidFill>
-                  <a:srgbClr val="0000FF"/>
-                </a:solidFill>
-                <a:highlight>
-                  <a:srgbClr val="00FF00"/>
-                </a:highlight>
-                <a:latin typeface="Consolas" panose="020B0609020204030204" pitchFamily="49" charset="0"/>
-              </a:rPr>
-              <a:t>string</a:t>
-            </a:r>
-            <a:r>
-              <a:rPr lang="en-US" dirty="0">
-                <a:solidFill>
-                  <a:srgbClr val="000000"/>
-                </a:solidFill>
-                <a:highlight>
-                  <a:srgbClr val="00FF00"/>
-                </a:highlight>
-                <a:latin typeface="Consolas" panose="020B0609020204030204" pitchFamily="49" charset="0"/>
-              </a:rPr>
-              <a:t> path)</a:t>
-            </a:r>
-            <a:r>
-              <a:rPr lang="ru-RU" dirty="0">
-                <a:solidFill>
-                  <a:srgbClr val="000000"/>
-                </a:solidFill>
-                <a:highlight>
-                  <a:srgbClr val="00FF00"/>
-                </a:highlight>
-                <a:latin typeface="Consolas" panose="020B0609020204030204" pitchFamily="49" charset="0"/>
-              </a:rPr>
-              <a:t> </a:t>
-            </a:r>
-            <a:r>
-              <a:rPr lang="ru-RU" dirty="0">
-                <a:solidFill>
-                  <a:srgbClr val="000000"/>
-                </a:solidFill>
-                <a:latin typeface="Consolas" panose="020B0609020204030204" pitchFamily="49" charset="0"/>
-              </a:rPr>
-              <a:t>{ … }</a:t>
-            </a:r>
-          </a:p>
-          <a:p>
-            <a:r>
-              <a:rPr lang="ru-RU" dirty="0">
+              <a:rPr lang="en-US" sz="2200" dirty="0" err="1">
+                <a:solidFill>
+                  <a:srgbClr val="000000"/>
+                </a:solidFill>
+                <a:latin typeface="Consolas" panose="020B0609020204030204" pitchFamily="49" charset="0"/>
+              </a:rPr>
+              <a:t>GetHashCode</a:t>
+            </a:r>
+            <a:r>
+              <a:rPr lang="en-US" sz="2200" dirty="0">
+                <a:solidFill>
+                  <a:srgbClr val="000000"/>
+                </a:solidFill>
+                <a:latin typeface="Consolas" panose="020B0609020204030204" pitchFamily="49" charset="0"/>
+              </a:rPr>
+              <a:t>() { … }</a:t>
+            </a:r>
+            <a:endParaRPr lang="ru-RU" sz="2200" dirty="0">
+              <a:solidFill>
+                <a:srgbClr val="000000"/>
+              </a:solidFill>
+              <a:latin typeface="Consolas" panose="020B0609020204030204" pitchFamily="49" charset="0"/>
+            </a:endParaRPr>
+          </a:p>
+          <a:p>
+            <a:r>
+              <a:rPr lang="ru-RU" sz="2200" dirty="0">
                 <a:solidFill>
                   <a:srgbClr val="000000"/>
                 </a:solidFill>
@@ -14947,14 +15689,14 @@
               </a:rPr>
               <a:t>}</a:t>
             </a:r>
-            <a:endParaRPr lang="ru-RU" dirty="0"/>
+            <a:endParaRPr lang="ru-RU" sz="2200" dirty="0"/>
           </a:p>
         </p:txBody>
       </p:sp>
     </p:spTree>
     <p:extLst>
       <p:ext uri="{BB962C8B-B14F-4D97-AF65-F5344CB8AC3E}">
-        <p14:creationId xmlns:p14="http://schemas.microsoft.com/office/powerpoint/2010/main" val="2178374992"/>
+        <p14:creationId xmlns:p14="http://schemas.microsoft.com/office/powerpoint/2010/main" val="1421407788"/>
       </p:ext>
     </p:extLst>
   </p:cSld>
@@ -14989,8 +15731,8 @@
         </p:nvSpPr>
         <p:spPr>
           <a:xfrm>
-            <a:off x="885524" y="577572"/>
-            <a:ext cx="12192000" cy="5909310"/>
+            <a:off x="1142196" y="409670"/>
+            <a:ext cx="10087278" cy="2462213"/>
           </a:xfrm>
           <a:prstGeom prst="rect">
             <a:avLst/>
@@ -15003,34 +15745,34 @@
           <a:lstStyle/>
           <a:p>
             <a:r>
-              <a:rPr lang="en-US" dirty="0" err="1">
+              <a:rPr lang="en-US" sz="2200" dirty="0">
                 <a:solidFill>
                   <a:srgbClr val="0000FF"/>
                 </a:solidFill>
                 <a:latin typeface="Consolas" panose="020B0609020204030204" pitchFamily="49" charset="0"/>
               </a:rPr>
-              <a:t>var</a:t>
-            </a:r>
-            <a:r>
-              <a:rPr lang="en-US" dirty="0">
-                <a:solidFill>
-                  <a:srgbClr val="000000"/>
-                </a:solidFill>
-                <a:latin typeface="Consolas" panose="020B0609020204030204" pitchFamily="49" charset="0"/>
-              </a:rPr>
-              <a:t> kernel = </a:t>
-            </a:r>
-            <a:r>
-              <a:rPr lang="en-US" dirty="0">
+              <a:t>public</a:t>
+            </a:r>
+            <a:r>
+              <a:rPr lang="en-US" sz="2200" dirty="0">
+                <a:solidFill>
+                  <a:srgbClr val="000000"/>
+                </a:solidFill>
+                <a:latin typeface="Consolas" panose="020B0609020204030204" pitchFamily="49" charset="0"/>
+              </a:rPr>
+              <a:t> </a:t>
+            </a:r>
+            <a:r>
+              <a:rPr lang="en-US" sz="2200" dirty="0">
                 <a:solidFill>
                   <a:srgbClr val="0000FF"/>
                 </a:solidFill>
                 <a:latin typeface="Consolas" panose="020B0609020204030204" pitchFamily="49" charset="0"/>
               </a:rPr>
-              <a:t>new</a:t>
-            </a:r>
-            <a:r>
-              <a:rPr lang="en-US" dirty="0">
+              <a:t>interface</a:t>
+            </a:r>
+            <a:r>
+              <a:rPr lang="en-US" sz="2200" dirty="0">
                 <a:solidFill>
                   <a:srgbClr val="000000"/>
                 </a:solidFill>
@@ -15039,93 +15781,15 @@
               <a:t> </a:t>
             </a:r>
             <a:r>
-              <a:rPr lang="en-US" dirty="0" err="1">
+              <a:rPr lang="en-US" sz="2200" dirty="0" err="1">
                 <a:solidFill>
                   <a:srgbClr val="2B91AF"/>
                 </a:solidFill>
                 <a:latin typeface="Consolas" panose="020B0609020204030204" pitchFamily="49" charset="0"/>
               </a:rPr>
-              <a:t>StandardKernel</a:t>
-            </a:r>
-            <a:r>
-              <a:rPr lang="en-US" dirty="0">
-                <a:solidFill>
-                  <a:srgbClr val="000000"/>
-                </a:solidFill>
-                <a:latin typeface="Consolas" panose="020B0609020204030204" pitchFamily="49" charset="0"/>
-              </a:rPr>
-              <a:t>();</a:t>
-            </a:r>
-          </a:p>
-          <a:p>
-            <a:r>
-              <a:rPr lang="en-US" dirty="0" err="1">
-                <a:solidFill>
-                  <a:srgbClr val="000000"/>
-                </a:solidFill>
-                <a:latin typeface="Consolas" panose="020B0609020204030204" pitchFamily="49" charset="0"/>
-              </a:rPr>
-              <a:t>kernel.Bind</a:t>
-            </a:r>
-            <a:r>
-              <a:rPr lang="en-US" dirty="0">
-                <a:solidFill>
-                  <a:srgbClr val="000000"/>
-                </a:solidFill>
-                <a:latin typeface="Consolas" panose="020B0609020204030204" pitchFamily="49" charset="0"/>
-              </a:rPr>
-              <a:t>(</a:t>
-            </a:r>
-            <a:r>
-              <a:rPr lang="en-US" dirty="0" err="1">
-                <a:solidFill>
-                  <a:srgbClr val="000000"/>
-                </a:solidFill>
-                <a:latin typeface="Consolas" panose="020B0609020204030204" pitchFamily="49" charset="0"/>
-              </a:rPr>
-              <a:t>scaner</a:t>
-            </a:r>
-            <a:r>
-              <a:rPr lang="en-US" dirty="0">
-                <a:solidFill>
-                  <a:srgbClr val="000000"/>
-                </a:solidFill>
-                <a:latin typeface="Consolas" panose="020B0609020204030204" pitchFamily="49" charset="0"/>
-              </a:rPr>
-              <a:t> =&gt;</a:t>
-            </a:r>
-          </a:p>
-          <a:p>
-            <a:r>
-              <a:rPr lang="ru-RU" dirty="0">
-                <a:solidFill>
-                  <a:srgbClr val="000000"/>
-                </a:solidFill>
-                <a:latin typeface="Consolas" panose="020B0609020204030204" pitchFamily="49" charset="0"/>
-              </a:rPr>
-              <a:t>{</a:t>
-            </a:r>
-          </a:p>
-          <a:p>
-            <a:r>
-              <a:rPr lang="ru-RU" dirty="0">
-                <a:solidFill>
-                  <a:srgbClr val="000000"/>
-                </a:solidFill>
-                <a:latin typeface="Consolas" panose="020B0609020204030204" pitchFamily="49" charset="0"/>
-              </a:rPr>
-              <a:t>	</a:t>
-            </a:r>
-            <a:r>
-              <a:rPr lang="en-US" dirty="0">
-                <a:solidFill>
-                  <a:srgbClr val="000000"/>
-                </a:solidFill>
-                <a:latin typeface="Consolas" panose="020B0609020204030204" pitchFamily="49" charset="0"/>
-              </a:rPr>
-              <a:t>scanner</a:t>
-            </a:r>
-            <a:endParaRPr lang="ru-RU" dirty="0">
+              <a:t>IHostingManager</a:t>
+            </a:r>
+            <a:endParaRPr lang="en-US" sz="2200" dirty="0">
               <a:solidFill>
                 <a:srgbClr val="000000"/>
               </a:solidFill>
@@ -15134,185 +15798,55 @@
           </a:p>
           <a:p>
             <a:r>
-              <a:rPr lang="ru-RU" dirty="0">
-                <a:solidFill>
-                  <a:srgbClr val="000000"/>
-                </a:solidFill>
-                <a:latin typeface="Consolas" panose="020B0609020204030204" pitchFamily="49" charset="0"/>
-              </a:rPr>
-              <a:t>		</a:t>
-            </a:r>
-            <a:r>
-              <a:rPr lang="en-US" dirty="0">
-                <a:solidFill>
-                  <a:srgbClr val="000000"/>
-                </a:solidFill>
-                <a:latin typeface="Consolas" panose="020B0609020204030204" pitchFamily="49" charset="0"/>
-              </a:rPr>
-              <a:t>.</a:t>
-            </a:r>
-            <a:r>
-              <a:rPr lang="en-US" dirty="0" err="1">
-                <a:solidFill>
-                  <a:srgbClr val="000000"/>
-                </a:solidFill>
-                <a:latin typeface="Consolas" panose="020B0609020204030204" pitchFamily="49" charset="0"/>
-              </a:rPr>
-              <a:t>FromAssembliesInPath</a:t>
-            </a:r>
-            <a:r>
-              <a:rPr lang="en-US" dirty="0">
-                <a:solidFill>
-                  <a:srgbClr val="000000"/>
-                </a:solidFill>
-                <a:latin typeface="Consolas" panose="020B0609020204030204" pitchFamily="49" charset="0"/>
-              </a:rPr>
-              <a:t>(</a:t>
-            </a:r>
-            <a:r>
-              <a:rPr lang="en-US" dirty="0" err="1">
-                <a:solidFill>
-                  <a:srgbClr val="000000"/>
-                </a:solidFill>
-                <a:latin typeface="Consolas" panose="020B0609020204030204" pitchFamily="49" charset="0"/>
-              </a:rPr>
-              <a:t>hostings.FullName</a:t>
-            </a:r>
-            <a:r>
-              <a:rPr lang="en-US" dirty="0">
-                <a:solidFill>
-                  <a:srgbClr val="000000"/>
-                </a:solidFill>
-                <a:latin typeface="Consolas" panose="020B0609020204030204" pitchFamily="49" charset="0"/>
-              </a:rPr>
-              <a:t>)</a:t>
-            </a:r>
-          </a:p>
-          <a:p>
-            <a:r>
-              <a:rPr lang="ru-RU" dirty="0">
-                <a:solidFill>
-                  <a:srgbClr val="000000"/>
-                </a:solidFill>
-                <a:latin typeface="Consolas" panose="020B0609020204030204" pitchFamily="49" charset="0"/>
-              </a:rPr>
-              <a:t>		</a:t>
-            </a:r>
-            <a:r>
-              <a:rPr lang="en-US" dirty="0">
-                <a:solidFill>
-                  <a:srgbClr val="000000"/>
-                </a:solidFill>
-                <a:latin typeface="Consolas" panose="020B0609020204030204" pitchFamily="49" charset="0"/>
-              </a:rPr>
-              <a:t>.Select(t =&gt; </a:t>
-            </a:r>
-            <a:r>
-              <a:rPr lang="en-US" dirty="0" err="1">
+              <a:rPr lang="ru-RU" sz="2200" dirty="0">
+                <a:solidFill>
+                  <a:srgbClr val="000000"/>
+                </a:solidFill>
+                <a:latin typeface="Consolas" panose="020B0609020204030204" pitchFamily="49" charset="0"/>
+              </a:rPr>
+              <a:t>{</a:t>
+            </a:r>
+          </a:p>
+          <a:p>
+            <a:r>
+              <a:rPr lang="en-US" sz="2200" dirty="0">
                 <a:solidFill>
                   <a:srgbClr val="0000FF"/>
                 </a:solidFill>
                 <a:latin typeface="Consolas" panose="020B0609020204030204" pitchFamily="49" charset="0"/>
               </a:rPr>
-              <a:t>typeof</a:t>
-            </a:r>
-            <a:r>
-              <a:rPr lang="en-US" dirty="0">
-                <a:solidFill>
-                  <a:srgbClr val="000000"/>
-                </a:solidFill>
-                <a:latin typeface="Consolas" panose="020B0609020204030204" pitchFamily="49" charset="0"/>
-              </a:rPr>
-              <a:t>(</a:t>
-            </a:r>
-            <a:r>
-              <a:rPr lang="en-US" dirty="0" err="1">
-                <a:solidFill>
-                  <a:srgbClr val="2B91AF"/>
-                </a:solidFill>
-                <a:latin typeface="Consolas" panose="020B0609020204030204" pitchFamily="49" charset="0"/>
-              </a:rPr>
-              <a:t>IHostingManager</a:t>
-            </a:r>
-            <a:r>
-              <a:rPr lang="en-US" dirty="0">
-                <a:solidFill>
-                  <a:srgbClr val="000000"/>
-                </a:solidFill>
-                <a:latin typeface="Consolas" panose="020B0609020204030204" pitchFamily="49" charset="0"/>
-              </a:rPr>
-              <a:t>).</a:t>
-            </a:r>
-            <a:r>
-              <a:rPr lang="en-US" dirty="0" err="1">
-                <a:solidFill>
-                  <a:srgbClr val="000000"/>
-                </a:solidFill>
-                <a:latin typeface="Consolas" panose="020B0609020204030204" pitchFamily="49" charset="0"/>
-              </a:rPr>
-              <a:t>IsAssignableFrom</a:t>
-            </a:r>
-            <a:r>
-              <a:rPr lang="en-US" dirty="0">
-                <a:solidFill>
-                  <a:srgbClr val="000000"/>
-                </a:solidFill>
-                <a:latin typeface="Consolas" panose="020B0609020204030204" pitchFamily="49" charset="0"/>
-              </a:rPr>
-              <a:t>(t))</a:t>
-            </a:r>
-          </a:p>
-          <a:p>
-            <a:r>
-              <a:rPr lang="ru-RU" dirty="0">
-                <a:solidFill>
-                  <a:srgbClr val="000000"/>
-                </a:solidFill>
-                <a:latin typeface="Consolas" panose="020B0609020204030204" pitchFamily="49" charset="0"/>
-              </a:rPr>
-              <a:t>		</a:t>
-            </a:r>
-            <a:r>
-              <a:rPr lang="en-US" dirty="0">
-                <a:solidFill>
-                  <a:srgbClr val="000000"/>
-                </a:solidFill>
-                <a:latin typeface="Consolas" panose="020B0609020204030204" pitchFamily="49" charset="0"/>
-              </a:rPr>
-              <a:t>.</a:t>
-            </a:r>
-            <a:r>
-              <a:rPr lang="en-US" dirty="0" err="1">
-                <a:solidFill>
-                  <a:srgbClr val="000000"/>
-                </a:solidFill>
-                <a:latin typeface="Consolas" panose="020B0609020204030204" pitchFamily="49" charset="0"/>
-              </a:rPr>
-              <a:t>BindAllInterfaces</a:t>
-            </a:r>
-            <a:r>
-              <a:rPr lang="en-US" dirty="0">
-                <a:solidFill>
-                  <a:srgbClr val="000000"/>
-                </a:solidFill>
-                <a:latin typeface="Consolas" panose="020B0609020204030204" pitchFamily="49" charset="0"/>
-              </a:rPr>
-              <a:t>();</a:t>
-            </a:r>
-          </a:p>
-          <a:p>
-            <a:r>
-              <a:rPr lang="ru-RU" dirty="0">
-                <a:solidFill>
-                  <a:srgbClr val="000000"/>
-                </a:solidFill>
-                <a:latin typeface="Consolas" panose="020B0609020204030204" pitchFamily="49" charset="0"/>
-              </a:rPr>
-              <a:t>});</a:t>
-            </a:r>
-          </a:p>
-          <a:p>
-            <a:endParaRPr lang="ru-RU" dirty="0">
+              <a:t>	string</a:t>
+            </a:r>
+            <a:r>
+              <a:rPr lang="en-US" sz="2200" dirty="0">
+                <a:solidFill>
+                  <a:srgbClr val="000000"/>
+                </a:solidFill>
+                <a:latin typeface="Consolas" panose="020B0609020204030204" pitchFamily="49" charset="0"/>
+              </a:rPr>
+              <a:t> Name { </a:t>
+            </a:r>
+            <a:r>
+              <a:rPr lang="en-US" sz="2200" dirty="0">
+                <a:solidFill>
+                  <a:srgbClr val="0000FF"/>
+                </a:solidFill>
+                <a:latin typeface="Consolas" panose="020B0609020204030204" pitchFamily="49" charset="0"/>
+              </a:rPr>
+              <a:t>get</a:t>
+            </a:r>
+            <a:r>
+              <a:rPr lang="en-US" sz="2200" dirty="0">
+                <a:solidFill>
+                  <a:srgbClr val="000000"/>
+                </a:solidFill>
+                <a:latin typeface="Consolas" panose="020B0609020204030204" pitchFamily="49" charset="0"/>
+              </a:rPr>
+              <a:t>; }</a:t>
+            </a:r>
+          </a:p>
+          <a:p>
+            <a:endParaRPr lang="ru-RU" sz="2200" dirty="0">
               <a:solidFill>
                 <a:srgbClr val="000000"/>
               </a:solidFill>
@@ -15321,16 +15855,43 @@
           </a:p>
           <a:p>
             <a:r>
-              <a:rPr lang="en-US" dirty="0" err="1">
-                <a:solidFill>
-                  <a:srgbClr val="000000"/>
-                </a:solidFill>
-                <a:latin typeface="Consolas" panose="020B0609020204030204" pitchFamily="49" charset="0"/>
-              </a:rPr>
-              <a:t>kernel.Bind</a:t>
-            </a:r>
-            <a:r>
-              <a:rPr lang="en-US" dirty="0">
+              <a:rPr lang="en-US" sz="2200" dirty="0">
+                <a:solidFill>
+                  <a:srgbClr val="2B91AF"/>
+                </a:solidFill>
+                <a:latin typeface="Consolas" panose="020B0609020204030204" pitchFamily="49" charset="0"/>
+              </a:rPr>
+              <a:t>	</a:t>
+            </a:r>
+            <a:r>
+              <a:rPr lang="en-US" sz="2200" dirty="0" err="1">
+                <a:solidFill>
+                  <a:srgbClr val="2B91AF"/>
+                </a:solidFill>
+                <a:latin typeface="Consolas" panose="020B0609020204030204" pitchFamily="49" charset="0"/>
+              </a:rPr>
+              <a:t>IHosting</a:t>
+            </a:r>
+            <a:r>
+              <a:rPr lang="en-US" sz="2200" dirty="0">
+                <a:solidFill>
+                  <a:srgbClr val="000000"/>
+                </a:solidFill>
+                <a:latin typeface="Consolas" panose="020B0609020204030204" pitchFamily="49" charset="0"/>
+              </a:rPr>
+              <a:t> </a:t>
+            </a:r>
+            <a:r>
+              <a:rPr lang="en-US" sz="2200" dirty="0" err="1">
+                <a:solidFill>
+                  <a:srgbClr val="000000"/>
+                </a:solidFill>
+                <a:latin typeface="Consolas" panose="020B0609020204030204" pitchFamily="49" charset="0"/>
+              </a:rPr>
+              <a:t>GetFileHostingFor</a:t>
+            </a:r>
+            <a:r>
+              <a:rPr lang="en-US" sz="2200" dirty="0">
                 <a:solidFill>
                   <a:srgbClr val="000000"/>
                 </a:solidFill>
@@ -15339,55 +15900,161 @@
               <a:t>(</a:t>
             </a:r>
             <a:r>
-              <a:rPr lang="en-US" dirty="0" err="1">
-                <a:solidFill>
-                  <a:srgbClr val="000000"/>
-                </a:solidFill>
-                <a:latin typeface="Consolas" panose="020B0609020204030204" pitchFamily="49" charset="0"/>
-              </a:rPr>
-              <a:t>scaner</a:t>
-            </a:r>
-            <a:r>
-              <a:rPr lang="en-US" dirty="0">
-                <a:solidFill>
-                  <a:srgbClr val="000000"/>
-                </a:solidFill>
-                <a:latin typeface="Consolas" panose="020B0609020204030204" pitchFamily="49" charset="0"/>
-              </a:rPr>
-              <a:t> =&gt;</a:t>
-            </a:r>
-          </a:p>
-          <a:p>
-            <a:r>
-              <a:rPr lang="ru-RU" dirty="0">
-                <a:solidFill>
-                  <a:srgbClr val="000000"/>
-                </a:solidFill>
-                <a:latin typeface="Consolas" panose="020B0609020204030204" pitchFamily="49" charset="0"/>
-              </a:rPr>
-              <a:t>{</a:t>
-            </a:r>
-          </a:p>
-          <a:p>
-            <a:r>
-              <a:rPr lang="ru-RU" dirty="0">
-                <a:solidFill>
-                  <a:srgbClr val="000000"/>
-                </a:solidFill>
-                <a:latin typeface="Consolas" panose="020B0609020204030204" pitchFamily="49" charset="0"/>
-              </a:rPr>
-              <a:t>	</a:t>
-            </a:r>
-            <a:r>
-              <a:rPr lang="en-US" dirty="0" err="1">
-                <a:solidFill>
-                  <a:srgbClr val="000000"/>
-                </a:solidFill>
-                <a:latin typeface="Consolas" panose="020B0609020204030204" pitchFamily="49" charset="0"/>
-              </a:rPr>
-              <a:t>scaner</a:t>
-            </a:r>
-            <a:endParaRPr lang="en-US" dirty="0">
+              <a:rPr lang="en-US" sz="2200" dirty="0" err="1">
+                <a:solidFill>
+                  <a:srgbClr val="2B91AF"/>
+                </a:solidFill>
+                <a:latin typeface="Consolas" panose="020B0609020204030204" pitchFamily="49" charset="0"/>
+              </a:rPr>
+              <a:t>OAuthCredentials</a:t>
+            </a:r>
+            <a:r>
+              <a:rPr lang="en-US" sz="2200" dirty="0">
+                <a:solidFill>
+                  <a:srgbClr val="000000"/>
+                </a:solidFill>
+                <a:latin typeface="Consolas" panose="020B0609020204030204" pitchFamily="49" charset="0"/>
+              </a:rPr>
+              <a:t> credentials);</a:t>
+            </a:r>
+          </a:p>
+          <a:p>
+            <a:r>
+              <a:rPr lang="en-US" sz="2200" dirty="0">
+                <a:solidFill>
+                  <a:srgbClr val="2B91AF"/>
+                </a:solidFill>
+                <a:latin typeface="Consolas" panose="020B0609020204030204" pitchFamily="49" charset="0"/>
+              </a:rPr>
+              <a:t>	Task</a:t>
+            </a:r>
+            <a:r>
+              <a:rPr lang="en-US" sz="2200" dirty="0">
+                <a:solidFill>
+                  <a:srgbClr val="000000"/>
+                </a:solidFill>
+                <a:latin typeface="Consolas" panose="020B0609020204030204" pitchFamily="49" charset="0"/>
+              </a:rPr>
+              <a:t>&lt;</a:t>
+            </a:r>
+            <a:r>
+              <a:rPr lang="en-US" sz="2200" dirty="0" err="1">
+                <a:solidFill>
+                  <a:srgbClr val="2B91AF"/>
+                </a:solidFill>
+                <a:latin typeface="Consolas" panose="020B0609020204030204" pitchFamily="49" charset="0"/>
+              </a:rPr>
+              <a:t>OAuthCredentials</a:t>
+            </a:r>
+            <a:r>
+              <a:rPr lang="en-US" sz="2200" dirty="0">
+                <a:solidFill>
+                  <a:srgbClr val="000000"/>
+                </a:solidFill>
+                <a:latin typeface="Consolas" panose="020B0609020204030204" pitchFamily="49" charset="0"/>
+              </a:rPr>
+              <a:t>&gt; </a:t>
+            </a:r>
+            <a:r>
+              <a:rPr lang="en-US" sz="2200" dirty="0" err="1">
+                <a:solidFill>
+                  <a:srgbClr val="000000"/>
+                </a:solidFill>
+                <a:latin typeface="Consolas" panose="020B0609020204030204" pitchFamily="49" charset="0"/>
+              </a:rPr>
+              <a:t>AuthorizeAsync</a:t>
+            </a:r>
+            <a:r>
+              <a:rPr lang="en-US" sz="2200" dirty="0">
+                <a:solidFill>
+                  <a:srgbClr val="000000"/>
+                </a:solidFill>
+                <a:latin typeface="Consolas" panose="020B0609020204030204" pitchFamily="49" charset="0"/>
+              </a:rPr>
+              <a:t>();</a:t>
+            </a:r>
+          </a:p>
+          <a:p>
+            <a:r>
+              <a:rPr lang="ru-RU" sz="2200" dirty="0">
+                <a:solidFill>
+                  <a:srgbClr val="000000"/>
+                </a:solidFill>
+                <a:latin typeface="Consolas" panose="020B0609020204030204" pitchFamily="49" charset="0"/>
+              </a:rPr>
+              <a:t>}</a:t>
+            </a:r>
+            <a:endParaRPr lang="ru-RU" sz="2200" dirty="0"/>
+          </a:p>
+        </p:txBody>
+      </p:sp>
+      <p:sp>
+        <p:nvSpPr>
+          <p:cNvPr id="3" name="Прямоугольник 2"/>
+          <p:cNvSpPr/>
+          <p:nvPr/>
+        </p:nvSpPr>
+        <p:spPr>
+          <a:xfrm>
+            <a:off x="1142196" y="3814880"/>
+            <a:ext cx="8791074" cy="2123658"/>
+          </a:xfrm>
+          <a:prstGeom prst="rect">
+            <a:avLst/>
+          </a:prstGeom>
+        </p:spPr>
+        <p:txBody>
+          <a:bodyPr wrap="square">
+            <a:spAutoFit/>
+          </a:bodyPr>
+          <a:lstStyle/>
+          <a:p>
+            <a:r>
+              <a:rPr lang="en-US" sz="2200" dirty="0">
+                <a:solidFill>
+                  <a:srgbClr val="0000FF"/>
+                </a:solidFill>
+                <a:latin typeface="Consolas" panose="020B0609020204030204" pitchFamily="49" charset="0"/>
+              </a:rPr>
+              <a:t>public</a:t>
+            </a:r>
+            <a:r>
+              <a:rPr lang="en-US" sz="2200" dirty="0">
+                <a:solidFill>
+                  <a:srgbClr val="000000"/>
+                </a:solidFill>
+                <a:latin typeface="Consolas" panose="020B0609020204030204" pitchFamily="49" charset="0"/>
+              </a:rPr>
+              <a:t> </a:t>
+            </a:r>
+            <a:r>
+              <a:rPr lang="en-US" sz="2200" dirty="0">
+                <a:solidFill>
+                  <a:srgbClr val="0000FF"/>
+                </a:solidFill>
+                <a:latin typeface="Consolas" panose="020B0609020204030204" pitchFamily="49" charset="0"/>
+              </a:rPr>
+              <a:t>interface</a:t>
+            </a:r>
+            <a:r>
+              <a:rPr lang="en-US" sz="2200" dirty="0">
+                <a:solidFill>
+                  <a:srgbClr val="000000"/>
+                </a:solidFill>
+                <a:latin typeface="Consolas" panose="020B0609020204030204" pitchFamily="49" charset="0"/>
+              </a:rPr>
+              <a:t> </a:t>
+            </a:r>
+            <a:r>
+              <a:rPr lang="en-US" sz="2200" dirty="0" err="1">
+                <a:solidFill>
+                  <a:srgbClr val="2B91AF"/>
+                </a:solidFill>
+                <a:latin typeface="Consolas" panose="020B0609020204030204" pitchFamily="49" charset="0"/>
+              </a:rPr>
+              <a:t>IMultiHostingManager</a:t>
+            </a:r>
+            <a:endParaRPr lang="en-US" sz="2200" dirty="0">
               <a:solidFill>
                 <a:srgbClr val="000000"/>
               </a:solidFill>
@@ -15396,185 +16063,55 @@
           </a:p>
           <a:p>
             <a:r>
-              <a:rPr lang="ru-RU" dirty="0">
-                <a:solidFill>
-                  <a:srgbClr val="000000"/>
-                </a:solidFill>
-                <a:latin typeface="Consolas" panose="020B0609020204030204" pitchFamily="49" charset="0"/>
-              </a:rPr>
-              <a:t>		</a:t>
-            </a:r>
-            <a:r>
-              <a:rPr lang="en-US" dirty="0">
-                <a:solidFill>
-                  <a:srgbClr val="000000"/>
-                </a:solidFill>
-                <a:latin typeface="Consolas" panose="020B0609020204030204" pitchFamily="49" charset="0"/>
-              </a:rPr>
-              <a:t>.</a:t>
-            </a:r>
-            <a:r>
-              <a:rPr lang="en-US" dirty="0" err="1">
-                <a:solidFill>
-                  <a:srgbClr val="000000"/>
-                </a:solidFill>
-                <a:latin typeface="Consolas" panose="020B0609020204030204" pitchFamily="49" charset="0"/>
-              </a:rPr>
-              <a:t>FromAssembliesInPath</a:t>
-            </a:r>
-            <a:r>
-              <a:rPr lang="en-US" dirty="0">
-                <a:solidFill>
-                  <a:srgbClr val="000000"/>
-                </a:solidFill>
-                <a:latin typeface="Consolas" panose="020B0609020204030204" pitchFamily="49" charset="0"/>
-              </a:rPr>
-              <a:t>(</a:t>
-            </a:r>
-            <a:r>
-              <a:rPr lang="en-US" dirty="0" err="1">
-                <a:solidFill>
-                  <a:srgbClr val="000000"/>
-                </a:solidFill>
-                <a:latin typeface="Consolas" panose="020B0609020204030204" pitchFamily="49" charset="0"/>
-              </a:rPr>
-              <a:t>hostings.FullName</a:t>
-            </a:r>
-            <a:r>
-              <a:rPr lang="en-US" dirty="0">
-                <a:solidFill>
-                  <a:srgbClr val="000000"/>
-                </a:solidFill>
-                <a:latin typeface="Consolas" panose="020B0609020204030204" pitchFamily="49" charset="0"/>
-              </a:rPr>
-              <a:t>)</a:t>
-            </a:r>
-          </a:p>
-          <a:p>
-            <a:r>
-              <a:rPr lang="ru-RU" dirty="0">
-                <a:solidFill>
-                  <a:srgbClr val="000000"/>
-                </a:solidFill>
-                <a:latin typeface="Consolas" panose="020B0609020204030204" pitchFamily="49" charset="0"/>
-              </a:rPr>
-              <a:t>		</a:t>
-            </a:r>
-            <a:r>
-              <a:rPr lang="en-US" dirty="0">
-                <a:solidFill>
-                  <a:srgbClr val="000000"/>
-                </a:solidFill>
-                <a:latin typeface="Consolas" panose="020B0609020204030204" pitchFamily="49" charset="0"/>
-              </a:rPr>
-              <a:t>.Select(t =&gt; </a:t>
-            </a:r>
-            <a:r>
-              <a:rPr lang="en-US" dirty="0" err="1">
+              <a:rPr lang="ru-RU" sz="2200" dirty="0">
+                <a:solidFill>
+                  <a:srgbClr val="000000"/>
+                </a:solidFill>
+                <a:latin typeface="Consolas" panose="020B0609020204030204" pitchFamily="49" charset="0"/>
+              </a:rPr>
+              <a:t>{</a:t>
+            </a:r>
+          </a:p>
+          <a:p>
+            <a:r>
+              <a:rPr lang="en-US" sz="2200" dirty="0">
                 <a:solidFill>
                   <a:srgbClr val="0000FF"/>
                 </a:solidFill>
                 <a:latin typeface="Consolas" panose="020B0609020204030204" pitchFamily="49" charset="0"/>
               </a:rPr>
-              <a:t>typeof</a:t>
-            </a:r>
-            <a:r>
-              <a:rPr lang="en-US" dirty="0">
-                <a:solidFill>
-                  <a:srgbClr val="000000"/>
-                </a:solidFill>
-                <a:latin typeface="Consolas" panose="020B0609020204030204" pitchFamily="49" charset="0"/>
-              </a:rPr>
-              <a:t>(</a:t>
-            </a:r>
-            <a:r>
-              <a:rPr lang="en-US" dirty="0" err="1">
-                <a:solidFill>
-                  <a:srgbClr val="2B91AF"/>
-                </a:solidFill>
-                <a:latin typeface="Consolas" panose="020B0609020204030204" pitchFamily="49" charset="0"/>
-              </a:rPr>
-              <a:t>IMultiHostingManager</a:t>
-            </a:r>
-            <a:r>
-              <a:rPr lang="en-US" dirty="0">
-                <a:solidFill>
-                  <a:srgbClr val="000000"/>
-                </a:solidFill>
-                <a:latin typeface="Consolas" panose="020B0609020204030204" pitchFamily="49" charset="0"/>
-              </a:rPr>
-              <a:t>).</a:t>
-            </a:r>
-            <a:r>
-              <a:rPr lang="en-US" dirty="0" err="1">
-                <a:solidFill>
-                  <a:srgbClr val="000000"/>
-                </a:solidFill>
-                <a:latin typeface="Consolas" panose="020B0609020204030204" pitchFamily="49" charset="0"/>
-              </a:rPr>
-              <a:t>IsAssignableFrom</a:t>
-            </a:r>
-            <a:r>
-              <a:rPr lang="en-US" dirty="0">
-                <a:solidFill>
-                  <a:srgbClr val="000000"/>
-                </a:solidFill>
-                <a:latin typeface="Consolas" panose="020B0609020204030204" pitchFamily="49" charset="0"/>
-              </a:rPr>
-              <a:t>(t))</a:t>
-            </a:r>
-          </a:p>
-          <a:p>
-            <a:r>
-              <a:rPr lang="ru-RU" dirty="0">
-                <a:solidFill>
-                  <a:srgbClr val="000000"/>
-                </a:solidFill>
-                <a:latin typeface="Consolas" panose="020B0609020204030204" pitchFamily="49" charset="0"/>
-              </a:rPr>
-              <a:t>		</a:t>
-            </a:r>
-            <a:r>
-              <a:rPr lang="en-US" dirty="0">
-                <a:solidFill>
-                  <a:srgbClr val="000000"/>
-                </a:solidFill>
-                <a:latin typeface="Consolas" panose="020B0609020204030204" pitchFamily="49" charset="0"/>
-              </a:rPr>
-              <a:t>.</a:t>
-            </a:r>
-            <a:r>
-              <a:rPr lang="en-US" dirty="0" err="1">
-                <a:solidFill>
-                  <a:srgbClr val="000000"/>
-                </a:solidFill>
-                <a:latin typeface="Consolas" panose="020B0609020204030204" pitchFamily="49" charset="0"/>
-              </a:rPr>
-              <a:t>BindAllInterfaces</a:t>
-            </a:r>
-            <a:r>
-              <a:rPr lang="en-US" dirty="0">
-                <a:solidFill>
-                  <a:srgbClr val="000000"/>
-                </a:solidFill>
-                <a:latin typeface="Consolas" panose="020B0609020204030204" pitchFamily="49" charset="0"/>
-              </a:rPr>
-              <a:t>();</a:t>
-            </a:r>
-          </a:p>
-          <a:p>
-            <a:r>
-              <a:rPr lang="ru-RU" dirty="0">
-                <a:solidFill>
-                  <a:srgbClr val="000000"/>
-                </a:solidFill>
-                <a:latin typeface="Consolas" panose="020B0609020204030204" pitchFamily="49" charset="0"/>
-              </a:rPr>
-              <a:t>});</a:t>
-            </a:r>
-          </a:p>
-          <a:p>
-            <a:endParaRPr lang="ru-RU" dirty="0">
+              <a:t>	string</a:t>
+            </a:r>
+            <a:r>
+              <a:rPr lang="en-US" sz="2200" dirty="0">
+                <a:solidFill>
+                  <a:srgbClr val="000000"/>
+                </a:solidFill>
+                <a:latin typeface="Consolas" panose="020B0609020204030204" pitchFamily="49" charset="0"/>
+              </a:rPr>
+              <a:t> Name { </a:t>
+            </a:r>
+            <a:r>
+              <a:rPr lang="en-US" sz="2200" dirty="0">
+                <a:solidFill>
+                  <a:srgbClr val="0000FF"/>
+                </a:solidFill>
+                <a:latin typeface="Consolas" panose="020B0609020204030204" pitchFamily="49" charset="0"/>
+              </a:rPr>
+              <a:t>get</a:t>
+            </a:r>
+            <a:r>
+              <a:rPr lang="en-US" sz="2200" dirty="0">
+                <a:solidFill>
+                  <a:srgbClr val="000000"/>
+                </a:solidFill>
+                <a:latin typeface="Consolas" panose="020B0609020204030204" pitchFamily="49" charset="0"/>
+              </a:rPr>
+              <a:t>; }</a:t>
+            </a:r>
+          </a:p>
+          <a:p>
+            <a:endParaRPr lang="ru-RU" sz="2200" dirty="0">
               <a:solidFill>
                 <a:srgbClr val="000000"/>
               </a:solidFill>
@@ -15583,306 +16120,103 @@
           </a:p>
           <a:p>
             <a:r>
-              <a:rPr lang="en-US" dirty="0" err="1">
-                <a:solidFill>
-                  <a:srgbClr val="000000"/>
-                </a:solidFill>
-                <a:latin typeface="Consolas" panose="020B0609020204030204" pitchFamily="49" charset="0"/>
-              </a:rPr>
-              <a:t>kernel.Bind</a:t>
-            </a:r>
-            <a:r>
-              <a:rPr lang="en-US" dirty="0">
-                <a:solidFill>
-                  <a:srgbClr val="000000"/>
-                </a:solidFill>
-                <a:latin typeface="Consolas" panose="020B0609020204030204" pitchFamily="49" charset="0"/>
-              </a:rPr>
-              <a:t>&lt;</a:t>
-            </a:r>
-            <a:r>
-              <a:rPr lang="en-US" dirty="0" err="1">
+              <a:rPr lang="en-US" sz="2200" dirty="0">
                 <a:solidFill>
                   <a:srgbClr val="2B91AF"/>
                 </a:solidFill>
                 <a:latin typeface="Consolas" panose="020B0609020204030204" pitchFamily="49" charset="0"/>
               </a:rPr>
-              <a:t>ServicesCollection</a:t>
-            </a:r>
-            <a:r>
-              <a:rPr lang="en-US" dirty="0">
-                <a:solidFill>
-                  <a:srgbClr val="000000"/>
-                </a:solidFill>
-                <a:latin typeface="Consolas" panose="020B0609020204030204" pitchFamily="49" charset="0"/>
-              </a:rPr>
-              <a:t>&gt;().</a:t>
-            </a:r>
-            <a:r>
-              <a:rPr lang="en-US" dirty="0" err="1">
-                <a:solidFill>
-                  <a:srgbClr val="000000"/>
-                </a:solidFill>
-                <a:latin typeface="Consolas" panose="020B0609020204030204" pitchFamily="49" charset="0"/>
-              </a:rPr>
-              <a:t>ToSelf</a:t>
-            </a:r>
-            <a:r>
-              <a:rPr lang="en-US" dirty="0">
-                <a:solidFill>
-                  <a:srgbClr val="000000"/>
-                </a:solidFill>
-                <a:latin typeface="Consolas" panose="020B0609020204030204" pitchFamily="49" charset="0"/>
-              </a:rPr>
-              <a:t>().</a:t>
-            </a:r>
-            <a:r>
-              <a:rPr lang="en-US" dirty="0" err="1">
-                <a:solidFill>
-                  <a:srgbClr val="000000"/>
-                </a:solidFill>
-                <a:latin typeface="Consolas" panose="020B0609020204030204" pitchFamily="49" charset="0"/>
-              </a:rPr>
-              <a:t>InSingletonScope</a:t>
-            </a:r>
-            <a:r>
-              <a:rPr lang="en-US" dirty="0">
-                <a:solidFill>
-                  <a:srgbClr val="000000"/>
-                </a:solidFill>
-                <a:latin typeface="Consolas" panose="020B0609020204030204" pitchFamily="49" charset="0"/>
-              </a:rPr>
-              <a:t>();</a:t>
-            </a:r>
-          </a:p>
-          <a:p>
-            <a:r>
-              <a:rPr lang="en-US" dirty="0" err="1">
-                <a:solidFill>
-                  <a:srgbClr val="000000"/>
-                </a:solidFill>
-                <a:latin typeface="Consolas" panose="020B0609020204030204" pitchFamily="49" charset="0"/>
-              </a:rPr>
-              <a:t>kernel.Bind</a:t>
-            </a:r>
-            <a:r>
-              <a:rPr lang="en-US" dirty="0">
-                <a:solidFill>
-                  <a:srgbClr val="000000"/>
-                </a:solidFill>
-                <a:latin typeface="Consolas" panose="020B0609020204030204" pitchFamily="49" charset="0"/>
-              </a:rPr>
-              <a:t>&lt;</a:t>
-            </a:r>
-            <a:r>
-              <a:rPr lang="en-US" dirty="0" err="1">
+              <a:t>	</a:t>
+            </a:r>
+            <a:r>
+              <a:rPr lang="en-US" sz="2200" dirty="0" err="1">
                 <a:solidFill>
                   <a:srgbClr val="2B91AF"/>
                 </a:solidFill>
                 <a:latin typeface="Consolas" panose="020B0609020204030204" pitchFamily="49" charset="0"/>
               </a:rPr>
-              <a:t>TopologyConfigurator</a:t>
-            </a:r>
-            <a:r>
-              <a:rPr lang="en-US" dirty="0">
-                <a:solidFill>
-                  <a:srgbClr val="000000"/>
-                </a:solidFill>
-                <a:latin typeface="Consolas" panose="020B0609020204030204" pitchFamily="49" charset="0"/>
-              </a:rPr>
-              <a:t>&gt;().</a:t>
-            </a:r>
-            <a:r>
-              <a:rPr lang="en-US" dirty="0" err="1">
-                <a:solidFill>
-                  <a:srgbClr val="000000"/>
-                </a:solidFill>
-                <a:latin typeface="Consolas" panose="020B0609020204030204" pitchFamily="49" charset="0"/>
-              </a:rPr>
-              <a:t>ToSelf</a:t>
-            </a:r>
-            <a:r>
-              <a:rPr lang="en-US" dirty="0">
-                <a:solidFill>
-                  <a:srgbClr val="000000"/>
-                </a:solidFill>
-                <a:latin typeface="Consolas" panose="020B0609020204030204" pitchFamily="49" charset="0"/>
-              </a:rPr>
-              <a:t>().</a:t>
-            </a:r>
-            <a:r>
-              <a:rPr lang="en-US" dirty="0" err="1">
-                <a:solidFill>
-                  <a:srgbClr val="000000"/>
-                </a:solidFill>
-                <a:latin typeface="Consolas" panose="020B0609020204030204" pitchFamily="49" charset="0"/>
-              </a:rPr>
-              <a:t>InSingletonScope</a:t>
-            </a:r>
-            <a:r>
-              <a:rPr lang="en-US" dirty="0">
-                <a:solidFill>
-                  <a:srgbClr val="000000"/>
-                </a:solidFill>
-                <a:latin typeface="Consolas" panose="020B0609020204030204" pitchFamily="49" charset="0"/>
-              </a:rPr>
-              <a:t>();</a:t>
-            </a:r>
-          </a:p>
-          <a:p>
-            <a:r>
-              <a:rPr lang="en-US" dirty="0" err="1">
-                <a:solidFill>
-                  <a:srgbClr val="000000"/>
-                </a:solidFill>
-                <a:latin typeface="Consolas" panose="020B0609020204030204" pitchFamily="49" charset="0"/>
-              </a:rPr>
-              <a:t>kernel.Bind</a:t>
-            </a:r>
-            <a:r>
-              <a:rPr lang="en-US" dirty="0">
-                <a:solidFill>
-                  <a:srgbClr val="000000"/>
-                </a:solidFill>
-                <a:latin typeface="Consolas" panose="020B0609020204030204" pitchFamily="49" charset="0"/>
-              </a:rPr>
-              <a:t>&lt;</a:t>
-            </a:r>
-            <a:r>
-              <a:rPr lang="en-US" dirty="0" err="1">
+              <a:t>IHosting</a:t>
+            </a:r>
+            <a:r>
+              <a:rPr lang="en-US" sz="2200" dirty="0">
+                <a:solidFill>
+                  <a:srgbClr val="000000"/>
+                </a:solidFill>
+                <a:latin typeface="Consolas" panose="020B0609020204030204" pitchFamily="49" charset="0"/>
+              </a:rPr>
+              <a:t> </a:t>
+            </a:r>
+            <a:r>
+              <a:rPr lang="en-US" sz="2200" dirty="0" err="1">
+                <a:solidFill>
+                  <a:srgbClr val="000000"/>
+                </a:solidFill>
+                <a:latin typeface="Consolas" panose="020B0609020204030204" pitchFamily="49" charset="0"/>
+              </a:rPr>
+              <a:t>GetFileHostingFor</a:t>
+            </a:r>
+            <a:r>
+              <a:rPr lang="en-US" sz="2200" dirty="0">
+                <a:solidFill>
+                  <a:srgbClr val="000000"/>
+                </a:solidFill>
+                <a:latin typeface="Consolas" panose="020B0609020204030204" pitchFamily="49" charset="0"/>
+              </a:rPr>
+              <a:t>(</a:t>
+            </a:r>
+            <a:r>
+              <a:rPr lang="en-US" sz="2200" dirty="0" err="1">
                 <a:solidFill>
                   <a:srgbClr val="2B91AF"/>
                 </a:solidFill>
                 <a:latin typeface="Consolas" panose="020B0609020204030204" pitchFamily="49" charset="0"/>
               </a:rPr>
-              <a:t>HostingTreeBuilder</a:t>
-            </a:r>
-            <a:r>
-              <a:rPr lang="en-US" dirty="0">
-                <a:solidFill>
-                  <a:srgbClr val="000000"/>
-                </a:solidFill>
-                <a:latin typeface="Consolas" panose="020B0609020204030204" pitchFamily="49" charset="0"/>
-              </a:rPr>
-              <a:t>&gt;().</a:t>
-            </a:r>
-            <a:r>
-              <a:rPr lang="en-US" dirty="0" err="1">
-                <a:solidFill>
-                  <a:srgbClr val="000000"/>
-                </a:solidFill>
-                <a:latin typeface="Consolas" panose="020B0609020204030204" pitchFamily="49" charset="0"/>
-              </a:rPr>
-              <a:t>ToSelf</a:t>
-            </a:r>
-            <a:r>
-              <a:rPr lang="en-US" dirty="0">
-                <a:solidFill>
-                  <a:srgbClr val="000000"/>
-                </a:solidFill>
-                <a:latin typeface="Consolas" panose="020B0609020204030204" pitchFamily="49" charset="0"/>
-              </a:rPr>
-              <a:t>().</a:t>
-            </a:r>
-            <a:r>
-              <a:rPr lang="en-US" dirty="0" err="1">
-                <a:solidFill>
-                  <a:srgbClr val="000000"/>
-                </a:solidFill>
-                <a:latin typeface="Consolas" panose="020B0609020204030204" pitchFamily="49" charset="0"/>
-              </a:rPr>
-              <a:t>InSingletonScope</a:t>
-            </a:r>
-            <a:r>
-              <a:rPr lang="en-US" dirty="0">
-                <a:solidFill>
-                  <a:srgbClr val="000000"/>
-                </a:solidFill>
-                <a:latin typeface="Consolas" panose="020B0609020204030204" pitchFamily="49" charset="0"/>
-              </a:rPr>
-              <a:t>();</a:t>
-            </a:r>
-          </a:p>
-          <a:p>
-            <a:r>
-              <a:rPr lang="en-US" dirty="0" err="1">
-                <a:solidFill>
-                  <a:srgbClr val="000000"/>
-                </a:solidFill>
-                <a:latin typeface="Consolas" panose="020B0609020204030204" pitchFamily="49" charset="0"/>
-              </a:rPr>
-              <a:t>kernel.Bind</a:t>
-            </a:r>
-            <a:r>
-              <a:rPr lang="en-US" dirty="0">
-                <a:solidFill>
-                  <a:srgbClr val="000000"/>
-                </a:solidFill>
-                <a:latin typeface="Consolas" panose="020B0609020204030204" pitchFamily="49" charset="0"/>
-              </a:rPr>
-              <a:t>&lt;</a:t>
-            </a:r>
-            <a:r>
-              <a:rPr lang="en-US" dirty="0" err="1">
-                <a:solidFill>
-                  <a:srgbClr val="2B91AF"/>
-                </a:solidFill>
-                <a:latin typeface="Consolas" panose="020B0609020204030204" pitchFamily="49" charset="0"/>
-              </a:rPr>
-              <a:t>CredentialsFormatter</a:t>
-            </a:r>
-            <a:r>
-              <a:rPr lang="en-US" dirty="0">
-                <a:solidFill>
-                  <a:srgbClr val="000000"/>
-                </a:solidFill>
-                <a:latin typeface="Consolas" panose="020B0609020204030204" pitchFamily="49" charset="0"/>
-              </a:rPr>
-              <a:t>&gt;().</a:t>
-            </a:r>
-            <a:r>
-              <a:rPr lang="en-US" dirty="0" err="1">
-                <a:solidFill>
-                  <a:srgbClr val="000000"/>
-                </a:solidFill>
-                <a:latin typeface="Consolas" panose="020B0609020204030204" pitchFamily="49" charset="0"/>
-              </a:rPr>
-              <a:t>ToSelf</a:t>
-            </a:r>
-            <a:r>
-              <a:rPr lang="en-US" dirty="0">
-                <a:solidFill>
-                  <a:srgbClr val="000000"/>
-                </a:solidFill>
-                <a:latin typeface="Consolas" panose="020B0609020204030204" pitchFamily="49" charset="0"/>
-              </a:rPr>
-              <a:t>().</a:t>
-            </a:r>
-            <a:r>
-              <a:rPr lang="en-US" dirty="0" err="1">
-                <a:solidFill>
-                  <a:srgbClr val="000000"/>
-                </a:solidFill>
-                <a:latin typeface="Consolas" panose="020B0609020204030204" pitchFamily="49" charset="0"/>
-              </a:rPr>
-              <a:t>InSingletonScope</a:t>
-            </a:r>
-            <a:r>
-              <a:rPr lang="en-US" dirty="0">
-                <a:solidFill>
-                  <a:srgbClr val="000000"/>
-                </a:solidFill>
-                <a:latin typeface="Consolas" panose="020B0609020204030204" pitchFamily="49" charset="0"/>
-              </a:rPr>
-              <a:t>();</a:t>
-            </a:r>
+              <a:t>IHosting</a:t>
+            </a:r>
+            <a:r>
+              <a:rPr lang="en-US" sz="2200" dirty="0">
+                <a:solidFill>
+                  <a:srgbClr val="000000"/>
+                </a:solidFill>
+                <a:latin typeface="Consolas" panose="020B0609020204030204" pitchFamily="49" charset="0"/>
+              </a:rPr>
+              <a:t>[] </a:t>
+            </a:r>
+            <a:r>
+              <a:rPr lang="en-US" sz="2200" dirty="0" err="1">
+                <a:solidFill>
+                  <a:srgbClr val="000000"/>
+                </a:solidFill>
+                <a:latin typeface="Consolas" panose="020B0609020204030204" pitchFamily="49" charset="0"/>
+              </a:rPr>
+              <a:t>hostings</a:t>
+            </a:r>
+            <a:r>
+              <a:rPr lang="en-US" sz="2200" dirty="0">
+                <a:solidFill>
+                  <a:srgbClr val="000000"/>
+                </a:solidFill>
+                <a:latin typeface="Consolas" panose="020B0609020204030204" pitchFamily="49" charset="0"/>
+              </a:rPr>
+              <a:t>);</a:t>
+            </a:r>
+            <a:r>
+              <a:rPr lang="ru-RU" sz="2200" dirty="0">
+                <a:solidFill>
+                  <a:srgbClr val="000000"/>
+                </a:solidFill>
+                <a:latin typeface="Consolas" panose="020B0609020204030204" pitchFamily="49" charset="0"/>
+              </a:rPr>
+              <a:t>    }</a:t>
+            </a:r>
+            <a:endParaRPr lang="ru-RU" sz="2200" dirty="0"/>
           </a:p>
         </p:txBody>
       </p:sp>
     </p:spTree>
     <p:extLst>
       <p:ext uri="{BB962C8B-B14F-4D97-AF65-F5344CB8AC3E}">
-        <p14:creationId xmlns:p14="http://schemas.microsoft.com/office/powerpoint/2010/main" val="2851897968"/>
+        <p14:creationId xmlns:p14="http://schemas.microsoft.com/office/powerpoint/2010/main" val="3239580636"/>
       </p:ext>
     </p:extLst>
   </p:cSld>
